--- a/MIMO/MIMO.pptx
+++ b/MIMO/MIMO.pptx
@@ -5,13 +5,15 @@
     <p:sldMasterId id="2147483648" r:id="rId4"/>
   </p:sldMasterIdLst>
   <p:notesMasterIdLst>
-    <p:notesMasterId r:id="rId9"/>
+    <p:notesMasterId r:id="rId11"/>
   </p:notesMasterIdLst>
   <p:sldIdLst>
     <p:sldId id="256" r:id="rId5"/>
     <p:sldId id="258" r:id="rId6"/>
     <p:sldId id="257" r:id="rId7"/>
     <p:sldId id="259" r:id="rId8"/>
+    <p:sldId id="260" r:id="rId9"/>
+    <p:sldId id="261" r:id="rId10"/>
   </p:sldIdLst>
   <p:sldSz cx="12192000" cy="6858000"/>
   <p:notesSz cx="6858000" cy="9144000"/>
@@ -110,6 +112,11 @@
       </a:defRPr>
     </a:lvl9pPr>
   </p:defaultTextStyle>
+  <p:extLst>
+    <p:ext uri="{EFAFB233-063F-42B5-8137-9DF3F51BA10A}">
+      <p15:sldGuideLst xmlns:p15="http://schemas.microsoft.com/office/powerpoint/2012/main"/>
+    </p:ext>
+  </p:extLst>
 </p:presentation>
 </file>
 
@@ -577,6 +584,97 @@
     <p:extLst>
       <p:ext uri="{BB962C8B-B14F-4D97-AF65-F5344CB8AC3E}">
         <p14:creationId xmlns:p14="http://schemas.microsoft.com/office/powerpoint/2010/main" val="4254598363"/>
+      </p:ext>
+    </p:extLst>
+  </p:cSld>
+  <p:clrMapOvr>
+    <a:masterClrMapping/>
+  </p:clrMapOvr>
+</p:notes>
+</file>
+
+<file path=ppt/notesSlides/notesSlide2.xml><?xml version="1.0" encoding="utf-8"?>
+<p:notes xmlns:a="http://schemas.openxmlformats.org/drawingml/2006/main" xmlns:r="http://schemas.openxmlformats.org/officeDocument/2006/relationships" xmlns:p="http://schemas.openxmlformats.org/presentationml/2006/main">
+  <p:cSld>
+    <p:spTree>
+      <p:nvGrpSpPr>
+        <p:cNvPr id="1" name=""/>
+        <p:cNvGrpSpPr/>
+        <p:nvPr/>
+      </p:nvGrpSpPr>
+      <p:grpSpPr>
+        <a:xfrm>
+          <a:off x="0" y="0"/>
+          <a:ext cx="0" cy="0"/>
+          <a:chOff x="0" y="0"/>
+          <a:chExt cx="0" cy="0"/>
+        </a:xfrm>
+      </p:grpSpPr>
+      <p:sp>
+        <p:nvSpPr>
+          <p:cNvPr id="2" name="スライド イメージ プレースホルダー 1"/>
+          <p:cNvSpPr>
+            <a:spLocks noGrp="1" noRot="1" noChangeAspect="1"/>
+          </p:cNvSpPr>
+          <p:nvPr>
+            <p:ph type="sldImg"/>
+          </p:nvPr>
+        </p:nvSpPr>
+        <p:spPr/>
+      </p:sp>
+      <p:sp>
+        <p:nvSpPr>
+          <p:cNvPr id="3" name="ノート プレースホルダー 2"/>
+          <p:cNvSpPr>
+            <a:spLocks noGrp="1"/>
+          </p:cNvSpPr>
+          <p:nvPr>
+            <p:ph type="body" idx="1"/>
+          </p:nvPr>
+        </p:nvSpPr>
+        <p:spPr/>
+        <p:txBody>
+          <a:bodyPr/>
+          <a:lstStyle/>
+          <a:p>
+            <a:r>
+              <a:rPr kumimoji="1" lang="en-US" altLang="ja-JP" dirty="0"/>
+              <a:t>y_1,y_2:</a:t>
+            </a:r>
+            <a:r>
+              <a:rPr kumimoji="1" lang="ja-JP" altLang="en-US" dirty="0"/>
+              <a:t>受信信号</a:t>
+            </a:r>
+          </a:p>
+        </p:txBody>
+      </p:sp>
+      <p:sp>
+        <p:nvSpPr>
+          <p:cNvPr id="4" name="スライド番号プレースホルダー 3"/>
+          <p:cNvSpPr>
+            <a:spLocks noGrp="1"/>
+          </p:cNvSpPr>
+          <p:nvPr>
+            <p:ph type="sldNum" sz="quarter" idx="5"/>
+          </p:nvPr>
+        </p:nvSpPr>
+        <p:spPr/>
+        <p:txBody>
+          <a:bodyPr/>
+          <a:lstStyle/>
+          <a:p>
+            <a:fld id="{35DACDB7-49B8-4549-BD42-B68A1D13E038}" type="slidenum">
+              <a:rPr kumimoji="1" lang="ja-JP" altLang="en-US" smtClean="0"/>
+              <a:t>4</a:t>
+            </a:fld>
+            <a:endParaRPr kumimoji="1" lang="ja-JP" altLang="en-US"/>
+          </a:p>
+        </p:txBody>
+      </p:sp>
+    </p:spTree>
+    <p:extLst>
+      <p:ext uri="{BB962C8B-B14F-4D97-AF65-F5344CB8AC3E}">
+        <p14:creationId xmlns:p14="http://schemas.microsoft.com/office/powerpoint/2010/main" val="962471203"/>
       </p:ext>
     </p:extLst>
   </p:cSld>
@@ -5603,8 +5701,8 @@
         </p:nvSpPr>
         <p:spPr>
           <a:xfrm>
-            <a:off x="1103645" y="2257409"/>
-            <a:ext cx="689630" cy="307777"/>
+            <a:off x="1167201" y="2310127"/>
+            <a:ext cx="689630" cy="276999"/>
           </a:xfrm>
           <a:prstGeom prst="rect">
             <a:avLst/>
@@ -5618,7 +5716,7 @@
           <a:lstStyle/>
           <a:p>
             <a:r>
-              <a:rPr kumimoji="1" lang="ja-JP" altLang="en-US" sz="1400" dirty="0">
+              <a:rPr kumimoji="1" lang="ja-JP" altLang="en-US" sz="1200" dirty="0">
                 <a:latin typeface="BIZ UDPゴシック" panose="020B0400000000000000" pitchFamily="50" charset="-128"/>
                 <a:ea typeface="BIZ UDPゴシック" panose="020B0400000000000000" pitchFamily="50" charset="-128"/>
               </a:rPr>
@@ -5641,7 +5739,7 @@
         </p:nvSpPr>
         <p:spPr>
           <a:xfrm>
-            <a:off x="5112349" y="6219716"/>
+            <a:off x="5178337" y="6294891"/>
             <a:ext cx="888407" cy="369332"/>
           </a:xfrm>
           <a:prstGeom prst="rect">
@@ -7023,6 +7121,96 @@
               </a:rPr>
               <a:t>アンテナ本数分倍できるのが強い</a:t>
             </a:r>
+          </a:p>
+        </p:txBody>
+      </p:sp>
+      <p:cxnSp>
+        <p:nvCxnSpPr>
+          <p:cNvPr id="3" name="直線矢印コネクタ 2">
+            <a:extLst>
+              <a:ext uri="{FF2B5EF4-FFF2-40B4-BE49-F238E27FC236}">
+                <a16:creationId xmlns:a16="http://schemas.microsoft.com/office/drawing/2014/main" id="{D4135866-3B05-444E-F9EA-CA5EFB1B0EAD}"/>
+              </a:ext>
+            </a:extLst>
+          </p:cNvPr>
+          <p:cNvCxnSpPr>
+            <a:cxnSpLocks/>
+          </p:cNvCxnSpPr>
+          <p:nvPr/>
+        </p:nvCxnSpPr>
+        <p:spPr>
+          <a:xfrm>
+            <a:off x="1263849" y="6698674"/>
+            <a:ext cx="1967969" cy="0"/>
+          </a:xfrm>
+          <a:prstGeom prst="straightConnector1">
+            <a:avLst/>
+          </a:prstGeom>
+          <a:ln w="19050">
+            <a:tailEnd type="triangle"/>
+          </a:ln>
+        </p:spPr>
+        <p:style>
+          <a:lnRef idx="1">
+            <a:schemeClr val="accent1"/>
+          </a:lnRef>
+          <a:fillRef idx="0">
+            <a:schemeClr val="accent1"/>
+          </a:fillRef>
+          <a:effectRef idx="0">
+            <a:schemeClr val="accent1"/>
+          </a:effectRef>
+          <a:fontRef idx="minor">
+            <a:schemeClr val="tx1"/>
+          </a:fontRef>
+        </p:style>
+      </p:cxnSp>
+      <p:sp>
+        <p:nvSpPr>
+          <p:cNvPr id="10" name="テキスト ボックス 9">
+            <a:extLst>
+              <a:ext uri="{FF2B5EF4-FFF2-40B4-BE49-F238E27FC236}">
+                <a16:creationId xmlns:a16="http://schemas.microsoft.com/office/drawing/2014/main" id="{585714BA-67F8-2D6F-D63C-9A696BC8ED73}"/>
+              </a:ext>
+            </a:extLst>
+          </p:cNvPr>
+          <p:cNvSpPr txBox="1"/>
+          <p:nvPr/>
+        </p:nvSpPr>
+        <p:spPr>
+          <a:xfrm>
+            <a:off x="3172481" y="6552322"/>
+            <a:ext cx="1988725" cy="276999"/>
+          </a:xfrm>
+          <a:prstGeom prst="rect">
+            <a:avLst/>
+          </a:prstGeom>
+          <a:noFill/>
+        </p:spPr>
+        <p:txBody>
+          <a:bodyPr wrap="square" rtlCol="0">
+            <a:spAutoFit/>
+          </a:bodyPr>
+          <a:lstStyle/>
+          <a:p>
+            <a:r>
+              <a:rPr kumimoji="1" lang="ja-JP" altLang="en-US" sz="1200" dirty="0">
+                <a:latin typeface="BIZ UDPゴシック" panose="020B0400000000000000" pitchFamily="50" charset="-128"/>
+                <a:ea typeface="BIZ UDPゴシック" panose="020B0400000000000000" pitchFamily="50" charset="-128"/>
+              </a:rPr>
+              <a:t>従来の帯域幅</a:t>
+            </a:r>
+            <a:r>
+              <a:rPr kumimoji="1" lang="en-US" altLang="ja-JP" sz="1200" dirty="0">
+                <a:latin typeface="BIZ UDPゴシック" panose="020B0400000000000000" pitchFamily="50" charset="-128"/>
+                <a:ea typeface="BIZ UDPゴシック" panose="020B0400000000000000" pitchFamily="50" charset="-128"/>
+              </a:rPr>
+              <a:t>(20MHz)</a:t>
+            </a:r>
+            <a:endParaRPr kumimoji="1" lang="ja-JP" altLang="en-US" sz="1200" dirty="0">
+              <a:latin typeface="BIZ UDPゴシック" panose="020B0400000000000000" pitchFamily="50" charset="-128"/>
+              <a:ea typeface="BIZ UDPゴシック" panose="020B0400000000000000" pitchFamily="50" charset="-128"/>
+            </a:endParaRPr>
           </a:p>
         </p:txBody>
       </p:sp>
@@ -7204,8 +7392,8 @@
         </p:nvSpPr>
         <p:spPr>
           <a:xfrm>
-            <a:off x="0" y="52529"/>
-            <a:ext cx="11400313" cy="830997"/>
+            <a:off x="1" y="52529"/>
+            <a:ext cx="7816850" cy="830997"/>
           </a:xfrm>
           <a:prstGeom prst="rect">
             <a:avLst/>
@@ -7235,10 +7423,1714 @@
           </a:p>
         </p:txBody>
       </p:sp>
+      <p:pic>
+        <p:nvPicPr>
+          <p:cNvPr id="19" name="グラフィックス 18">
+            <a:extLst>
+              <a:ext uri="{FF2B5EF4-FFF2-40B4-BE49-F238E27FC236}">
+                <a16:creationId xmlns:a16="http://schemas.microsoft.com/office/drawing/2014/main" id="{4CE65C11-297B-38C2-965B-74015D424571}"/>
+              </a:ext>
+            </a:extLst>
+          </p:cNvPr>
+          <p:cNvPicPr>
+            <a:picLocks noChangeAspect="1"/>
+          </p:cNvPicPr>
+          <p:nvPr/>
+        </p:nvPicPr>
+        <p:blipFill>
+          <a:blip r:embed="rId13">
+            <a:extLst>
+              <a:ext uri="{28A0092B-C50C-407E-A947-70E740481C1C}">
+                <a14:useLocalDpi xmlns:a14="http://schemas.microsoft.com/office/drawing/2010/main" val="0"/>
+              </a:ext>
+              <a:ext uri="{96DAC541-7B7A-43D3-8B79-37D633B846F1}">
+                <asvg:svgBlip xmlns:asvg="http://schemas.microsoft.com/office/drawing/2016/SVG/main" r:embed="rId14"/>
+              </a:ext>
+            </a:extLst>
+          </a:blip>
+          <a:srcRect/>
+          <a:stretch/>
+        </p:blipFill>
+        <p:spPr>
+          <a:xfrm>
+            <a:off x="901357" y="2191182"/>
+            <a:ext cx="9868243" cy="3832248"/>
+          </a:xfrm>
+          <a:prstGeom prst="rect">
+            <a:avLst/>
+          </a:prstGeom>
+        </p:spPr>
+      </p:pic>
+      <p:pic>
+        <p:nvPicPr>
+          <p:cNvPr id="20" name="図 19" descr="\documentclass{jsarticle}&#10;\usepackage{amsmath}&#10;\usepackage[T1]{fontenc}&#10;\usepackage{lmodern}&#10;\pagestyle{empty}&#10;&#10;\begin{document}&#10;%\begin{align*}&#10;%\end{align*}&#10;&#10;$S_1$&#10;&#10;\end{document}" title="IguanaTex Bitmap Display">
+            <a:extLst>
+              <a:ext uri="{FF2B5EF4-FFF2-40B4-BE49-F238E27FC236}">
+                <a16:creationId xmlns:a16="http://schemas.microsoft.com/office/drawing/2014/main" id="{A39448F8-5FCF-E11A-BD51-8A98F10129E0}"/>
+              </a:ext>
+            </a:extLst>
+          </p:cNvPr>
+          <p:cNvPicPr>
+            <a:picLocks noChangeAspect="1"/>
+          </p:cNvPicPr>
+          <p:nvPr>
+            <p:custDataLst>
+              <p:tags r:id="rId1"/>
+            </p:custDataLst>
+          </p:nvPr>
+        </p:nvPicPr>
+        <p:blipFill>
+          <a:blip r:embed="rId15">
+            <a:extLst>
+              <a:ext uri="{28A0092B-C50C-407E-A947-70E740481C1C}">
+                <a14:useLocalDpi xmlns:a14="http://schemas.microsoft.com/office/drawing/2010/main" val="0"/>
+              </a:ext>
+            </a:extLst>
+          </a:blip>
+          <a:stretch>
+            <a:fillRect/>
+          </a:stretch>
+        </p:blipFill>
+        <p:spPr>
+          <a:xfrm>
+            <a:off x="1041057" y="3029834"/>
+            <a:ext cx="393302" cy="372689"/>
+          </a:xfrm>
+          <a:prstGeom prst="rect">
+            <a:avLst/>
+          </a:prstGeom>
+        </p:spPr>
+      </p:pic>
+      <p:pic>
+        <p:nvPicPr>
+          <p:cNvPr id="21" name="図 20" descr="\documentclass{jsarticle}&#10;\usepackage{amsmath}&#10;\usepackage[T1]{fontenc}&#10;\usepackage{lmodern}&#10;\pagestyle{empty}&#10;&#10;\begin{document}&#10;%\begin{align*}&#10;%\end{align*}&#10;&#10;$S_2$&#10;&#10;\end{document}" title="IguanaTex Bitmap Display">
+            <a:extLst>
+              <a:ext uri="{FF2B5EF4-FFF2-40B4-BE49-F238E27FC236}">
+                <a16:creationId xmlns:a16="http://schemas.microsoft.com/office/drawing/2014/main" id="{97CD2AB5-34D5-8FC1-4D2D-C8CEA7E48117}"/>
+              </a:ext>
+            </a:extLst>
+          </p:cNvPr>
+          <p:cNvPicPr>
+            <a:picLocks noChangeAspect="1"/>
+          </p:cNvPicPr>
+          <p:nvPr>
+            <p:custDataLst>
+              <p:tags r:id="rId2"/>
+            </p:custDataLst>
+          </p:nvPr>
+        </p:nvPicPr>
+        <p:blipFill>
+          <a:blip r:embed="rId16">
+            <a:extLst>
+              <a:ext uri="{28A0092B-C50C-407E-A947-70E740481C1C}">
+                <a14:useLocalDpi xmlns:a14="http://schemas.microsoft.com/office/drawing/2010/main" val="0"/>
+              </a:ext>
+            </a:extLst>
+          </a:blip>
+          <a:stretch>
+            <a:fillRect/>
+          </a:stretch>
+        </p:blipFill>
+        <p:spPr>
+          <a:xfrm>
+            <a:off x="1041057" y="5277529"/>
+            <a:ext cx="393302" cy="365476"/>
+          </a:xfrm>
+          <a:prstGeom prst="rect">
+            <a:avLst/>
+          </a:prstGeom>
+        </p:spPr>
+      </p:pic>
+      <p:sp>
+        <p:nvSpPr>
+          <p:cNvPr id="22" name="テキスト ボックス 21">
+            <a:extLst>
+              <a:ext uri="{FF2B5EF4-FFF2-40B4-BE49-F238E27FC236}">
+                <a16:creationId xmlns:a16="http://schemas.microsoft.com/office/drawing/2014/main" id="{9626D64D-A5FA-E898-01A0-1030251EE262}"/>
+              </a:ext>
+            </a:extLst>
+          </p:cNvPr>
+          <p:cNvSpPr txBox="1"/>
+          <p:nvPr/>
+        </p:nvSpPr>
+        <p:spPr>
+          <a:xfrm>
+            <a:off x="1613989" y="1757487"/>
+            <a:ext cx="894775" cy="461665"/>
+          </a:xfrm>
+          <a:prstGeom prst="rect">
+            <a:avLst/>
+          </a:prstGeom>
+          <a:noFill/>
+        </p:spPr>
+        <p:txBody>
+          <a:bodyPr wrap="square" rtlCol="0">
+            <a:spAutoFit/>
+          </a:bodyPr>
+          <a:lstStyle/>
+          <a:p>
+            <a:r>
+              <a:rPr kumimoji="1" lang="en-US" altLang="ja-JP" sz="2400" dirty="0">
+                <a:latin typeface="BIZ UDPゴシック" panose="020B0400000000000000" pitchFamily="50" charset="-128"/>
+                <a:ea typeface="BIZ UDPゴシック" panose="020B0400000000000000" pitchFamily="50" charset="-128"/>
+              </a:rPr>
+              <a:t>#1</a:t>
+            </a:r>
+            <a:endParaRPr kumimoji="1" lang="ja-JP" altLang="en-US" sz="2400" dirty="0">
+              <a:latin typeface="BIZ UDPゴシック" panose="020B0400000000000000" pitchFamily="50" charset="-128"/>
+              <a:ea typeface="BIZ UDPゴシック" panose="020B0400000000000000" pitchFamily="50" charset="-128"/>
+            </a:endParaRPr>
+          </a:p>
+        </p:txBody>
+      </p:sp>
+      <p:sp>
+        <p:nvSpPr>
+          <p:cNvPr id="23" name="テキスト ボックス 22">
+            <a:extLst>
+              <a:ext uri="{FF2B5EF4-FFF2-40B4-BE49-F238E27FC236}">
+                <a16:creationId xmlns:a16="http://schemas.microsoft.com/office/drawing/2014/main" id="{C3685DAD-9FE6-7B43-F784-7E669AAEDBFD}"/>
+              </a:ext>
+            </a:extLst>
+          </p:cNvPr>
+          <p:cNvSpPr txBox="1"/>
+          <p:nvPr/>
+        </p:nvSpPr>
+        <p:spPr>
+          <a:xfrm>
+            <a:off x="1609574" y="3944695"/>
+            <a:ext cx="894775" cy="461665"/>
+          </a:xfrm>
+          <a:prstGeom prst="rect">
+            <a:avLst/>
+          </a:prstGeom>
+          <a:noFill/>
+        </p:spPr>
+        <p:txBody>
+          <a:bodyPr wrap="square" rtlCol="0">
+            <a:spAutoFit/>
+          </a:bodyPr>
+          <a:lstStyle/>
+          <a:p>
+            <a:r>
+              <a:rPr kumimoji="1" lang="en-US" altLang="ja-JP" sz="2400" dirty="0">
+                <a:latin typeface="BIZ UDPゴシック" panose="020B0400000000000000" pitchFamily="50" charset="-128"/>
+                <a:ea typeface="BIZ UDPゴシック" panose="020B0400000000000000" pitchFamily="50" charset="-128"/>
+              </a:rPr>
+              <a:t>#2</a:t>
+            </a:r>
+            <a:endParaRPr kumimoji="1" lang="ja-JP" altLang="en-US" sz="2400" dirty="0">
+              <a:latin typeface="BIZ UDPゴシック" panose="020B0400000000000000" pitchFamily="50" charset="-128"/>
+              <a:ea typeface="BIZ UDPゴシック" panose="020B0400000000000000" pitchFamily="50" charset="-128"/>
+            </a:endParaRPr>
+          </a:p>
+        </p:txBody>
+      </p:sp>
+      <p:sp>
+        <p:nvSpPr>
+          <p:cNvPr id="24" name="テキスト ボックス 23">
+            <a:extLst>
+              <a:ext uri="{FF2B5EF4-FFF2-40B4-BE49-F238E27FC236}">
+                <a16:creationId xmlns:a16="http://schemas.microsoft.com/office/drawing/2014/main" id="{905743D1-7876-F89A-AA2F-F7BC697AC5FA}"/>
+              </a:ext>
+            </a:extLst>
+          </p:cNvPr>
+          <p:cNvSpPr txBox="1"/>
+          <p:nvPr/>
+        </p:nvSpPr>
+        <p:spPr>
+          <a:xfrm>
+            <a:off x="5177418" y="1731319"/>
+            <a:ext cx="894775" cy="461665"/>
+          </a:xfrm>
+          <a:prstGeom prst="rect">
+            <a:avLst/>
+          </a:prstGeom>
+          <a:noFill/>
+        </p:spPr>
+        <p:txBody>
+          <a:bodyPr wrap="square" rtlCol="0">
+            <a:spAutoFit/>
+          </a:bodyPr>
+          <a:lstStyle/>
+          <a:p>
+            <a:r>
+              <a:rPr kumimoji="1" lang="en-US" altLang="ja-JP" sz="2400" dirty="0">
+                <a:latin typeface="BIZ UDPゴシック" panose="020B0400000000000000" pitchFamily="50" charset="-128"/>
+                <a:ea typeface="BIZ UDPゴシック" panose="020B0400000000000000" pitchFamily="50" charset="-128"/>
+              </a:rPr>
+              <a:t>#1</a:t>
+            </a:r>
+            <a:endParaRPr kumimoji="1" lang="ja-JP" altLang="en-US" sz="2400" dirty="0">
+              <a:latin typeface="BIZ UDPゴシック" panose="020B0400000000000000" pitchFamily="50" charset="-128"/>
+              <a:ea typeface="BIZ UDPゴシック" panose="020B0400000000000000" pitchFamily="50" charset="-128"/>
+            </a:endParaRPr>
+          </a:p>
+        </p:txBody>
+      </p:sp>
+      <p:sp>
+        <p:nvSpPr>
+          <p:cNvPr id="25" name="テキスト ボックス 24">
+            <a:extLst>
+              <a:ext uri="{FF2B5EF4-FFF2-40B4-BE49-F238E27FC236}">
+                <a16:creationId xmlns:a16="http://schemas.microsoft.com/office/drawing/2014/main" id="{A87A48D0-0DA4-D963-1353-019DBD39F383}"/>
+              </a:ext>
+            </a:extLst>
+          </p:cNvPr>
+          <p:cNvSpPr txBox="1"/>
+          <p:nvPr/>
+        </p:nvSpPr>
+        <p:spPr>
+          <a:xfrm>
+            <a:off x="5177418" y="3944695"/>
+            <a:ext cx="894775" cy="461665"/>
+          </a:xfrm>
+          <a:prstGeom prst="rect">
+            <a:avLst/>
+          </a:prstGeom>
+          <a:noFill/>
+        </p:spPr>
+        <p:txBody>
+          <a:bodyPr wrap="square" rtlCol="0">
+            <a:spAutoFit/>
+          </a:bodyPr>
+          <a:lstStyle/>
+          <a:p>
+            <a:r>
+              <a:rPr kumimoji="1" lang="en-US" altLang="ja-JP" sz="2400" dirty="0">
+                <a:latin typeface="BIZ UDPゴシック" panose="020B0400000000000000" pitchFamily="50" charset="-128"/>
+                <a:ea typeface="BIZ UDPゴシック" panose="020B0400000000000000" pitchFamily="50" charset="-128"/>
+              </a:rPr>
+              <a:t>#2</a:t>
+            </a:r>
+            <a:endParaRPr kumimoji="1" lang="ja-JP" altLang="en-US" sz="2400" dirty="0">
+              <a:latin typeface="BIZ UDPゴシック" panose="020B0400000000000000" pitchFamily="50" charset="-128"/>
+              <a:ea typeface="BIZ UDPゴシック" panose="020B0400000000000000" pitchFamily="50" charset="-128"/>
+            </a:endParaRPr>
+          </a:p>
+        </p:txBody>
+      </p:sp>
+      <p:sp>
+        <p:nvSpPr>
+          <p:cNvPr id="28" name="テキスト ボックス 27">
+            <a:extLst>
+              <a:ext uri="{FF2B5EF4-FFF2-40B4-BE49-F238E27FC236}">
+                <a16:creationId xmlns:a16="http://schemas.microsoft.com/office/drawing/2014/main" id="{1EDB900C-B055-C102-F3AC-CD67D72343CF}"/>
+              </a:ext>
+            </a:extLst>
+          </p:cNvPr>
+          <p:cNvSpPr txBox="1"/>
+          <p:nvPr/>
+        </p:nvSpPr>
+        <p:spPr>
+          <a:xfrm>
+            <a:off x="1510558" y="3259276"/>
+            <a:ext cx="894775" cy="438774"/>
+          </a:xfrm>
+          <a:prstGeom prst="rect">
+            <a:avLst/>
+          </a:prstGeom>
+          <a:noFill/>
+        </p:spPr>
+        <p:txBody>
+          <a:bodyPr wrap="square" rtlCol="0">
+            <a:spAutoFit/>
+          </a:bodyPr>
+          <a:lstStyle/>
+          <a:p>
+            <a:pPr algn="ctr"/>
+            <a:r>
+              <a:rPr lang="en-US" altLang="ja-JP" sz="1600" dirty="0">
+                <a:latin typeface="BIZ UDPゴシック" panose="020B0400000000000000" pitchFamily="50" charset="-128"/>
+                <a:ea typeface="BIZ UDPゴシック" panose="020B0400000000000000" pitchFamily="50" charset="-128"/>
+              </a:rPr>
+              <a:t>Tx1</a:t>
+            </a:r>
+            <a:endParaRPr kumimoji="1" lang="ja-JP" altLang="en-US" sz="1600" dirty="0">
+              <a:latin typeface="BIZ UDPゴシック" panose="020B0400000000000000" pitchFamily="50" charset="-128"/>
+              <a:ea typeface="BIZ UDPゴシック" panose="020B0400000000000000" pitchFamily="50" charset="-128"/>
+            </a:endParaRPr>
+          </a:p>
+        </p:txBody>
+      </p:sp>
+      <p:sp>
+        <p:nvSpPr>
+          <p:cNvPr id="29" name="テキスト ボックス 28">
+            <a:extLst>
+              <a:ext uri="{FF2B5EF4-FFF2-40B4-BE49-F238E27FC236}">
+                <a16:creationId xmlns:a16="http://schemas.microsoft.com/office/drawing/2014/main" id="{16F5F339-04F3-BC78-2896-28227EBF9CE7}"/>
+              </a:ext>
+            </a:extLst>
+          </p:cNvPr>
+          <p:cNvSpPr txBox="1"/>
+          <p:nvPr/>
+        </p:nvSpPr>
+        <p:spPr>
+          <a:xfrm>
+            <a:off x="1510559" y="5460267"/>
+            <a:ext cx="894775" cy="438774"/>
+          </a:xfrm>
+          <a:prstGeom prst="rect">
+            <a:avLst/>
+          </a:prstGeom>
+          <a:noFill/>
+        </p:spPr>
+        <p:txBody>
+          <a:bodyPr wrap="square" rtlCol="0">
+            <a:spAutoFit/>
+          </a:bodyPr>
+          <a:lstStyle/>
+          <a:p>
+            <a:pPr algn="ctr"/>
+            <a:r>
+              <a:rPr lang="en-US" altLang="ja-JP" sz="1600" dirty="0">
+                <a:latin typeface="BIZ UDPゴシック" panose="020B0400000000000000" pitchFamily="50" charset="-128"/>
+                <a:ea typeface="BIZ UDPゴシック" panose="020B0400000000000000" pitchFamily="50" charset="-128"/>
+              </a:rPr>
+              <a:t>Tx2</a:t>
+            </a:r>
+            <a:endParaRPr kumimoji="1" lang="ja-JP" altLang="en-US" sz="1600" dirty="0">
+              <a:latin typeface="BIZ UDPゴシック" panose="020B0400000000000000" pitchFamily="50" charset="-128"/>
+              <a:ea typeface="BIZ UDPゴシック" panose="020B0400000000000000" pitchFamily="50" charset="-128"/>
+            </a:endParaRPr>
+          </a:p>
+        </p:txBody>
+      </p:sp>
+      <p:sp>
+        <p:nvSpPr>
+          <p:cNvPr id="30" name="テキスト ボックス 29">
+            <a:extLst>
+              <a:ext uri="{FF2B5EF4-FFF2-40B4-BE49-F238E27FC236}">
+                <a16:creationId xmlns:a16="http://schemas.microsoft.com/office/drawing/2014/main" id="{7443A431-106E-30E1-38A5-414DA582B127}"/>
+              </a:ext>
+            </a:extLst>
+          </p:cNvPr>
+          <p:cNvSpPr txBox="1"/>
+          <p:nvPr/>
+        </p:nvSpPr>
+        <p:spPr>
+          <a:xfrm>
+            <a:off x="5024170" y="3254111"/>
+            <a:ext cx="894775" cy="438774"/>
+          </a:xfrm>
+          <a:prstGeom prst="rect">
+            <a:avLst/>
+          </a:prstGeom>
+          <a:noFill/>
+        </p:spPr>
+        <p:txBody>
+          <a:bodyPr wrap="square" rtlCol="0">
+            <a:spAutoFit/>
+          </a:bodyPr>
+          <a:lstStyle/>
+          <a:p>
+            <a:pPr algn="ctr"/>
+            <a:r>
+              <a:rPr lang="en-US" altLang="ja-JP" sz="1600" dirty="0">
+                <a:latin typeface="BIZ UDPゴシック" panose="020B0400000000000000" pitchFamily="50" charset="-128"/>
+                <a:ea typeface="BIZ UDPゴシック" panose="020B0400000000000000" pitchFamily="50" charset="-128"/>
+              </a:rPr>
+              <a:t>Rx1</a:t>
+            </a:r>
+            <a:endParaRPr kumimoji="1" lang="ja-JP" altLang="en-US" sz="1600" dirty="0">
+              <a:latin typeface="BIZ UDPゴシック" panose="020B0400000000000000" pitchFamily="50" charset="-128"/>
+              <a:ea typeface="BIZ UDPゴシック" panose="020B0400000000000000" pitchFamily="50" charset="-128"/>
+            </a:endParaRPr>
+          </a:p>
+        </p:txBody>
+      </p:sp>
+      <p:sp>
+        <p:nvSpPr>
+          <p:cNvPr id="31" name="テキスト ボックス 30">
+            <a:extLst>
+              <a:ext uri="{FF2B5EF4-FFF2-40B4-BE49-F238E27FC236}">
+                <a16:creationId xmlns:a16="http://schemas.microsoft.com/office/drawing/2014/main" id="{4E232A57-B39B-C577-A9DC-678DD9FCED7E}"/>
+              </a:ext>
+            </a:extLst>
+          </p:cNvPr>
+          <p:cNvSpPr txBox="1"/>
+          <p:nvPr/>
+        </p:nvSpPr>
+        <p:spPr>
+          <a:xfrm>
+            <a:off x="5040605" y="5460267"/>
+            <a:ext cx="894775" cy="438774"/>
+          </a:xfrm>
+          <a:prstGeom prst="rect">
+            <a:avLst/>
+          </a:prstGeom>
+          <a:noFill/>
+        </p:spPr>
+        <p:txBody>
+          <a:bodyPr wrap="square" rtlCol="0">
+            <a:spAutoFit/>
+          </a:bodyPr>
+          <a:lstStyle/>
+          <a:p>
+            <a:pPr algn="ctr"/>
+            <a:r>
+              <a:rPr lang="en-US" altLang="ja-JP" sz="1600" dirty="0">
+                <a:latin typeface="BIZ UDPゴシック" panose="020B0400000000000000" pitchFamily="50" charset="-128"/>
+                <a:ea typeface="BIZ UDPゴシック" panose="020B0400000000000000" pitchFamily="50" charset="-128"/>
+              </a:rPr>
+              <a:t>Rx2</a:t>
+            </a:r>
+            <a:endParaRPr kumimoji="1" lang="ja-JP" altLang="en-US" sz="1600" dirty="0">
+              <a:latin typeface="BIZ UDPゴシック" panose="020B0400000000000000" pitchFamily="50" charset="-128"/>
+              <a:ea typeface="BIZ UDPゴシック" panose="020B0400000000000000" pitchFamily="50" charset="-128"/>
+            </a:endParaRPr>
+          </a:p>
+        </p:txBody>
+      </p:sp>
+      <p:sp>
+        <p:nvSpPr>
+          <p:cNvPr id="33" name="テキスト ボックス 32">
+            <a:extLst>
+              <a:ext uri="{FF2B5EF4-FFF2-40B4-BE49-F238E27FC236}">
+                <a16:creationId xmlns:a16="http://schemas.microsoft.com/office/drawing/2014/main" id="{C43023B5-5348-363B-5840-34E6560F1079}"/>
+              </a:ext>
+            </a:extLst>
+          </p:cNvPr>
+          <p:cNvSpPr txBox="1"/>
+          <p:nvPr/>
+        </p:nvSpPr>
+        <p:spPr>
+          <a:xfrm>
+            <a:off x="241136" y="896578"/>
+            <a:ext cx="7251700" cy="523220"/>
+          </a:xfrm>
+          <a:prstGeom prst="rect">
+            <a:avLst/>
+          </a:prstGeom>
+          <a:noFill/>
+        </p:spPr>
+        <p:txBody>
+          <a:bodyPr wrap="square" rtlCol="0">
+            <a:spAutoFit/>
+          </a:bodyPr>
+          <a:lstStyle/>
+          <a:p>
+            <a:r>
+              <a:rPr kumimoji="1" lang="en-US" altLang="ja-JP" sz="2800" dirty="0">
+                <a:latin typeface="BIZ UDPゴシック" panose="020B0400000000000000" pitchFamily="50" charset="-128"/>
+                <a:ea typeface="BIZ UDPゴシック" panose="020B0400000000000000" pitchFamily="50" charset="-128"/>
+              </a:rPr>
+              <a:t>Zero Forcing (ZF(</a:t>
+            </a:r>
+            <a:r>
+              <a:rPr lang="ja-JP" altLang="en-US" sz="2800" dirty="0">
+                <a:latin typeface="BIZ UDPゴシック" panose="020B0400000000000000" pitchFamily="50" charset="-128"/>
+                <a:ea typeface="BIZ UDPゴシック" panose="020B0400000000000000" pitchFamily="50" charset="-128"/>
+              </a:rPr>
+              <a:t>干渉キャンセル</a:t>
+            </a:r>
+            <a:r>
+              <a:rPr kumimoji="1" lang="en-US" altLang="ja-JP" sz="2800" dirty="0">
+                <a:latin typeface="BIZ UDPゴシック" panose="020B0400000000000000" pitchFamily="50" charset="-128"/>
+                <a:ea typeface="BIZ UDPゴシック" panose="020B0400000000000000" pitchFamily="50" charset="-128"/>
+              </a:rPr>
+              <a:t>)</a:t>
+            </a:r>
+            <a:r>
+              <a:rPr kumimoji="1" lang="ja-JP" altLang="en-US" sz="2800" dirty="0">
+                <a:latin typeface="BIZ UDPゴシック" panose="020B0400000000000000" pitchFamily="50" charset="-128"/>
+                <a:ea typeface="BIZ UDPゴシック" panose="020B0400000000000000" pitchFamily="50" charset="-128"/>
+              </a:rPr>
+              <a:t>方式</a:t>
+            </a:r>
+            <a:r>
+              <a:rPr kumimoji="1" lang="en-US" altLang="ja-JP" sz="2800" dirty="0">
+                <a:latin typeface="BIZ UDPゴシック" panose="020B0400000000000000" pitchFamily="50" charset="-128"/>
+                <a:ea typeface="BIZ UDPゴシック" panose="020B0400000000000000" pitchFamily="50" charset="-128"/>
+              </a:rPr>
+              <a:t>)</a:t>
+            </a:r>
+            <a:endParaRPr kumimoji="1" lang="ja-JP" altLang="en-US" sz="2800" dirty="0">
+              <a:latin typeface="BIZ UDPゴシック" panose="020B0400000000000000" pitchFamily="50" charset="-128"/>
+              <a:ea typeface="BIZ UDPゴシック" panose="020B0400000000000000" pitchFamily="50" charset="-128"/>
+            </a:endParaRPr>
+          </a:p>
+        </p:txBody>
+      </p:sp>
+      <p:pic>
+        <p:nvPicPr>
+          <p:cNvPr id="35" name="図 34" descr="\documentclass{jsarticle}&#10;\usepackage{amsmath}&#10;\usepackage[T1]{fontenc}&#10;\usepackage{lmodern}&#10;\pagestyle{empty}&#10;&#10;\begin{document}&#10;\begin{align*}&#10;h_{11}&#10;\end{align*}&#10;&#10;\end{document}" title="IguanaTex Bitmap Display">
+            <a:extLst>
+              <a:ext uri="{FF2B5EF4-FFF2-40B4-BE49-F238E27FC236}">
+                <a16:creationId xmlns:a16="http://schemas.microsoft.com/office/drawing/2014/main" id="{B4B4B778-0F13-B781-6E0A-E2FBDE528086}"/>
+              </a:ext>
+            </a:extLst>
+          </p:cNvPr>
+          <p:cNvPicPr>
+            <a:picLocks noChangeAspect="1"/>
+          </p:cNvPicPr>
+          <p:nvPr>
+            <p:custDataLst>
+              <p:tags r:id="rId3"/>
+            </p:custDataLst>
+          </p:nvPr>
+        </p:nvPicPr>
+        <p:blipFill>
+          <a:blip r:embed="rId17">
+            <a:extLst>
+              <a:ext uri="{28A0092B-C50C-407E-A947-70E740481C1C}">
+                <a14:useLocalDpi xmlns:a14="http://schemas.microsoft.com/office/drawing/2010/main" val="0"/>
+              </a:ext>
+            </a:extLst>
+          </a:blip>
+          <a:stretch>
+            <a:fillRect/>
+          </a:stretch>
+        </p:blipFill>
+        <p:spPr>
+          <a:xfrm>
+            <a:off x="3460786" y="2029304"/>
+            <a:ext cx="496347" cy="336387"/>
+          </a:xfrm>
+          <a:prstGeom prst="rect">
+            <a:avLst/>
+          </a:prstGeom>
+        </p:spPr>
+      </p:pic>
+      <p:pic>
+        <p:nvPicPr>
+          <p:cNvPr id="38" name="図 37" descr="\documentclass{jsarticle}&#10;\usepackage{amsmath}&#10;\usepackage[T1]{fontenc}&#10;\usepackage{lmodern}&#10;\pagestyle{empty}&#10;&#10;\begin{document}&#10;\begin{align*}&#10;h_{22}&#10;\end{align*}&#10;&#10;\end{document}" title="IguanaTex Bitmap Display">
+            <a:extLst>
+              <a:ext uri="{FF2B5EF4-FFF2-40B4-BE49-F238E27FC236}">
+                <a16:creationId xmlns:a16="http://schemas.microsoft.com/office/drawing/2014/main" id="{C0A0FE14-8288-8C06-B1D1-6F42B973BA48}"/>
+              </a:ext>
+            </a:extLst>
+          </p:cNvPr>
+          <p:cNvPicPr>
+            <a:picLocks noChangeAspect="1"/>
+          </p:cNvPicPr>
+          <p:nvPr>
+            <p:custDataLst>
+              <p:tags r:id="rId4"/>
+            </p:custDataLst>
+          </p:nvPr>
+        </p:nvPicPr>
+        <p:blipFill>
+          <a:blip r:embed="rId18">
+            <a:extLst>
+              <a:ext uri="{28A0092B-C50C-407E-A947-70E740481C1C}">
+                <a14:useLocalDpi xmlns:a14="http://schemas.microsoft.com/office/drawing/2010/main" val="0"/>
+              </a:ext>
+            </a:extLst>
+          </a:blip>
+          <a:stretch>
+            <a:fillRect/>
+          </a:stretch>
+        </p:blipFill>
+        <p:spPr>
+          <a:xfrm>
+            <a:off x="3456081" y="4753480"/>
+            <a:ext cx="505756" cy="336387"/>
+          </a:xfrm>
+          <a:prstGeom prst="rect">
+            <a:avLst/>
+          </a:prstGeom>
+        </p:spPr>
+      </p:pic>
+      <p:pic>
+        <p:nvPicPr>
+          <p:cNvPr id="41" name="図 40" descr="\documentclass{jsarticle}&#10;\usepackage{amsmath}&#10;\usepackage[T1]{fontenc}&#10;\usepackage{lmodern}&#10;\pagestyle{empty}&#10;&#10;\begin{document}&#10;\begin{align*}&#10;h_{12}&#10;\end{align*}&#10;&#10;\end{document}" title="IguanaTex Bitmap Display">
+            <a:extLst>
+              <a:ext uri="{FF2B5EF4-FFF2-40B4-BE49-F238E27FC236}">
+                <a16:creationId xmlns:a16="http://schemas.microsoft.com/office/drawing/2014/main" id="{14EC035F-5410-657E-1A42-9951106805AD}"/>
+              </a:ext>
+            </a:extLst>
+          </p:cNvPr>
+          <p:cNvPicPr>
+            <a:picLocks noChangeAspect="1"/>
+          </p:cNvPicPr>
+          <p:nvPr>
+            <p:custDataLst>
+              <p:tags r:id="rId5"/>
+            </p:custDataLst>
+          </p:nvPr>
+        </p:nvPicPr>
+        <p:blipFill>
+          <a:blip r:embed="rId19">
+            <a:extLst>
+              <a:ext uri="{28A0092B-C50C-407E-A947-70E740481C1C}">
+                <a14:useLocalDpi xmlns:a14="http://schemas.microsoft.com/office/drawing/2010/main" val="0"/>
+              </a:ext>
+            </a:extLst>
+          </a:blip>
+          <a:stretch>
+            <a:fillRect/>
+          </a:stretch>
+        </p:blipFill>
+        <p:spPr>
+          <a:xfrm>
+            <a:off x="2913914" y="4175527"/>
+            <a:ext cx="505756" cy="336387"/>
+          </a:xfrm>
+          <a:prstGeom prst="rect">
+            <a:avLst/>
+          </a:prstGeom>
+        </p:spPr>
+      </p:pic>
+      <p:pic>
+        <p:nvPicPr>
+          <p:cNvPr id="44" name="図 43" descr="\documentclass{jsarticle}&#10;\usepackage{amsmath}&#10;\usepackage[T1]{fontenc}&#10;\usepackage{lmodern}&#10;\pagestyle{empty}&#10;&#10;\begin{document}&#10;\begin{align*}&#10;h_{21}&#10;\end{align*}&#10;&#10;\end{document}" title="IguanaTex Bitmap Display">
+            <a:extLst>
+              <a:ext uri="{FF2B5EF4-FFF2-40B4-BE49-F238E27FC236}">
+                <a16:creationId xmlns:a16="http://schemas.microsoft.com/office/drawing/2014/main" id="{B084E4BD-6D6E-7721-7E7A-19DBA5E3AFB4}"/>
+              </a:ext>
+            </a:extLst>
+          </p:cNvPr>
+          <p:cNvPicPr>
+            <a:picLocks noChangeAspect="1"/>
+          </p:cNvPicPr>
+          <p:nvPr>
+            <p:custDataLst>
+              <p:tags r:id="rId6"/>
+            </p:custDataLst>
+          </p:nvPr>
+        </p:nvPicPr>
+        <p:blipFill>
+          <a:blip r:embed="rId20">
+            <a:extLst>
+              <a:ext uri="{28A0092B-C50C-407E-A947-70E740481C1C}">
+                <a14:useLocalDpi xmlns:a14="http://schemas.microsoft.com/office/drawing/2010/main" val="0"/>
+              </a:ext>
+            </a:extLst>
+          </a:blip>
+          <a:stretch>
+            <a:fillRect/>
+          </a:stretch>
+        </p:blipFill>
+        <p:spPr>
+          <a:xfrm>
+            <a:off x="2923323" y="2664011"/>
+            <a:ext cx="496347" cy="336387"/>
+          </a:xfrm>
+          <a:prstGeom prst="rect">
+            <a:avLst/>
+          </a:prstGeom>
+        </p:spPr>
+      </p:pic>
+      <p:sp>
+        <p:nvSpPr>
+          <p:cNvPr id="46" name="テキスト ボックス 45">
+            <a:extLst>
+              <a:ext uri="{FF2B5EF4-FFF2-40B4-BE49-F238E27FC236}">
+                <a16:creationId xmlns:a16="http://schemas.microsoft.com/office/drawing/2014/main" id="{2BB75247-B790-16D8-696F-02F80657D7C4}"/>
+              </a:ext>
+            </a:extLst>
+          </p:cNvPr>
+          <p:cNvSpPr txBox="1"/>
+          <p:nvPr/>
+        </p:nvSpPr>
+        <p:spPr>
+          <a:xfrm>
+            <a:off x="96787" y="6159140"/>
+            <a:ext cx="3338937" cy="646331"/>
+          </a:xfrm>
+          <a:prstGeom prst="rect">
+            <a:avLst/>
+          </a:prstGeom>
+          <a:noFill/>
+        </p:spPr>
+        <p:txBody>
+          <a:bodyPr wrap="square" rtlCol="0">
+            <a:spAutoFit/>
+          </a:bodyPr>
+          <a:lstStyle/>
+          <a:p>
+            <a:r>
+              <a:rPr kumimoji="1" lang="en-US" altLang="ja-JP" dirty="0">
+                <a:latin typeface="BIZ UDPゴシック" panose="020B0400000000000000" pitchFamily="50" charset="-128"/>
+                <a:ea typeface="BIZ UDPゴシック" panose="020B0400000000000000" pitchFamily="50" charset="-128"/>
+              </a:rPr>
+              <a:t>Tx : Transmitter(</a:t>
+            </a:r>
+            <a:r>
+              <a:rPr kumimoji="1" lang="ja-JP" altLang="en-US" dirty="0">
+                <a:latin typeface="BIZ UDPゴシック" panose="020B0400000000000000" pitchFamily="50" charset="-128"/>
+                <a:ea typeface="BIZ UDPゴシック" panose="020B0400000000000000" pitchFamily="50" charset="-128"/>
+              </a:rPr>
+              <a:t>送信機</a:t>
+            </a:r>
+            <a:r>
+              <a:rPr kumimoji="1" lang="en-US" altLang="ja-JP" dirty="0">
+                <a:latin typeface="BIZ UDPゴシック" panose="020B0400000000000000" pitchFamily="50" charset="-128"/>
+                <a:ea typeface="BIZ UDPゴシック" panose="020B0400000000000000" pitchFamily="50" charset="-128"/>
+              </a:rPr>
+              <a:t>)</a:t>
+            </a:r>
+          </a:p>
+          <a:p>
+            <a:r>
+              <a:rPr lang="en-US" altLang="ja-JP" dirty="0">
+                <a:latin typeface="BIZ UDPゴシック" panose="020B0400000000000000" pitchFamily="50" charset="-128"/>
+                <a:ea typeface="BIZ UDPゴシック" panose="020B0400000000000000" pitchFamily="50" charset="-128"/>
+              </a:rPr>
+              <a:t>Rx : Receiver(</a:t>
+            </a:r>
+            <a:r>
+              <a:rPr lang="ja-JP" altLang="en-US" dirty="0">
+                <a:latin typeface="BIZ UDPゴシック" panose="020B0400000000000000" pitchFamily="50" charset="-128"/>
+                <a:ea typeface="BIZ UDPゴシック" panose="020B0400000000000000" pitchFamily="50" charset="-128"/>
+              </a:rPr>
+              <a:t>受信機</a:t>
+            </a:r>
+            <a:r>
+              <a:rPr lang="en-US" altLang="ja-JP" dirty="0">
+                <a:latin typeface="BIZ UDPゴシック" panose="020B0400000000000000" pitchFamily="50" charset="-128"/>
+                <a:ea typeface="BIZ UDPゴシック" panose="020B0400000000000000" pitchFamily="50" charset="-128"/>
+              </a:rPr>
+              <a:t>)</a:t>
+            </a:r>
+            <a:endParaRPr kumimoji="1" lang="ja-JP" altLang="en-US" dirty="0">
+              <a:latin typeface="BIZ UDPゴシック" panose="020B0400000000000000" pitchFamily="50" charset="-128"/>
+              <a:ea typeface="BIZ UDPゴシック" panose="020B0400000000000000" pitchFamily="50" charset="-128"/>
+            </a:endParaRPr>
+          </a:p>
+        </p:txBody>
+      </p:sp>
+      <p:pic>
+        <p:nvPicPr>
+          <p:cNvPr id="58" name="図 57" descr="\documentclass{jsarticle}&#10;\usepackage{amsmath}&#10;\usepackage[T1]{fontenc}&#10;\usepackage{lmodern}&#10;\pagestyle{empty}&#10;&#10;\begin{document}&#10;\begin{align*}&#10;y_1 = h_{11}S_1 + h_{12}S_2&#10;\end{align*}&#10;&#10;\end{document}" title="IguanaTex Bitmap Display">
+            <a:extLst>
+              <a:ext uri="{FF2B5EF4-FFF2-40B4-BE49-F238E27FC236}">
+                <a16:creationId xmlns:a16="http://schemas.microsoft.com/office/drawing/2014/main" id="{9ECD9643-199C-5427-A170-1AE4329378F8}"/>
+              </a:ext>
+            </a:extLst>
+          </p:cNvPr>
+          <p:cNvPicPr>
+            <a:picLocks noChangeAspect="1"/>
+          </p:cNvPicPr>
+          <p:nvPr>
+            <p:custDataLst>
+              <p:tags r:id="rId7"/>
+            </p:custDataLst>
+          </p:nvPr>
+        </p:nvPicPr>
+        <p:blipFill>
+          <a:blip r:embed="rId21">
+            <a:extLst>
+              <a:ext uri="{28A0092B-C50C-407E-A947-70E740481C1C}">
+                <a14:useLocalDpi xmlns:a14="http://schemas.microsoft.com/office/drawing/2010/main" val="0"/>
+              </a:ext>
+            </a:extLst>
+          </a:blip>
+          <a:stretch>
+            <a:fillRect/>
+          </a:stretch>
+        </p:blipFill>
+        <p:spPr>
+          <a:xfrm>
+            <a:off x="6553200" y="3380288"/>
+            <a:ext cx="1525420" cy="169247"/>
+          </a:xfrm>
+          <a:prstGeom prst="rect">
+            <a:avLst/>
+          </a:prstGeom>
+        </p:spPr>
+      </p:pic>
+      <p:pic>
+        <p:nvPicPr>
+          <p:cNvPr id="60" name="図 59" descr="\documentclass{jsarticle}&#10;\usepackage{amsmath}&#10;\usepackage[T1]{fontenc}&#10;\usepackage{lmodern}&#10;\pagestyle{empty}&#10;&#10;\begin{document}&#10;\begin{align*}&#10;y_2 = h_{21}S_1 + h_{22}S_2&#10;\end{align*}&#10;&#10;\end{document}" title="IguanaTex Bitmap Display">
+            <a:extLst>
+              <a:ext uri="{FF2B5EF4-FFF2-40B4-BE49-F238E27FC236}">
+                <a16:creationId xmlns:a16="http://schemas.microsoft.com/office/drawing/2014/main" id="{B080DA09-CDD0-A08F-F6DE-D1EAE186924D}"/>
+              </a:ext>
+            </a:extLst>
+          </p:cNvPr>
+          <p:cNvPicPr>
+            <a:picLocks noChangeAspect="1"/>
+          </p:cNvPicPr>
+          <p:nvPr>
+            <p:custDataLst>
+              <p:tags r:id="rId8"/>
+            </p:custDataLst>
+          </p:nvPr>
+        </p:nvPicPr>
+        <p:blipFill>
+          <a:blip r:embed="rId22">
+            <a:extLst>
+              <a:ext uri="{28A0092B-C50C-407E-A947-70E740481C1C}">
+                <a14:useLocalDpi xmlns:a14="http://schemas.microsoft.com/office/drawing/2010/main" val="0"/>
+              </a:ext>
+            </a:extLst>
+          </a:blip>
+          <a:stretch>
+            <a:fillRect/>
+          </a:stretch>
+        </p:blipFill>
+        <p:spPr>
+          <a:xfrm>
+            <a:off x="6553200" y="5607513"/>
+            <a:ext cx="1525420" cy="169247"/>
+          </a:xfrm>
+          <a:prstGeom prst="rect">
+            <a:avLst/>
+          </a:prstGeom>
+        </p:spPr>
+      </p:pic>
+      <p:pic>
+        <p:nvPicPr>
+          <p:cNvPr id="52" name="図 51" descr="\documentclass{jsarticle}&#10;\usepackage{amsmath}&#10;\usepackage[T1]{fontenc}&#10;\usepackage{lmodern}&#10;\pagestyle{empty}&#10;&#10;\begin{document}&#10;%\begin{align*}&#10;%\end{align*}&#10;&#10;$S_1$&#10;&#10;\end{document}" title="IguanaTex Bitmap Display">
+            <a:extLst>
+              <a:ext uri="{FF2B5EF4-FFF2-40B4-BE49-F238E27FC236}">
+                <a16:creationId xmlns:a16="http://schemas.microsoft.com/office/drawing/2014/main" id="{D979A586-419E-54B3-2C44-BF66B77B79E3}"/>
+              </a:ext>
+            </a:extLst>
+          </p:cNvPr>
+          <p:cNvPicPr>
+            <a:picLocks noChangeAspect="1"/>
+          </p:cNvPicPr>
+          <p:nvPr>
+            <p:custDataLst>
+              <p:tags r:id="rId9"/>
+            </p:custDataLst>
+          </p:nvPr>
+        </p:nvPicPr>
+        <p:blipFill>
+          <a:blip r:embed="rId15">
+            <a:extLst>
+              <a:ext uri="{28A0092B-C50C-407E-A947-70E740481C1C}">
+                <a14:useLocalDpi xmlns:a14="http://schemas.microsoft.com/office/drawing/2010/main" val="0"/>
+              </a:ext>
+            </a:extLst>
+          </a:blip>
+          <a:stretch>
+            <a:fillRect/>
+          </a:stretch>
+        </p:blipFill>
+        <p:spPr>
+          <a:xfrm>
+            <a:off x="10977309" y="4141467"/>
+            <a:ext cx="393302" cy="372689"/>
+          </a:xfrm>
+          <a:prstGeom prst="rect">
+            <a:avLst/>
+          </a:prstGeom>
+        </p:spPr>
+      </p:pic>
+      <p:pic>
+        <p:nvPicPr>
+          <p:cNvPr id="53" name="図 52" descr="\documentclass{jsarticle}&#10;\usepackage{amsmath}&#10;\usepackage[T1]{fontenc}&#10;\usepackage{lmodern}&#10;\pagestyle{empty}&#10;&#10;\begin{document}&#10;%\begin{align*}&#10;%\end{align*}&#10;&#10;$S_2$&#10;&#10;\end{document}" title="IguanaTex Bitmap Display">
+            <a:extLst>
+              <a:ext uri="{FF2B5EF4-FFF2-40B4-BE49-F238E27FC236}">
+                <a16:creationId xmlns:a16="http://schemas.microsoft.com/office/drawing/2014/main" id="{44E72E1A-3FAC-6F7E-41A7-6CA2F0C6D21A}"/>
+              </a:ext>
+            </a:extLst>
+          </p:cNvPr>
+          <p:cNvPicPr>
+            <a:picLocks noChangeAspect="1"/>
+          </p:cNvPicPr>
+          <p:nvPr>
+            <p:custDataLst>
+              <p:tags r:id="rId10"/>
+            </p:custDataLst>
+          </p:nvPr>
+        </p:nvPicPr>
+        <p:blipFill>
+          <a:blip r:embed="rId16">
+            <a:extLst>
+              <a:ext uri="{28A0092B-C50C-407E-A947-70E740481C1C}">
+                <a14:useLocalDpi xmlns:a14="http://schemas.microsoft.com/office/drawing/2010/main" val="0"/>
+              </a:ext>
+            </a:extLst>
+          </a:blip>
+          <a:stretch>
+            <a:fillRect/>
+          </a:stretch>
+        </p:blipFill>
+        <p:spPr>
+          <a:xfrm>
+            <a:off x="10977309" y="4753480"/>
+            <a:ext cx="393302" cy="365476"/>
+          </a:xfrm>
+          <a:prstGeom prst="rect">
+            <a:avLst/>
+          </a:prstGeom>
+        </p:spPr>
+      </p:pic>
+      <p:sp>
+        <p:nvSpPr>
+          <p:cNvPr id="54" name="テキスト ボックス 53">
+            <a:extLst>
+              <a:ext uri="{FF2B5EF4-FFF2-40B4-BE49-F238E27FC236}">
+                <a16:creationId xmlns:a16="http://schemas.microsoft.com/office/drawing/2014/main" id="{BEE6A6E8-FB6E-7169-A03E-1BF516FED21C}"/>
+              </a:ext>
+            </a:extLst>
+          </p:cNvPr>
+          <p:cNvSpPr txBox="1"/>
+          <p:nvPr/>
+        </p:nvSpPr>
+        <p:spPr>
+          <a:xfrm>
+            <a:off x="8740846" y="4345988"/>
+            <a:ext cx="1326575" cy="369332"/>
+          </a:xfrm>
+          <a:prstGeom prst="rect">
+            <a:avLst/>
+          </a:prstGeom>
+          <a:noFill/>
+        </p:spPr>
+        <p:txBody>
+          <a:bodyPr wrap="square" rtlCol="0">
+            <a:spAutoFit/>
+          </a:bodyPr>
+          <a:lstStyle/>
+          <a:p>
+            <a:pPr algn="ctr"/>
+            <a:r>
+              <a:rPr kumimoji="1" lang="ja-JP" altLang="en-US" dirty="0">
+                <a:latin typeface="BIZ UDPゴシック" panose="020B0400000000000000" pitchFamily="50" charset="-128"/>
+                <a:ea typeface="BIZ UDPゴシック" panose="020B0400000000000000" pitchFamily="50" charset="-128"/>
+              </a:rPr>
+              <a:t>信号分離</a:t>
+            </a:r>
+          </a:p>
+        </p:txBody>
+      </p:sp>
+      <p:sp>
+        <p:nvSpPr>
+          <p:cNvPr id="55" name="四角形: 角を丸くする 54">
+            <a:extLst>
+              <a:ext uri="{FF2B5EF4-FFF2-40B4-BE49-F238E27FC236}">
+                <a16:creationId xmlns:a16="http://schemas.microsoft.com/office/drawing/2014/main" id="{7D1A759F-8A56-88FE-1BA1-F42745ED4081}"/>
+              </a:ext>
+            </a:extLst>
+          </p:cNvPr>
+          <p:cNvSpPr/>
+          <p:nvPr/>
+        </p:nvSpPr>
+        <p:spPr>
+          <a:xfrm>
+            <a:off x="2405333" y="1763934"/>
+            <a:ext cx="2564376" cy="3696333"/>
+          </a:xfrm>
+          <a:prstGeom prst="roundRect">
+            <a:avLst/>
+          </a:prstGeom>
+          <a:noFill/>
+          <a:ln w="38100">
+            <a:solidFill>
+              <a:schemeClr val="accent1"/>
+            </a:solidFill>
+            <a:prstDash val="dash"/>
+          </a:ln>
+        </p:spPr>
+        <p:style>
+          <a:lnRef idx="2">
+            <a:schemeClr val="accent1">
+              <a:shade val="15000"/>
+            </a:schemeClr>
+          </a:lnRef>
+          <a:fillRef idx="1">
+            <a:schemeClr val="accent1"/>
+          </a:fillRef>
+          <a:effectRef idx="0">
+            <a:schemeClr val="accent1"/>
+          </a:effectRef>
+          <a:fontRef idx="minor">
+            <a:schemeClr val="lt1"/>
+          </a:fontRef>
+        </p:style>
+        <p:txBody>
+          <a:bodyPr rtlCol="0" anchor="ctr"/>
+          <a:lstStyle/>
+          <a:p>
+            <a:pPr algn="ctr"/>
+            <a:endParaRPr kumimoji="1" lang="ja-JP" altLang="en-US"/>
+          </a:p>
+        </p:txBody>
+      </p:sp>
+      <p:sp>
+        <p:nvSpPr>
+          <p:cNvPr id="56" name="テキスト ボックス 55">
+            <a:extLst>
+              <a:ext uri="{FF2B5EF4-FFF2-40B4-BE49-F238E27FC236}">
+                <a16:creationId xmlns:a16="http://schemas.microsoft.com/office/drawing/2014/main" id="{7129ED68-A5FF-0F5C-CA51-83EA835D6775}"/>
+              </a:ext>
+            </a:extLst>
+          </p:cNvPr>
+          <p:cNvSpPr txBox="1"/>
+          <p:nvPr/>
+        </p:nvSpPr>
+        <p:spPr>
+          <a:xfrm>
+            <a:off x="2487003" y="5511016"/>
+            <a:ext cx="2401036" cy="461665"/>
+          </a:xfrm>
+          <a:prstGeom prst="rect">
+            <a:avLst/>
+          </a:prstGeom>
+          <a:noFill/>
+        </p:spPr>
+        <p:txBody>
+          <a:bodyPr wrap="square" rtlCol="0">
+            <a:spAutoFit/>
+          </a:bodyPr>
+          <a:lstStyle/>
+          <a:p>
+            <a:pPr algn="ctr"/>
+            <a:r>
+              <a:rPr kumimoji="1" lang="ja-JP" altLang="en-US" sz="2400" b="1" dirty="0">
+                <a:solidFill>
+                  <a:schemeClr val="accent1"/>
+                </a:solidFill>
+                <a:latin typeface="BIZ UDPゴシック" panose="020B0400000000000000" pitchFamily="50" charset="-128"/>
+                <a:ea typeface="BIZ UDPゴシック" panose="020B0400000000000000" pitchFamily="50" charset="-128"/>
+              </a:rPr>
+              <a:t>伝搬チャネル</a:t>
+            </a:r>
+          </a:p>
+        </p:txBody>
+      </p:sp>
     </p:spTree>
     <p:extLst>
       <p:ext uri="{BB962C8B-B14F-4D97-AF65-F5344CB8AC3E}">
         <p14:creationId xmlns:p14="http://schemas.microsoft.com/office/powerpoint/2010/main" val="2137933414"/>
+      </p:ext>
+    </p:extLst>
+  </p:cSld>
+  <p:clrMapOvr>
+    <a:masterClrMapping/>
+  </p:clrMapOvr>
+</p:sld>
+</file>
+
+<file path=ppt/slides/slide5.xml><?xml version="1.0" encoding="utf-8"?>
+<p:sld xmlns:a="http://schemas.openxmlformats.org/drawingml/2006/main" xmlns:r="http://schemas.openxmlformats.org/officeDocument/2006/relationships" xmlns:p="http://schemas.openxmlformats.org/presentationml/2006/main">
+  <p:cSld>
+    <p:spTree>
+      <p:nvGrpSpPr>
+        <p:cNvPr id="1" name=""/>
+        <p:cNvGrpSpPr/>
+        <p:nvPr/>
+      </p:nvGrpSpPr>
+      <p:grpSpPr>
+        <a:xfrm>
+          <a:off x="0" y="0"/>
+          <a:ext cx="0" cy="0"/>
+          <a:chOff x="0" y="0"/>
+          <a:chExt cx="0" cy="0"/>
+        </a:xfrm>
+      </p:grpSpPr>
+      <p:sp>
+        <p:nvSpPr>
+          <p:cNvPr id="4" name="テキスト ボックス 3">
+            <a:extLst>
+              <a:ext uri="{FF2B5EF4-FFF2-40B4-BE49-F238E27FC236}">
+                <a16:creationId xmlns:a16="http://schemas.microsoft.com/office/drawing/2014/main" id="{C85A96FC-39CE-11C1-5012-85BA229DFBF8}"/>
+              </a:ext>
+            </a:extLst>
+          </p:cNvPr>
+          <p:cNvSpPr txBox="1"/>
+          <p:nvPr/>
+        </p:nvSpPr>
+        <p:spPr>
+          <a:xfrm>
+            <a:off x="1" y="52529"/>
+            <a:ext cx="7816850" cy="830997"/>
+          </a:xfrm>
+          <a:prstGeom prst="rect">
+            <a:avLst/>
+          </a:prstGeom>
+          <a:noFill/>
+        </p:spPr>
+        <p:txBody>
+          <a:bodyPr wrap="square" rtlCol="0">
+            <a:spAutoFit/>
+          </a:bodyPr>
+          <a:lstStyle/>
+          <a:p>
+            <a:r>
+              <a:rPr kumimoji="1" lang="en-US" altLang="ja-JP" sz="4800" dirty="0">
+                <a:latin typeface="BIZ UDPゴシック" panose="020B0400000000000000" pitchFamily="50" charset="-128"/>
+                <a:ea typeface="BIZ UDPゴシック" panose="020B0400000000000000" pitchFamily="50" charset="-128"/>
+              </a:rPr>
+              <a:t>MIMO</a:t>
+            </a:r>
+            <a:r>
+              <a:rPr kumimoji="1" lang="ja-JP" altLang="en-US" sz="4800" dirty="0">
+                <a:latin typeface="BIZ UDPゴシック" panose="020B0400000000000000" pitchFamily="50" charset="-128"/>
+                <a:ea typeface="BIZ UDPゴシック" panose="020B0400000000000000" pitchFamily="50" charset="-128"/>
+              </a:rPr>
+              <a:t>伝送による信号分離</a:t>
+            </a:r>
+          </a:p>
+        </p:txBody>
+      </p:sp>
+      <p:sp>
+        <p:nvSpPr>
+          <p:cNvPr id="5" name="テキスト ボックス 4">
+            <a:extLst>
+              <a:ext uri="{FF2B5EF4-FFF2-40B4-BE49-F238E27FC236}">
+                <a16:creationId xmlns:a16="http://schemas.microsoft.com/office/drawing/2014/main" id="{36A590CF-3D95-3026-5521-401867407BE7}"/>
+              </a:ext>
+            </a:extLst>
+          </p:cNvPr>
+          <p:cNvSpPr txBox="1"/>
+          <p:nvPr/>
+        </p:nvSpPr>
+        <p:spPr>
+          <a:xfrm>
+            <a:off x="241136" y="896578"/>
+            <a:ext cx="7251700" cy="523220"/>
+          </a:xfrm>
+          <a:prstGeom prst="rect">
+            <a:avLst/>
+          </a:prstGeom>
+          <a:noFill/>
+        </p:spPr>
+        <p:txBody>
+          <a:bodyPr wrap="square" rtlCol="0">
+            <a:spAutoFit/>
+          </a:bodyPr>
+          <a:lstStyle/>
+          <a:p>
+            <a:r>
+              <a:rPr kumimoji="1" lang="en-US" altLang="ja-JP" sz="2800" dirty="0">
+                <a:latin typeface="BIZ UDPゴシック" panose="020B0400000000000000" pitchFamily="50" charset="-128"/>
+                <a:ea typeface="BIZ UDPゴシック" panose="020B0400000000000000" pitchFamily="50" charset="-128"/>
+              </a:rPr>
+              <a:t>Zero Forcing (ZF(</a:t>
+            </a:r>
+            <a:r>
+              <a:rPr lang="ja-JP" altLang="en-US" sz="2800" dirty="0">
+                <a:latin typeface="BIZ UDPゴシック" panose="020B0400000000000000" pitchFamily="50" charset="-128"/>
+                <a:ea typeface="BIZ UDPゴシック" panose="020B0400000000000000" pitchFamily="50" charset="-128"/>
+              </a:rPr>
+              <a:t>干渉キャンセル</a:t>
+            </a:r>
+            <a:r>
+              <a:rPr kumimoji="1" lang="en-US" altLang="ja-JP" sz="2800" dirty="0">
+                <a:latin typeface="BIZ UDPゴシック" panose="020B0400000000000000" pitchFamily="50" charset="-128"/>
+                <a:ea typeface="BIZ UDPゴシック" panose="020B0400000000000000" pitchFamily="50" charset="-128"/>
+              </a:rPr>
+              <a:t>)</a:t>
+            </a:r>
+            <a:r>
+              <a:rPr kumimoji="1" lang="ja-JP" altLang="en-US" sz="2800" dirty="0">
+                <a:latin typeface="BIZ UDPゴシック" panose="020B0400000000000000" pitchFamily="50" charset="-128"/>
+                <a:ea typeface="BIZ UDPゴシック" panose="020B0400000000000000" pitchFamily="50" charset="-128"/>
+              </a:rPr>
+              <a:t>方式</a:t>
+            </a:r>
+            <a:r>
+              <a:rPr kumimoji="1" lang="en-US" altLang="ja-JP" sz="2800" dirty="0">
+                <a:latin typeface="BIZ UDPゴシック" panose="020B0400000000000000" pitchFamily="50" charset="-128"/>
+                <a:ea typeface="BIZ UDPゴシック" panose="020B0400000000000000" pitchFamily="50" charset="-128"/>
+              </a:rPr>
+              <a:t>)</a:t>
+            </a:r>
+            <a:endParaRPr kumimoji="1" lang="ja-JP" altLang="en-US" sz="2800" dirty="0">
+              <a:latin typeface="BIZ UDPゴシック" panose="020B0400000000000000" pitchFamily="50" charset="-128"/>
+              <a:ea typeface="BIZ UDPゴシック" panose="020B0400000000000000" pitchFamily="50" charset="-128"/>
+            </a:endParaRPr>
+          </a:p>
+        </p:txBody>
+      </p:sp>
+      <p:pic>
+        <p:nvPicPr>
+          <p:cNvPr id="14" name="図 13" descr="\documentclass{jsarticle}&#10;\usepackage{amsmath}&#10;\usepackage[T1]{fontenc}&#10;\usepackage{lmodern}&#10;\pagestyle{empty}&#10;&#10;\begin{document}&#10;\begin{align*}&#10;y_1 = h_{11}S_1 + h_{12}S_2&#10;\end{align*}&#10;&#10;\end{document}" title="IguanaTex Bitmap Display">
+            <a:extLst>
+              <a:ext uri="{FF2B5EF4-FFF2-40B4-BE49-F238E27FC236}">
+                <a16:creationId xmlns:a16="http://schemas.microsoft.com/office/drawing/2014/main" id="{2C7C4523-0336-6B3C-4F9C-8C6F308255A7}"/>
+              </a:ext>
+            </a:extLst>
+          </p:cNvPr>
+          <p:cNvPicPr>
+            <a:picLocks noChangeAspect="1"/>
+          </p:cNvPicPr>
+          <p:nvPr>
+            <p:custDataLst>
+              <p:tags r:id="rId1"/>
+            </p:custDataLst>
+          </p:nvPr>
+        </p:nvPicPr>
+        <p:blipFill>
+          <a:blip r:embed="rId7">
+            <a:extLst>
+              <a:ext uri="{28A0092B-C50C-407E-A947-70E740481C1C}">
+                <a14:useLocalDpi xmlns:a14="http://schemas.microsoft.com/office/drawing/2010/main" val="0"/>
+              </a:ext>
+            </a:extLst>
+          </a:blip>
+          <a:stretch>
+            <a:fillRect/>
+          </a:stretch>
+        </p:blipFill>
+        <p:spPr>
+          <a:xfrm>
+            <a:off x="990720" y="1606550"/>
+            <a:ext cx="5835411" cy="647446"/>
+          </a:xfrm>
+          <a:prstGeom prst="rect">
+            <a:avLst/>
+          </a:prstGeom>
+        </p:spPr>
+      </p:pic>
+      <p:pic>
+        <p:nvPicPr>
+          <p:cNvPr id="16" name="図 15" descr="\documentclass{jsarticle}&#10;\usepackage{amsmath}&#10;\usepackage[T1]{fontenc}&#10;\usepackage{lmodern}&#10;\pagestyle{empty}&#10;&#10;\begin{document}&#10;\begin{align*}&#10;y_2 = h_{21}S_1 + h_{22}S_2&#10;\end{align*}&#10;&#10;\end{document}" title="IguanaTex Bitmap Display">
+            <a:extLst>
+              <a:ext uri="{FF2B5EF4-FFF2-40B4-BE49-F238E27FC236}">
+                <a16:creationId xmlns:a16="http://schemas.microsoft.com/office/drawing/2014/main" id="{2296584D-A680-9F35-7A8D-ABA62DF147FC}"/>
+              </a:ext>
+            </a:extLst>
+          </p:cNvPr>
+          <p:cNvPicPr>
+            <a:picLocks noChangeAspect="1"/>
+          </p:cNvPicPr>
+          <p:nvPr>
+            <p:custDataLst>
+              <p:tags r:id="rId2"/>
+            </p:custDataLst>
+          </p:nvPr>
+        </p:nvPicPr>
+        <p:blipFill>
+          <a:blip r:embed="rId8">
+            <a:extLst>
+              <a:ext uri="{28A0092B-C50C-407E-A947-70E740481C1C}">
+                <a14:useLocalDpi xmlns:a14="http://schemas.microsoft.com/office/drawing/2010/main" val="0"/>
+              </a:ext>
+            </a:extLst>
+          </a:blip>
+          <a:stretch>
+            <a:fillRect/>
+          </a:stretch>
+        </p:blipFill>
+        <p:spPr>
+          <a:xfrm>
+            <a:off x="990719" y="2422617"/>
+            <a:ext cx="5835411" cy="647446"/>
+          </a:xfrm>
+          <a:prstGeom prst="rect">
+            <a:avLst/>
+          </a:prstGeom>
+        </p:spPr>
+      </p:pic>
+      <p:sp>
+        <p:nvSpPr>
+          <p:cNvPr id="17" name="左中かっこ 16">
+            <a:extLst>
+              <a:ext uri="{FF2B5EF4-FFF2-40B4-BE49-F238E27FC236}">
+                <a16:creationId xmlns:a16="http://schemas.microsoft.com/office/drawing/2014/main" id="{5060414E-DB4E-1DFA-4306-1FE92299DD75}"/>
+              </a:ext>
+            </a:extLst>
+          </p:cNvPr>
+          <p:cNvSpPr/>
+          <p:nvPr/>
+        </p:nvSpPr>
+        <p:spPr>
+          <a:xfrm>
+            <a:off x="774819" y="1606550"/>
+            <a:ext cx="215900" cy="1517650"/>
+          </a:xfrm>
+          <a:prstGeom prst="leftBrace">
+            <a:avLst/>
+          </a:prstGeom>
+          <a:ln w="12700">
+            <a:solidFill>
+              <a:schemeClr val="tx1"/>
+            </a:solidFill>
+          </a:ln>
+        </p:spPr>
+        <p:style>
+          <a:lnRef idx="1">
+            <a:schemeClr val="accent1"/>
+          </a:lnRef>
+          <a:fillRef idx="0">
+            <a:schemeClr val="accent1"/>
+          </a:fillRef>
+          <a:effectRef idx="0">
+            <a:schemeClr val="accent1"/>
+          </a:effectRef>
+          <a:fontRef idx="minor">
+            <a:schemeClr val="tx1"/>
+          </a:fontRef>
+        </p:style>
+        <p:txBody>
+          <a:bodyPr rtlCol="0" anchor="ctr"/>
+          <a:lstStyle/>
+          <a:p>
+            <a:pPr algn="ctr"/>
+            <a:endParaRPr kumimoji="1" lang="ja-JP" altLang="en-US"/>
+          </a:p>
+        </p:txBody>
+      </p:sp>
+      <p:grpSp>
+        <p:nvGrpSpPr>
+          <p:cNvPr id="21" name="グループ化 20">
+            <a:extLst>
+              <a:ext uri="{FF2B5EF4-FFF2-40B4-BE49-F238E27FC236}">
+                <a16:creationId xmlns:a16="http://schemas.microsoft.com/office/drawing/2014/main" id="{A8E78BFD-46C3-5A39-E6A4-48351C41E1A3}"/>
+              </a:ext>
+            </a:extLst>
+          </p:cNvPr>
+          <p:cNvGrpSpPr/>
+          <p:nvPr/>
+        </p:nvGrpSpPr>
+        <p:grpSpPr>
+          <a:xfrm>
+            <a:off x="419420" y="3310952"/>
+            <a:ext cx="7397431" cy="523220"/>
+            <a:chOff x="578168" y="3624520"/>
+            <a:chExt cx="7397431" cy="523220"/>
+          </a:xfrm>
+        </p:grpSpPr>
+        <p:pic>
+          <p:nvPicPr>
+            <p:cNvPr id="18" name="図 17" descr="\documentclass{jsarticle}&#10;\usepackage{amsmath}&#10;\usepackage[T1]{fontenc}&#10;\usepackage{lmodern}&#10;\pagestyle{empty}&#10;&#10;\begin{document}&#10;%\begin{align*}&#10;%\end{align*}&#10;&#10;$S_1$&#10;&#10;\end{document}" title="IguanaTex Bitmap Display">
+              <a:extLst>
+                <a:ext uri="{FF2B5EF4-FFF2-40B4-BE49-F238E27FC236}">
+                  <a16:creationId xmlns:a16="http://schemas.microsoft.com/office/drawing/2014/main" id="{98E1A2EE-7C8E-D6BF-BFE0-D9BCD31C8E6F}"/>
+                </a:ext>
+              </a:extLst>
+            </p:cNvPr>
+            <p:cNvPicPr>
+              <a:picLocks noChangeAspect="1"/>
+            </p:cNvPicPr>
+            <p:nvPr>
+              <p:custDataLst>
+                <p:tags r:id="rId4"/>
+              </p:custDataLst>
+            </p:nvPr>
+          </p:nvPicPr>
+          <p:blipFill>
+            <a:blip r:embed="rId9">
+              <a:extLst>
+                <a:ext uri="{28A0092B-C50C-407E-A947-70E740481C1C}">
+                  <a14:useLocalDpi xmlns:a14="http://schemas.microsoft.com/office/drawing/2010/main" val="0"/>
+                </a:ext>
+              </a:extLst>
+            </a:blip>
+            <a:stretch>
+              <a:fillRect/>
+            </a:stretch>
+          </p:blipFill>
+          <p:spPr>
+            <a:xfrm>
+              <a:off x="578168" y="3703392"/>
+              <a:ext cx="393302" cy="372689"/>
+            </a:xfrm>
+            <a:prstGeom prst="rect">
+              <a:avLst/>
+            </a:prstGeom>
+          </p:spPr>
+        </p:pic>
+        <p:pic>
+          <p:nvPicPr>
+            <p:cNvPr id="19" name="図 18" descr="\documentclass{jsarticle}&#10;\usepackage{amsmath}&#10;\usepackage[T1]{fontenc}&#10;\usepackage{lmodern}&#10;\pagestyle{empty}&#10;&#10;\begin{document}&#10;%\begin{align*}&#10;%\end{align*}&#10;&#10;$S_2$&#10;&#10;\end{document}" title="IguanaTex Bitmap Display">
+              <a:extLst>
+                <a:ext uri="{FF2B5EF4-FFF2-40B4-BE49-F238E27FC236}">
+                  <a16:creationId xmlns:a16="http://schemas.microsoft.com/office/drawing/2014/main" id="{6BAFA05A-6C35-3A90-0B0C-C1A977FDD807}"/>
+                </a:ext>
+              </a:extLst>
+            </p:cNvPr>
+            <p:cNvPicPr>
+              <a:picLocks noChangeAspect="1"/>
+            </p:cNvPicPr>
+            <p:nvPr>
+              <p:custDataLst>
+                <p:tags r:id="rId5"/>
+              </p:custDataLst>
+            </p:nvPr>
+          </p:nvPicPr>
+          <p:blipFill>
+            <a:blip r:embed="rId10">
+              <a:extLst>
+                <a:ext uri="{28A0092B-C50C-407E-A947-70E740481C1C}">
+                  <a14:useLocalDpi xmlns:a14="http://schemas.microsoft.com/office/drawing/2010/main" val="0"/>
+                </a:ext>
+              </a:extLst>
+            </a:blip>
+            <a:stretch>
+              <a:fillRect/>
+            </a:stretch>
+          </p:blipFill>
+          <p:spPr>
+            <a:xfrm>
+              <a:off x="1091857" y="3707406"/>
+              <a:ext cx="393302" cy="365476"/>
+            </a:xfrm>
+            <a:prstGeom prst="rect">
+              <a:avLst/>
+            </a:prstGeom>
+          </p:spPr>
+        </p:pic>
+        <p:sp>
+          <p:nvSpPr>
+            <p:cNvPr id="20" name="テキスト ボックス 19">
+              <a:extLst>
+                <a:ext uri="{FF2B5EF4-FFF2-40B4-BE49-F238E27FC236}">
+                  <a16:creationId xmlns:a16="http://schemas.microsoft.com/office/drawing/2014/main" id="{E278FFBA-D274-CDD6-FFE1-859E46B8D364}"/>
+                </a:ext>
+              </a:extLst>
+            </p:cNvPr>
+            <p:cNvSpPr txBox="1"/>
+            <p:nvPr/>
+          </p:nvSpPr>
+          <p:spPr>
+            <a:xfrm>
+              <a:off x="1485158" y="3624520"/>
+              <a:ext cx="6490441" cy="523220"/>
+            </a:xfrm>
+            <a:prstGeom prst="rect">
+              <a:avLst/>
+            </a:prstGeom>
+            <a:noFill/>
+          </p:spPr>
+          <p:txBody>
+            <a:bodyPr wrap="square" rtlCol="0">
+              <a:spAutoFit/>
+            </a:bodyPr>
+            <a:lstStyle/>
+            <a:p>
+              <a:r>
+                <a:rPr kumimoji="1" lang="ja-JP" altLang="en-US" sz="2800" dirty="0">
+                  <a:latin typeface="BIZ UDPゴシック" panose="020B0400000000000000" pitchFamily="50" charset="-128"/>
+                  <a:ea typeface="BIZ UDPゴシック" panose="020B0400000000000000" pitchFamily="50" charset="-128"/>
+                </a:rPr>
+                <a:t>を未知数とする連立方程式として解く</a:t>
+              </a:r>
+            </a:p>
+          </p:txBody>
+        </p:sp>
+      </p:grpSp>
+      <p:pic>
+        <p:nvPicPr>
+          <p:cNvPr id="23" name="図 22" descr="\documentclass{jsarticle}&#10;\usepackage{amsmath}&#10;\usepackage[T1]{fontenc}&#10;\usepackage{lmodern}&#10;\pagestyle{empty}&#10;&#10;\begin{document}&#10;\begin{align*}&#10;  S_1 &amp;= \frac{h_{22}}{h_{11}h_{22} - h_{12}h_{21}} \cdot y_1 - \frac{h_{12}}{h_{11}h_{22} - h_{12}h_{21}} \cdot y_2\\&#10;  S_2 &amp;= - \frac{h_{21}}{h_{11}h_{22} - h_{12}h_{21}} \cdot y_1 + \frac{h_{11}}{h_{11}h_{22} - h_{12}h_{21}} \cdot y_2&#10;\end{align*}&#10;&#10;\end{document}" title="IguanaTex Bitmap Display">
+            <a:extLst>
+              <a:ext uri="{FF2B5EF4-FFF2-40B4-BE49-F238E27FC236}">
+                <a16:creationId xmlns:a16="http://schemas.microsoft.com/office/drawing/2014/main" id="{70B26626-B7EA-913A-DE76-01C1199D2369}"/>
+              </a:ext>
+            </a:extLst>
+          </p:cNvPr>
+          <p:cNvPicPr>
+            <a:picLocks noChangeAspect="1"/>
+          </p:cNvPicPr>
+          <p:nvPr>
+            <p:custDataLst>
+              <p:tags r:id="rId3"/>
+            </p:custDataLst>
+          </p:nvPr>
+        </p:nvPicPr>
+        <p:blipFill>
+          <a:blip r:embed="rId11">
+            <a:extLst>
+              <a:ext uri="{28A0092B-C50C-407E-A947-70E740481C1C}">
+                <a14:useLocalDpi xmlns:a14="http://schemas.microsoft.com/office/drawing/2010/main" val="0"/>
+              </a:ext>
+            </a:extLst>
+          </a:blip>
+          <a:stretch>
+            <a:fillRect/>
+          </a:stretch>
+        </p:blipFill>
+        <p:spPr>
+          <a:xfrm>
+            <a:off x="933109" y="4006819"/>
+            <a:ext cx="10214134" cy="2255142"/>
+          </a:xfrm>
+          <a:prstGeom prst="rect">
+            <a:avLst/>
+          </a:prstGeom>
+        </p:spPr>
+      </p:pic>
+    </p:spTree>
+    <p:extLst>
+      <p:ext uri="{BB962C8B-B14F-4D97-AF65-F5344CB8AC3E}">
+        <p14:creationId xmlns:p14="http://schemas.microsoft.com/office/powerpoint/2010/main" val="572752500"/>
+      </p:ext>
+    </p:extLst>
+  </p:cSld>
+  <p:clrMapOvr>
+    <a:masterClrMapping/>
+  </p:clrMapOvr>
+</p:sld>
+</file>
+
+<file path=ppt/slides/slide6.xml><?xml version="1.0" encoding="utf-8"?>
+<p:sld xmlns:a="http://schemas.openxmlformats.org/drawingml/2006/main" xmlns:r="http://schemas.openxmlformats.org/officeDocument/2006/relationships" xmlns:p="http://schemas.openxmlformats.org/presentationml/2006/main">
+  <p:cSld>
+    <p:spTree>
+      <p:nvGrpSpPr>
+        <p:cNvPr id="1" name=""/>
+        <p:cNvGrpSpPr/>
+        <p:nvPr/>
+      </p:nvGrpSpPr>
+      <p:grpSpPr>
+        <a:xfrm>
+          <a:off x="0" y="0"/>
+          <a:ext cx="0" cy="0"/>
+          <a:chOff x="0" y="0"/>
+          <a:chExt cx="0" cy="0"/>
+        </a:xfrm>
+      </p:grpSpPr>
+      <p:sp>
+        <p:nvSpPr>
+          <p:cNvPr id="4" name="テキスト ボックス 3">
+            <a:extLst>
+              <a:ext uri="{FF2B5EF4-FFF2-40B4-BE49-F238E27FC236}">
+                <a16:creationId xmlns:a16="http://schemas.microsoft.com/office/drawing/2014/main" id="{37E90B70-B7F6-301F-A30B-31DE7B31E069}"/>
+              </a:ext>
+            </a:extLst>
+          </p:cNvPr>
+          <p:cNvSpPr txBox="1"/>
+          <p:nvPr/>
+        </p:nvSpPr>
+        <p:spPr>
+          <a:xfrm>
+            <a:off x="1" y="52529"/>
+            <a:ext cx="7816850" cy="830997"/>
+          </a:xfrm>
+          <a:prstGeom prst="rect">
+            <a:avLst/>
+          </a:prstGeom>
+          <a:noFill/>
+        </p:spPr>
+        <p:txBody>
+          <a:bodyPr wrap="square" rtlCol="0">
+            <a:spAutoFit/>
+          </a:bodyPr>
+          <a:lstStyle/>
+          <a:p>
+            <a:r>
+              <a:rPr kumimoji="1" lang="en-US" altLang="ja-JP" sz="4800" dirty="0">
+                <a:latin typeface="BIZ UDPゴシック" panose="020B0400000000000000" pitchFamily="50" charset="-128"/>
+                <a:ea typeface="BIZ UDPゴシック" panose="020B0400000000000000" pitchFamily="50" charset="-128"/>
+              </a:rPr>
+              <a:t>MIMO</a:t>
+            </a:r>
+            <a:r>
+              <a:rPr kumimoji="1" lang="ja-JP" altLang="en-US" sz="4800" dirty="0">
+                <a:latin typeface="BIZ UDPゴシック" panose="020B0400000000000000" pitchFamily="50" charset="-128"/>
+                <a:ea typeface="BIZ UDPゴシック" panose="020B0400000000000000" pitchFamily="50" charset="-128"/>
+              </a:rPr>
+              <a:t>伝送による信号分離</a:t>
+            </a:r>
+          </a:p>
+        </p:txBody>
+      </p:sp>
+      <p:sp>
+        <p:nvSpPr>
+          <p:cNvPr id="5" name="テキスト ボックス 4">
+            <a:extLst>
+              <a:ext uri="{FF2B5EF4-FFF2-40B4-BE49-F238E27FC236}">
+                <a16:creationId xmlns:a16="http://schemas.microsoft.com/office/drawing/2014/main" id="{1F3ABA3E-D3B3-D4A2-7F94-17FA52A01E44}"/>
+              </a:ext>
+            </a:extLst>
+          </p:cNvPr>
+          <p:cNvSpPr txBox="1"/>
+          <p:nvPr/>
+        </p:nvSpPr>
+        <p:spPr>
+          <a:xfrm>
+            <a:off x="241136" y="896578"/>
+            <a:ext cx="7251700" cy="523220"/>
+          </a:xfrm>
+          <a:prstGeom prst="rect">
+            <a:avLst/>
+          </a:prstGeom>
+          <a:noFill/>
+        </p:spPr>
+        <p:txBody>
+          <a:bodyPr wrap="square" rtlCol="0">
+            <a:spAutoFit/>
+          </a:bodyPr>
+          <a:lstStyle/>
+          <a:p>
+            <a:r>
+              <a:rPr kumimoji="1" lang="en-US" altLang="ja-JP" sz="2800" dirty="0">
+                <a:latin typeface="BIZ UDPゴシック" panose="020B0400000000000000" pitchFamily="50" charset="-128"/>
+                <a:ea typeface="BIZ UDPゴシック" panose="020B0400000000000000" pitchFamily="50" charset="-128"/>
+              </a:rPr>
+              <a:t>Zero Forcing (ZF(</a:t>
+            </a:r>
+            <a:r>
+              <a:rPr lang="ja-JP" altLang="en-US" sz="2800" dirty="0">
+                <a:latin typeface="BIZ UDPゴシック" panose="020B0400000000000000" pitchFamily="50" charset="-128"/>
+                <a:ea typeface="BIZ UDPゴシック" panose="020B0400000000000000" pitchFamily="50" charset="-128"/>
+              </a:rPr>
+              <a:t>干渉キャンセル</a:t>
+            </a:r>
+            <a:r>
+              <a:rPr kumimoji="1" lang="en-US" altLang="ja-JP" sz="2800" dirty="0">
+                <a:latin typeface="BIZ UDPゴシック" panose="020B0400000000000000" pitchFamily="50" charset="-128"/>
+                <a:ea typeface="BIZ UDPゴシック" panose="020B0400000000000000" pitchFamily="50" charset="-128"/>
+              </a:rPr>
+              <a:t>)</a:t>
+            </a:r>
+            <a:r>
+              <a:rPr kumimoji="1" lang="ja-JP" altLang="en-US" sz="2800" dirty="0">
+                <a:latin typeface="BIZ UDPゴシック" panose="020B0400000000000000" pitchFamily="50" charset="-128"/>
+                <a:ea typeface="BIZ UDPゴシック" panose="020B0400000000000000" pitchFamily="50" charset="-128"/>
+              </a:rPr>
+              <a:t>方式</a:t>
+            </a:r>
+            <a:r>
+              <a:rPr kumimoji="1" lang="en-US" altLang="ja-JP" sz="2800" dirty="0">
+                <a:latin typeface="BIZ UDPゴシック" panose="020B0400000000000000" pitchFamily="50" charset="-128"/>
+                <a:ea typeface="BIZ UDPゴシック" panose="020B0400000000000000" pitchFamily="50" charset="-128"/>
+              </a:rPr>
+              <a:t>)</a:t>
+            </a:r>
+            <a:endParaRPr kumimoji="1" lang="ja-JP" altLang="en-US" sz="2800" dirty="0">
+              <a:latin typeface="BIZ UDPゴシック" panose="020B0400000000000000" pitchFamily="50" charset="-128"/>
+              <a:ea typeface="BIZ UDPゴシック" panose="020B0400000000000000" pitchFamily="50" charset="-128"/>
+            </a:endParaRPr>
+          </a:p>
+        </p:txBody>
+      </p:sp>
+      <p:sp>
+        <p:nvSpPr>
+          <p:cNvPr id="6" name="テキスト ボックス 5">
+            <a:extLst>
+              <a:ext uri="{FF2B5EF4-FFF2-40B4-BE49-F238E27FC236}">
+                <a16:creationId xmlns:a16="http://schemas.microsoft.com/office/drawing/2014/main" id="{A45F3CDD-26C2-B9CB-6906-B7ED667C45C1}"/>
+              </a:ext>
+            </a:extLst>
+          </p:cNvPr>
+          <p:cNvSpPr txBox="1"/>
+          <p:nvPr/>
+        </p:nvSpPr>
+        <p:spPr>
+          <a:xfrm>
+            <a:off x="241136" y="1432850"/>
+            <a:ext cx="5473700" cy="584775"/>
+          </a:xfrm>
+          <a:prstGeom prst="rect">
+            <a:avLst/>
+          </a:prstGeom>
+          <a:noFill/>
+        </p:spPr>
+        <p:txBody>
+          <a:bodyPr wrap="square" rtlCol="0">
+            <a:spAutoFit/>
+          </a:bodyPr>
+          <a:lstStyle/>
+          <a:p>
+            <a:r>
+              <a:rPr kumimoji="1" lang="ja-JP" altLang="en-US" sz="3200" dirty="0">
+                <a:latin typeface="BIZ UDPゴシック" panose="020B0400000000000000" pitchFamily="50" charset="-128"/>
+                <a:ea typeface="BIZ UDPゴシック" panose="020B0400000000000000" pitchFamily="50" charset="-128"/>
+              </a:rPr>
+              <a:t>行列とベクトルで表現すると</a:t>
+            </a:r>
+            <a:r>
+              <a:rPr kumimoji="1" lang="en-US" altLang="ja-JP" sz="3200" dirty="0">
+                <a:latin typeface="BIZ UDPゴシック" panose="020B0400000000000000" pitchFamily="50" charset="-128"/>
+                <a:ea typeface="BIZ UDPゴシック" panose="020B0400000000000000" pitchFamily="50" charset="-128"/>
+              </a:rPr>
+              <a:t>,</a:t>
+            </a:r>
+          </a:p>
+        </p:txBody>
+      </p:sp>
+    </p:spTree>
+    <p:extLst>
+      <p:ext uri="{BB962C8B-B14F-4D97-AF65-F5344CB8AC3E}">
+        <p14:creationId xmlns:p14="http://schemas.microsoft.com/office/powerpoint/2010/main" val="3029244087"/>
       </p:ext>
     </p:extLst>
   </p:cSld>
@@ -7268,6 +9160,206 @@
 </p:tagLst>
 </file>
 
+<file path=ppt/tags/tag10.xml><?xml version="1.0" encoding="utf-8"?>
+<p:tagLst xmlns:a="http://schemas.openxmlformats.org/drawingml/2006/main" xmlns:r="http://schemas.openxmlformats.org/officeDocument/2006/relationships" xmlns:p="http://schemas.openxmlformats.org/presentationml/2006/main">
+  <p:tag name="OUTPUTDPI" val="1200"/>
+  <p:tag name="ORIGINALHEIGHT" val="107.265"/>
+  <p:tag name="ORIGINALWIDTH" val="161.2725"/>
+  <p:tag name="OUTPUTTYPE" val="PNG"/>
+  <p:tag name="IGUANATEXVERSION" val="160"/>
+  <p:tag name="LATEXADDIN" val="\documentclass{jsarticle}&#10;\usepackage{amsmath}&#10;\usepackage[T1]{fontenc}&#10;\usepackage{lmodern}&#10;\pagestyle{empty}&#10;&#10;\begin{document}&#10;\begin{align*}&#10;h_{22}&#10;\end{align*}&#10;&#10;\end{document}"/>
+  <p:tag name="IGUANATEXSIZE" val="60"/>
+  <p:tag name="IGUANATEXCURSOR" val="149"/>
+  <p:tag name="TRANSPARENCY" val="True"/>
+  <p:tag name="LATEXENGINEID" val="4"/>
+  <p:tag name="TEMPFOLDER" val="c:\temp\"/>
+  <p:tag name="LATEXFORMHEIGHT" val="320"/>
+  <p:tag name="LATEXFORMWIDTH" val="385"/>
+  <p:tag name="LATEXFORMWRAP" val="True"/>
+  <p:tag name="BITMAPVECTOR" val="0"/>
+</p:tagLst>
+</file>
+
+<file path=ppt/tags/tag11.xml><?xml version="1.0" encoding="utf-8"?>
+<p:tagLst xmlns:a="http://schemas.openxmlformats.org/drawingml/2006/main" xmlns:r="http://schemas.openxmlformats.org/officeDocument/2006/relationships" xmlns:p="http://schemas.openxmlformats.org/presentationml/2006/main">
+  <p:tag name="OUTPUTDPI" val="1200"/>
+  <p:tag name="ORIGINALHEIGHT" val="107.265"/>
+  <p:tag name="ORIGINALWIDTH" val="161.2725"/>
+  <p:tag name="OUTPUTTYPE" val="PNG"/>
+  <p:tag name="IGUANATEXVERSION" val="160"/>
+  <p:tag name="LATEXADDIN" val="\documentclass{jsarticle}&#10;\usepackage{amsmath}&#10;\usepackage[T1]{fontenc}&#10;\usepackage{lmodern}&#10;\pagestyle{empty}&#10;&#10;\begin{document}&#10;\begin{align*}&#10;h_{12}&#10;\end{align*}&#10;&#10;\end{document}"/>
+  <p:tag name="IGUANATEXSIZE" val="60"/>
+  <p:tag name="IGUANATEXCURSOR" val="148"/>
+  <p:tag name="TRANSPARENCY" val="True"/>
+  <p:tag name="LATEXENGINEID" val="4"/>
+  <p:tag name="TEMPFOLDER" val="c:\temp\"/>
+  <p:tag name="LATEXFORMHEIGHT" val="320"/>
+  <p:tag name="LATEXFORMWIDTH" val="385"/>
+  <p:tag name="LATEXFORMWRAP" val="True"/>
+  <p:tag name="BITMAPVECTOR" val="0"/>
+</p:tagLst>
+</file>
+
+<file path=ppt/tags/tag12.xml><?xml version="1.0" encoding="utf-8"?>
+<p:tagLst xmlns:a="http://schemas.openxmlformats.org/drawingml/2006/main" xmlns:r="http://schemas.openxmlformats.org/officeDocument/2006/relationships" xmlns:p="http://schemas.openxmlformats.org/presentationml/2006/main">
+  <p:tag name="OUTPUTDPI" val="1200"/>
+  <p:tag name="ORIGINALHEIGHT" val="107.265"/>
+  <p:tag name="ORIGINALWIDTH" val="158.2721"/>
+  <p:tag name="OUTPUTTYPE" val="PNG"/>
+  <p:tag name="IGUANATEXVERSION" val="160"/>
+  <p:tag name="LATEXADDIN" val="\documentclass{jsarticle}&#10;\usepackage{amsmath}&#10;\usepackage[T1]{fontenc}&#10;\usepackage{lmodern}&#10;\pagestyle{empty}&#10;&#10;\begin{document}&#10;\begin{align*}&#10;h_{21}&#10;\end{align*}&#10;&#10;\end{document}"/>
+  <p:tag name="IGUANATEXSIZE" val="60"/>
+  <p:tag name="IGUANATEXCURSOR" val="149"/>
+  <p:tag name="TRANSPARENCY" val="True"/>
+  <p:tag name="LATEXENGINEID" val="4"/>
+  <p:tag name="TEMPFOLDER" val="c:\temp\"/>
+  <p:tag name="LATEXFORMHEIGHT" val="320"/>
+  <p:tag name="LATEXFORMWIDTH" val="385"/>
+  <p:tag name="LATEXFORMWRAP" val="True"/>
+  <p:tag name="BITMAPVECTOR" val="0"/>
+</p:tagLst>
+</file>
+
+<file path=ppt/tags/tag13.xml><?xml version="1.0" encoding="utf-8"?>
+<p:tagLst xmlns:a="http://schemas.openxmlformats.org/drawingml/2006/main" xmlns:r="http://schemas.openxmlformats.org/officeDocument/2006/relationships" xmlns:p="http://schemas.openxmlformats.org/presentationml/2006/main">
+  <p:tag name="OUTPUTDPI" val="1200"/>
+  <p:tag name="ORIGINALHEIGHT" val="115.5161"/>
+  <p:tag name="ORIGINALWIDTH" val="1041.145"/>
+  <p:tag name="OUTPUTTYPE" val="PNG"/>
+  <p:tag name="IGUANATEXVERSION" val="160"/>
+  <p:tag name="LATEXADDIN" val="\documentclass{jsarticle}&#10;\usepackage{amsmath}&#10;\usepackage[T1]{fontenc}&#10;\usepackage{lmodern}&#10;\pagestyle{empty}&#10;&#10;\begin{document}&#10;\begin{align*}&#10;y_1 = h_{11}S_1 + h_{12}S_2&#10;\end{align*}&#10;&#10;\end{document}"/>
+  <p:tag name="IGUANATEXSIZE" val="60"/>
+  <p:tag name="IGUANATEXCURSOR" val="169"/>
+  <p:tag name="TRANSPARENCY" val="True"/>
+  <p:tag name="LATEXENGINEID" val="4"/>
+  <p:tag name="TEMPFOLDER" val="c:\temp\"/>
+  <p:tag name="LATEXFORMHEIGHT" val="320"/>
+  <p:tag name="LATEXFORMWIDTH" val="385"/>
+  <p:tag name="LATEXFORMWRAP" val="True"/>
+  <p:tag name="BITMAPVECTOR" val="0"/>
+</p:tagLst>
+</file>
+
+<file path=ppt/tags/tag14.xml><?xml version="1.0" encoding="utf-8"?>
+<p:tagLst xmlns:a="http://schemas.openxmlformats.org/drawingml/2006/main" xmlns:r="http://schemas.openxmlformats.org/officeDocument/2006/relationships" xmlns:p="http://schemas.openxmlformats.org/presentationml/2006/main">
+  <p:tag name="OUTPUTDPI" val="1200"/>
+  <p:tag name="ORIGINALHEIGHT" val="115.5161"/>
+  <p:tag name="ORIGINALWIDTH" val="1041.145"/>
+  <p:tag name="OUTPUTTYPE" val="PNG"/>
+  <p:tag name="IGUANATEXVERSION" val="160"/>
+  <p:tag name="LATEXADDIN" val="\documentclass{jsarticle}&#10;\usepackage{amsmath}&#10;\usepackage[T1]{fontenc}&#10;\usepackage{lmodern}&#10;\pagestyle{empty}&#10;&#10;\begin{document}&#10;\begin{align*}&#10;y_2 = h_{21}S_1 + h_{22}S_2&#10;\end{align*}&#10;&#10;\end{document}"/>
+  <p:tag name="IGUANATEXSIZE" val="60"/>
+  <p:tag name="IGUANATEXCURSOR" val="157"/>
+  <p:tag name="TRANSPARENCY" val="True"/>
+  <p:tag name="LATEXENGINEID" val="4"/>
+  <p:tag name="TEMPFOLDER" val="c:\temp\"/>
+  <p:tag name="LATEXFORMHEIGHT" val="320"/>
+  <p:tag name="LATEXFORMWIDTH" val="385"/>
+  <p:tag name="LATEXFORMWRAP" val="True"/>
+  <p:tag name="BITMAPVECTOR" val="0"/>
+</p:tagLst>
+</file>
+
+<file path=ppt/tags/tag15.xml><?xml version="1.0" encoding="utf-8"?>
+<p:tagLst xmlns:a="http://schemas.openxmlformats.org/drawingml/2006/main" xmlns:r="http://schemas.openxmlformats.org/officeDocument/2006/relationships" xmlns:p="http://schemas.openxmlformats.org/presentationml/2006/main">
+  <p:tag name="OUTPUTDPI" val="1200"/>
+  <p:tag name="ORIGINALHEIGHT" val="108.7652"/>
+  <p:tag name="ORIGINALWIDTH" val="114.0159"/>
+  <p:tag name="OUTPUTTYPE" val="PNG"/>
+  <p:tag name="IGUANATEXVERSION" val="160"/>
+  <p:tag name="LATEXADDIN" val="\documentclass{jsarticle}&#10;\usepackage{amsmath}&#10;\usepackage[T1]{fontenc}&#10;\usepackage{lmodern}&#10;\pagestyle{empty}&#10;&#10;\begin{document}&#10;%\begin{align*}&#10;%\end{align*}&#10;&#10;$S_1$&#10;&#10;\end{document}"/>
+  <p:tag name="IGUANATEXSIZE" val="60"/>
+  <p:tag name="IGUANATEXCURSOR" val="164"/>
+  <p:tag name="TRANSPARENCY" val="True"/>
+  <p:tag name="LATEXENGINEID" val="4"/>
+  <p:tag name="TEMPFOLDER" val="c:\temp\"/>
+  <p:tag name="LATEXFORMHEIGHT" val="320"/>
+  <p:tag name="LATEXFORMWIDTH" val="385"/>
+  <p:tag name="LATEXFORMWRAP" val="True"/>
+  <p:tag name="BITMAPVECTOR" val="0"/>
+</p:tagLst>
+</file>
+
+<file path=ppt/tags/tag16.xml><?xml version="1.0" encoding="utf-8"?>
+<p:tagLst xmlns:a="http://schemas.openxmlformats.org/drawingml/2006/main" xmlns:r="http://schemas.openxmlformats.org/officeDocument/2006/relationships" xmlns:p="http://schemas.openxmlformats.org/presentationml/2006/main">
+  <p:tag name="OUTPUTDPI" val="1200"/>
+  <p:tag name="ORIGINALHEIGHT" val="108.7652"/>
+  <p:tag name="ORIGINALWIDTH" val="116.2662"/>
+  <p:tag name="OUTPUTTYPE" val="PNG"/>
+  <p:tag name="IGUANATEXVERSION" val="160"/>
+  <p:tag name="LATEXADDIN" val="\documentclass{jsarticle}&#10;\usepackage{amsmath}&#10;\usepackage[T1]{fontenc}&#10;\usepackage{lmodern}&#10;\pagestyle{empty}&#10;&#10;\begin{document}&#10;%\begin{align*}&#10;%\end{align*}&#10;&#10;$S_2$&#10;&#10;\end{document}"/>
+  <p:tag name="IGUANATEXSIZE" val="60"/>
+  <p:tag name="IGUANATEXCURSOR" val="166"/>
+  <p:tag name="TRANSPARENCY" val="True"/>
+  <p:tag name="LATEXENGINEID" val="4"/>
+  <p:tag name="TEMPFOLDER" val="c:\temp\"/>
+  <p:tag name="LATEXFORMHEIGHT" val="320"/>
+  <p:tag name="LATEXFORMWIDTH" val="385"/>
+  <p:tag name="LATEXFORMWRAP" val="True"/>
+  <p:tag name="BITMAPVECTOR" val="0"/>
+</p:tagLst>
+</file>
+
+<file path=ppt/tags/tag17.xml><?xml version="1.0" encoding="utf-8"?>
+<p:tagLst xmlns:a="http://schemas.openxmlformats.org/drawingml/2006/main" xmlns:r="http://schemas.openxmlformats.org/officeDocument/2006/relationships" xmlns:p="http://schemas.openxmlformats.org/presentationml/2006/main">
+  <p:tag name="OUTPUTDPI" val="1200"/>
+  <p:tag name="ORIGINALHEIGHT" val="115.5161"/>
+  <p:tag name="ORIGINALWIDTH" val="1041.145"/>
+  <p:tag name="OUTPUTTYPE" val="PNG"/>
+  <p:tag name="IGUANATEXVERSION" val="160"/>
+  <p:tag name="LATEXADDIN" val="\documentclass{jsarticle}&#10;\usepackage{amsmath}&#10;\usepackage[T1]{fontenc}&#10;\usepackage{lmodern}&#10;\pagestyle{empty}&#10;&#10;\begin{document}&#10;\begin{align*}&#10;y_1 = h_{11}S_1 + h_{12}S_2&#10;\end{align*}&#10;&#10;\end{document}"/>
+  <p:tag name="IGUANATEXSIZE" val="60"/>
+  <p:tag name="IGUANATEXCURSOR" val="157"/>
+  <p:tag name="TRANSPARENCY" val="True"/>
+  <p:tag name="LATEXENGINEID" val="4"/>
+  <p:tag name="TEMPFOLDER" val="c:\temp\"/>
+  <p:tag name="LATEXFORMHEIGHT" val="320"/>
+  <p:tag name="LATEXFORMWIDTH" val="385"/>
+  <p:tag name="LATEXFORMWRAP" val="True"/>
+  <p:tag name="BITMAPVECTOR" val="0"/>
+</p:tagLst>
+</file>
+
+<file path=ppt/tags/tag18.xml><?xml version="1.0" encoding="utf-8"?>
+<p:tagLst xmlns:a="http://schemas.openxmlformats.org/drawingml/2006/main" xmlns:r="http://schemas.openxmlformats.org/officeDocument/2006/relationships" xmlns:p="http://schemas.openxmlformats.org/presentationml/2006/main">
+  <p:tag name="OUTPUTDPI" val="1200"/>
+  <p:tag name="ORIGINALHEIGHT" val="115.5161"/>
+  <p:tag name="ORIGINALWIDTH" val="1041.145"/>
+  <p:tag name="OUTPUTTYPE" val="PNG"/>
+  <p:tag name="IGUANATEXVERSION" val="160"/>
+  <p:tag name="LATEXADDIN" val="\documentclass{jsarticle}&#10;\usepackage{amsmath}&#10;\usepackage[T1]{fontenc}&#10;\usepackage{lmodern}&#10;\pagestyle{empty}&#10;&#10;\begin{document}&#10;\begin{align*}&#10;y_2 = h_{21}S_1 + h_{22}S_2&#10;\end{align*}&#10;&#10;\end{document}"/>
+  <p:tag name="IGUANATEXSIZE" val="60"/>
+  <p:tag name="IGUANATEXCURSOR" val="157"/>
+  <p:tag name="TRANSPARENCY" val="True"/>
+  <p:tag name="LATEXENGINEID" val="4"/>
+  <p:tag name="TEMPFOLDER" val="c:\temp\"/>
+  <p:tag name="LATEXFORMHEIGHT" val="320"/>
+  <p:tag name="LATEXFORMWIDTH" val="385"/>
+  <p:tag name="LATEXFORMWRAP" val="True"/>
+  <p:tag name="BITMAPVECTOR" val="0"/>
+</p:tagLst>
+</file>
+
+<file path=ppt/tags/tag19.xml><?xml version="1.0" encoding="utf-8"?>
+<p:tagLst xmlns:a="http://schemas.openxmlformats.org/drawingml/2006/main" xmlns:r="http://schemas.openxmlformats.org/officeDocument/2006/relationships" xmlns:p="http://schemas.openxmlformats.org/presentationml/2006/main">
+  <p:tag name="OUTPUTDPI" val="1200"/>
+  <p:tag name="ORIGINALHEIGHT" val="602.3341"/>
+  <p:tag name="ORIGINALWIDTH" val="2728.131"/>
+  <p:tag name="OUTPUTTYPE" val="PNG"/>
+  <p:tag name="IGUANATEXVERSION" val="160"/>
+  <p:tag name="LATEXADDIN" val="\documentclass{jsarticle}&#10;\usepackage{amsmath}&#10;\usepackage[T1]{fontenc}&#10;\usepackage{lmodern}&#10;\pagestyle{empty}&#10;&#10;\begin{document}&#10;\begin{align*}&#10;  S_1 &amp;= \frac{h_{22}}{h_{11}h_{22} - h_{12}h_{21}} \cdot y_1 - \frac{h_{12}}{h_{11}h_{22} - h_{12}h_{21}} \cdot y_2\\&#10;  S_2 &amp;= - \frac{h_{21}}{h_{11}h_{22} - h_{12}h_{21}} \cdot y_1 + \frac{h_{11}}{h_{11}h_{22} - h_{12}h_{21}} \cdot y_2&#10;\end{align*}&#10;&#10;\end{document}"/>
+  <p:tag name="IGUANATEXSIZE" val="60"/>
+  <p:tag name="IGUANATEXCURSOR" val="381"/>
+  <p:tag name="TRANSPARENCY" val="True"/>
+  <p:tag name="LATEXENGINEID" val="4"/>
+  <p:tag name="TEMPFOLDER" val="c:\temp\"/>
+  <p:tag name="LATEXFORMHEIGHT" val="320"/>
+  <p:tag name="LATEXFORMWIDTH" val="385"/>
+  <p:tag name="LATEXFORMWRAP" val="True"/>
+  <p:tag name="BITMAPVECTOR" val="0"/>
+</p:tagLst>
+</file>
+
 <file path=ppt/tags/tag2.xml><?xml version="1.0" encoding="utf-8"?>
 <p:tagLst xmlns:a="http://schemas.openxmlformats.org/drawingml/2006/main" xmlns:r="http://schemas.openxmlformats.org/officeDocument/2006/relationships" xmlns:p="http://schemas.openxmlformats.org/presentationml/2006/main">
   <p:tag name="OUTPUTDPI" val="1200"/>
@@ -7278,6 +9370,46 @@
   <p:tag name="LATEXADDIN" val="\documentclass{jsarticle}&#10;\usepackage{amsmath}&#10;\usepackage[T1]{fontenc}&#10;\usepackage{lmodern}&#10;\pagestyle{empty}&#10;&#10;\begin{document}&#10;%\begin{align*}&#10;%\end{align*}&#10;&#10;$S_1$&#10;&#10;\end{document}"/>
   <p:tag name="IGUANATEXSIZE" val="60"/>
   <p:tag name="IGUANATEXCURSOR" val="164"/>
+  <p:tag name="TRANSPARENCY" val="True"/>
+  <p:tag name="LATEXENGINEID" val="4"/>
+  <p:tag name="TEMPFOLDER" val="c:\temp\"/>
+  <p:tag name="LATEXFORMHEIGHT" val="320"/>
+  <p:tag name="LATEXFORMWIDTH" val="385"/>
+  <p:tag name="LATEXFORMWRAP" val="True"/>
+  <p:tag name="BITMAPVECTOR" val="0"/>
+</p:tagLst>
+</file>
+
+<file path=ppt/tags/tag20.xml><?xml version="1.0" encoding="utf-8"?>
+<p:tagLst xmlns:a="http://schemas.openxmlformats.org/drawingml/2006/main" xmlns:r="http://schemas.openxmlformats.org/officeDocument/2006/relationships" xmlns:p="http://schemas.openxmlformats.org/presentationml/2006/main">
+  <p:tag name="OUTPUTDPI" val="1200"/>
+  <p:tag name="ORIGINALHEIGHT" val="108.7652"/>
+  <p:tag name="ORIGINALWIDTH" val="114.0159"/>
+  <p:tag name="OUTPUTTYPE" val="PNG"/>
+  <p:tag name="IGUANATEXVERSION" val="160"/>
+  <p:tag name="LATEXADDIN" val="\documentclass{jsarticle}&#10;\usepackage{amsmath}&#10;\usepackage[T1]{fontenc}&#10;\usepackage{lmodern}&#10;\pagestyle{empty}&#10;&#10;\begin{document}&#10;%\begin{align*}&#10;%\end{align*}&#10;&#10;$S_1$&#10;&#10;\end{document}"/>
+  <p:tag name="IGUANATEXSIZE" val="60"/>
+  <p:tag name="IGUANATEXCURSOR" val="164"/>
+  <p:tag name="TRANSPARENCY" val="True"/>
+  <p:tag name="LATEXENGINEID" val="4"/>
+  <p:tag name="TEMPFOLDER" val="c:\temp\"/>
+  <p:tag name="LATEXFORMHEIGHT" val="320"/>
+  <p:tag name="LATEXFORMWIDTH" val="385"/>
+  <p:tag name="LATEXFORMWRAP" val="True"/>
+  <p:tag name="BITMAPVECTOR" val="0"/>
+</p:tagLst>
+</file>
+
+<file path=ppt/tags/tag21.xml><?xml version="1.0" encoding="utf-8"?>
+<p:tagLst xmlns:a="http://schemas.openxmlformats.org/drawingml/2006/main" xmlns:r="http://schemas.openxmlformats.org/officeDocument/2006/relationships" xmlns:p="http://schemas.openxmlformats.org/presentationml/2006/main">
+  <p:tag name="OUTPUTDPI" val="1200"/>
+  <p:tag name="ORIGINALHEIGHT" val="108.7652"/>
+  <p:tag name="ORIGINALWIDTH" val="116.2662"/>
+  <p:tag name="OUTPUTTYPE" val="PNG"/>
+  <p:tag name="IGUANATEXVERSION" val="160"/>
+  <p:tag name="LATEXADDIN" val="\documentclass{jsarticle}&#10;\usepackage{amsmath}&#10;\usepackage[T1]{fontenc}&#10;\usepackage{lmodern}&#10;\pagestyle{empty}&#10;&#10;\begin{document}&#10;%\begin{align*}&#10;%\end{align*}&#10;&#10;$S_2$&#10;&#10;\end{document}"/>
+  <p:tag name="IGUANATEXSIZE" val="60"/>
+  <p:tag name="IGUANATEXCURSOR" val="166"/>
   <p:tag name="TRANSPARENCY" val="True"/>
   <p:tag name="LATEXENGINEID" val="4"/>
   <p:tag name="TEMPFOLDER" val="c:\temp\"/>
@@ -7358,6 +9490,66 @@
   <p:tag name="LATEXADDIN" val="\documentclass{jsarticle}&#10;\usepackage{amsmath}&#10;\usepackage[T1]{fontenc}&#10;\usepackage{lmodern}&#10;\pagestyle{empty}&#10;&#10;\begin{document}&#10;\begin{align*}&#10;= 5 \times 108 \times 1/3.6 \times 4 = 600&#10;\end{align*}&#10;&#10;\end{document}"/>
   <p:tag name="IGUANATEXSIZE" val="60"/>
   <p:tag name="IGUANATEXCURSOR" val="186"/>
+  <p:tag name="TRANSPARENCY" val="True"/>
+  <p:tag name="LATEXENGINEID" val="4"/>
+  <p:tag name="TEMPFOLDER" val="c:\temp\"/>
+  <p:tag name="LATEXFORMHEIGHT" val="320"/>
+  <p:tag name="LATEXFORMWIDTH" val="385"/>
+  <p:tag name="LATEXFORMWRAP" val="True"/>
+  <p:tag name="BITMAPVECTOR" val="0"/>
+</p:tagLst>
+</file>
+
+<file path=ppt/tags/tag7.xml><?xml version="1.0" encoding="utf-8"?>
+<p:tagLst xmlns:a="http://schemas.openxmlformats.org/drawingml/2006/main" xmlns:r="http://schemas.openxmlformats.org/officeDocument/2006/relationships" xmlns:p="http://schemas.openxmlformats.org/presentationml/2006/main">
+  <p:tag name="OUTPUTDPI" val="1200"/>
+  <p:tag name="ORIGINALHEIGHT" val="108.7652"/>
+  <p:tag name="ORIGINALWIDTH" val="114.0159"/>
+  <p:tag name="OUTPUTTYPE" val="PNG"/>
+  <p:tag name="IGUANATEXVERSION" val="160"/>
+  <p:tag name="LATEXADDIN" val="\documentclass{jsarticle}&#10;\usepackage{amsmath}&#10;\usepackage[T1]{fontenc}&#10;\usepackage{lmodern}&#10;\pagestyle{empty}&#10;&#10;\begin{document}&#10;%\begin{align*}&#10;%\end{align*}&#10;&#10;$S_1$&#10;&#10;\end{document}"/>
+  <p:tag name="IGUANATEXSIZE" val="60"/>
+  <p:tag name="IGUANATEXCURSOR" val="164"/>
+  <p:tag name="TRANSPARENCY" val="True"/>
+  <p:tag name="LATEXENGINEID" val="4"/>
+  <p:tag name="TEMPFOLDER" val="c:\temp\"/>
+  <p:tag name="LATEXFORMHEIGHT" val="320"/>
+  <p:tag name="LATEXFORMWIDTH" val="385"/>
+  <p:tag name="LATEXFORMWRAP" val="True"/>
+  <p:tag name="BITMAPVECTOR" val="0"/>
+</p:tagLst>
+</file>
+
+<file path=ppt/tags/tag8.xml><?xml version="1.0" encoding="utf-8"?>
+<p:tagLst xmlns:a="http://schemas.openxmlformats.org/drawingml/2006/main" xmlns:r="http://schemas.openxmlformats.org/officeDocument/2006/relationships" xmlns:p="http://schemas.openxmlformats.org/presentationml/2006/main">
+  <p:tag name="OUTPUTDPI" val="1200"/>
+  <p:tag name="ORIGINALHEIGHT" val="108.7652"/>
+  <p:tag name="ORIGINALWIDTH" val="116.2662"/>
+  <p:tag name="OUTPUTTYPE" val="PNG"/>
+  <p:tag name="IGUANATEXVERSION" val="160"/>
+  <p:tag name="LATEXADDIN" val="\documentclass{jsarticle}&#10;\usepackage{amsmath}&#10;\usepackage[T1]{fontenc}&#10;\usepackage{lmodern}&#10;\pagestyle{empty}&#10;&#10;\begin{document}&#10;%\begin{align*}&#10;%\end{align*}&#10;&#10;$S_2$&#10;&#10;\end{document}"/>
+  <p:tag name="IGUANATEXSIZE" val="60"/>
+  <p:tag name="IGUANATEXCURSOR" val="166"/>
+  <p:tag name="TRANSPARENCY" val="True"/>
+  <p:tag name="LATEXENGINEID" val="4"/>
+  <p:tag name="TEMPFOLDER" val="c:\temp\"/>
+  <p:tag name="LATEXFORMHEIGHT" val="320"/>
+  <p:tag name="LATEXFORMWIDTH" val="385"/>
+  <p:tag name="LATEXFORMWRAP" val="True"/>
+  <p:tag name="BITMAPVECTOR" val="0"/>
+</p:tagLst>
+</file>
+
+<file path=ppt/tags/tag9.xml><?xml version="1.0" encoding="utf-8"?>
+<p:tagLst xmlns:a="http://schemas.openxmlformats.org/drawingml/2006/main" xmlns:r="http://schemas.openxmlformats.org/officeDocument/2006/relationships" xmlns:p="http://schemas.openxmlformats.org/presentationml/2006/main">
+  <p:tag name="OUTPUTDPI" val="1200"/>
+  <p:tag name="ORIGINALHEIGHT" val="107.265"/>
+  <p:tag name="ORIGINALWIDTH" val="158.2721"/>
+  <p:tag name="OUTPUTTYPE" val="PNG"/>
+  <p:tag name="IGUANATEXVERSION" val="160"/>
+  <p:tag name="LATEXADDIN" val="\documentclass{jsarticle}&#10;\usepackage{amsmath}&#10;\usepackage[T1]{fontenc}&#10;\usepackage{lmodern}&#10;\pagestyle{empty}&#10;&#10;\begin{document}&#10;\begin{align*}&#10;h_{11}&#10;\end{align*}&#10;&#10;\end{document}"/>
+  <p:tag name="IGUANATEXSIZE" val="60"/>
+  <p:tag name="IGUANATEXCURSOR" val="149"/>
   <p:tag name="TRANSPARENCY" val="True"/>
   <p:tag name="LATEXENGINEID" val="4"/>
   <p:tag name="TEMPFOLDER" val="c:\temp\"/>
@@ -7959,6 +10151,21 @@
 </file>
 
 <file path=customXml/item1.xml><?xml version="1.0" encoding="utf-8"?>
+<p:properties xmlns:p="http://schemas.microsoft.com/office/2006/metadata/properties" xmlns:xsi="http://www.w3.org/2001/XMLSchema-instance" xmlns:pc="http://schemas.microsoft.com/office/infopath/2007/PartnerControls">
+  <documentManagement/>
+</p:properties>
+</file>
+
+<file path=customXml/item2.xml><?xml version="1.0" encoding="utf-8"?>
+<?mso-contentType ?>
+<FormTemplates xmlns="http://schemas.microsoft.com/sharepoint/v3/contenttype/forms">
+  <Display>DocumentLibraryForm</Display>
+  <Edit>DocumentLibraryForm</Edit>
+  <New>DocumentLibraryForm</New>
+</FormTemplates>
+</file>
+
+<file path=customXml/item3.xml><?xml version="1.0" encoding="utf-8"?>
 <ct:contentTypeSchema xmlns:ct="http://schemas.microsoft.com/office/2006/metadata/contentType" xmlns:ma="http://schemas.microsoft.com/office/2006/metadata/properties/metaAttributes" ct:_="" ma:_="" ma:contentTypeName="ドキュメント" ma:contentTypeID="0x0101003E09FD1B8D620F4DB701D846A58777FF" ma:contentTypeVersion="9" ma:contentTypeDescription="新しいドキュメントを作成します。" ma:contentTypeScope="" ma:versionID="60e7aa87c0704c541e6c160bd3c5db05">
   <xsd:schema xmlns:xsd="http://www.w3.org/2001/XMLSchema" xmlns:xs="http://www.w3.org/2001/XMLSchema" xmlns:p="http://schemas.microsoft.com/office/2006/metadata/properties" xmlns:ns3="f87cc323-2a07-4ed0-aeeb-f3753cc5f677" targetNamespace="http://schemas.microsoft.com/office/2006/metadata/properties" ma:root="true" ma:fieldsID="da0458dd451b34878066f88f08e4832d" ns3:_="">
     <xsd:import namespace="f87cc323-2a07-4ed0-aeeb-f3753cc5f677"/>
@@ -8136,22 +10343,31 @@
 </ct:contentTypeSchema>
 </file>
 
-<file path=customXml/item2.xml><?xml version="1.0" encoding="utf-8"?>
-<?mso-contentType ?>
-<FormTemplates xmlns="http://schemas.microsoft.com/sharepoint/v3/contenttype/forms">
-  <Display>DocumentLibraryForm</Display>
-  <Edit>DocumentLibraryForm</Edit>
-  <New>DocumentLibraryForm</New>
-</FormTemplates>
+<file path=customXml/itemProps1.xml><?xml version="1.0" encoding="utf-8"?>
+<ds:datastoreItem xmlns:ds="http://schemas.openxmlformats.org/officeDocument/2006/customXml" ds:itemID="{17B66297-64A9-434F-A9C4-AC880F8D2C36}">
+  <ds:schemaRefs>
+    <ds:schemaRef ds:uri="http://schemas.microsoft.com/office/infopath/2007/PartnerControls"/>
+    <ds:schemaRef ds:uri="http://purl.org/dc/dcmitype/"/>
+    <ds:schemaRef ds:uri="f87cc323-2a07-4ed0-aeeb-f3753cc5f677"/>
+    <ds:schemaRef ds:uri="http://schemas.microsoft.com/office/2006/metadata/properties"/>
+    <ds:schemaRef ds:uri="http://purl.org/dc/elements/1.1/"/>
+    <ds:schemaRef ds:uri="http://schemas.microsoft.com/office/2006/documentManagement/types"/>
+    <ds:schemaRef ds:uri="http://schemas.openxmlformats.org/package/2006/metadata/core-properties"/>
+    <ds:schemaRef ds:uri="http://www.w3.org/XML/1998/namespace"/>
+    <ds:schemaRef ds:uri="http://purl.org/dc/terms/"/>
+  </ds:schemaRefs>
+</ds:datastoreItem>
 </file>
 
-<file path=customXml/item3.xml><?xml version="1.0" encoding="utf-8"?>
-<p:properties xmlns:p="http://schemas.microsoft.com/office/2006/metadata/properties" xmlns:xsi="http://www.w3.org/2001/XMLSchema-instance" xmlns:pc="http://schemas.microsoft.com/office/infopath/2007/PartnerControls">
-  <documentManagement/>
-</p:properties>
+<file path=customXml/itemProps2.xml><?xml version="1.0" encoding="utf-8"?>
+<ds:datastoreItem xmlns:ds="http://schemas.openxmlformats.org/officeDocument/2006/customXml" ds:itemID="{4E94CB43-C64E-4EAA-BC17-53A937DD860B}">
+  <ds:schemaRefs>
+    <ds:schemaRef ds:uri="http://schemas.microsoft.com/sharepoint/v3/contenttype/forms"/>
+  </ds:schemaRefs>
+</ds:datastoreItem>
 </file>
 
-<file path=customXml/itemProps1.xml><?xml version="1.0" encoding="utf-8"?>
+<file path=customXml/itemProps3.xml><?xml version="1.0" encoding="utf-8"?>
 <ds:datastoreItem xmlns:ds="http://schemas.openxmlformats.org/officeDocument/2006/customXml" ds:itemID="{0C4384B0-02B3-4987-B987-A6A37AAF03FA}">
   <ds:schemaRefs>
     <ds:schemaRef ds:uri="http://schemas.microsoft.com/office/2006/metadata/contentType"/>
@@ -8167,28 +10383,4 @@
     <ds:schemaRef ds:uri="http://schemas.microsoft.com/internal/obd"/>
   </ds:schemaRefs>
 </ds:datastoreItem>
-</file>
-
-<file path=customXml/itemProps2.xml><?xml version="1.0" encoding="utf-8"?>
-<ds:datastoreItem xmlns:ds="http://schemas.openxmlformats.org/officeDocument/2006/customXml" ds:itemID="{4E94CB43-C64E-4EAA-BC17-53A937DD860B}">
-  <ds:schemaRefs>
-    <ds:schemaRef ds:uri="http://schemas.microsoft.com/sharepoint/v3/contenttype/forms"/>
-  </ds:schemaRefs>
-</ds:datastoreItem>
-</file>
-
-<file path=customXml/itemProps3.xml><?xml version="1.0" encoding="utf-8"?>
-<ds:datastoreItem xmlns:ds="http://schemas.openxmlformats.org/officeDocument/2006/customXml" ds:itemID="{17B66297-64A9-434F-A9C4-AC880F8D2C36}">
-  <ds:schemaRefs>
-    <ds:schemaRef ds:uri="http://schemas.microsoft.com/office/infopath/2007/PartnerControls"/>
-    <ds:schemaRef ds:uri="http://purl.org/dc/dcmitype/"/>
-    <ds:schemaRef ds:uri="f87cc323-2a07-4ed0-aeeb-f3753cc5f677"/>
-    <ds:schemaRef ds:uri="http://schemas.microsoft.com/office/2006/metadata/properties"/>
-    <ds:schemaRef ds:uri="http://purl.org/dc/elements/1.1/"/>
-    <ds:schemaRef ds:uri="http://schemas.microsoft.com/office/2006/documentManagement/types"/>
-    <ds:schemaRef ds:uri="http://schemas.openxmlformats.org/package/2006/metadata/core-properties"/>
-    <ds:schemaRef ds:uri="http://www.w3.org/XML/1998/namespace"/>
-    <ds:schemaRef ds:uri="http://purl.org/dc/terms/"/>
-  </ds:schemaRefs>
-</ds:datastoreItem>
 </file>
--- a/MIMO/MIMO.pptx
+++ b/MIMO/MIMO.pptx
@@ -9127,6 +9127,121 @@
           </a:p>
         </p:txBody>
       </p:sp>
+      <p:pic>
+        <p:nvPicPr>
+          <p:cNvPr id="8" name="図 7" descr="\documentclass{jsarticle}&#10;\usepackage{amsmath}&#10;\usepackage[T1]{fontenc}&#10;\usepackage{lmodern}&#10;\pagestyle{empty}&#10;&#10;\begin{document}&#10;%\begin{align*}&#10;%\end{align*}&#10;\begin{equation*}&#10;  \begin{bmatrix}&#10;    y_1 \\&#10;    y_2&#10;    \end{bmatrix}&#10;    =&#10;    \begin{bmatrix}&#10;    h_{11} &amp; h_{12} \\&#10;    h_{21} &amp; h_{22}&#10;    \end{bmatrix}&#10;    \cdot&#10;    \begin{bmatrix}&#10;    s_1 \\&#10;    s_2&#10;    \end{bmatrix}&#10;\end{equation*}&#10;\end{document}" title="IguanaTex Bitmap Display">
+            <a:extLst>
+              <a:ext uri="{FF2B5EF4-FFF2-40B4-BE49-F238E27FC236}">
+                <a16:creationId xmlns:a16="http://schemas.microsoft.com/office/drawing/2014/main" id="{D7D32DEC-46A4-DA1C-61C8-5AE8BFAA3FB4}"/>
+              </a:ext>
+            </a:extLst>
+          </p:cNvPr>
+          <p:cNvPicPr>
+            <a:picLocks noChangeAspect="1"/>
+          </p:cNvPicPr>
+          <p:nvPr>
+            <p:custDataLst>
+              <p:tags r:id="rId1"/>
+            </p:custDataLst>
+          </p:nvPr>
+        </p:nvPicPr>
+        <p:blipFill>
+          <a:blip r:embed="rId4">
+            <a:extLst>
+              <a:ext uri="{28A0092B-C50C-407E-A947-70E740481C1C}">
+                <a14:useLocalDpi xmlns:a14="http://schemas.microsoft.com/office/drawing/2010/main" val="0"/>
+              </a:ext>
+            </a:extLst>
+          </a:blip>
+          <a:stretch>
+            <a:fillRect/>
+          </a:stretch>
+        </p:blipFill>
+        <p:spPr>
+          <a:xfrm>
+            <a:off x="2271713" y="2064989"/>
+            <a:ext cx="6557962" cy="1520357"/>
+          </a:xfrm>
+          <a:prstGeom prst="rect">
+            <a:avLst/>
+          </a:prstGeom>
+        </p:spPr>
+      </p:pic>
+      <p:pic>
+        <p:nvPicPr>
+          <p:cNvPr id="10" name="図 9" descr="\documentclass{jsarticle}&#10;\usepackage{amsmath}&#10;\usepackage[T1]{fontenc}&#10;\usepackage{lmodern}&#10;\pagestyle{empty}&#10;&#10;\begin{document}&#10;%\begin{align*}&#10;%\end{align*}&#10;\begin{equation*}&#10;  \begin{bmatrix}&#10;    s_1 \\&#10;    s_2&#10;    \end{bmatrix}&#10;    =&#10;    \begin{bmatrix}&#10;    h_{11} &amp; h_{12} \\&#10;    h_{21} &amp; h_{22}&#10;    \end{bmatrix}^{-1}&#10;    \cdot&#10;    \begin{bmatrix}&#10;    y_1 \\&#10;    y_2&#10;    \end{bmatrix}&#10;\end{equation*}&#10;\end{document}" title="IguanaTex Bitmap Display">
+            <a:extLst>
+              <a:ext uri="{FF2B5EF4-FFF2-40B4-BE49-F238E27FC236}">
+                <a16:creationId xmlns:a16="http://schemas.microsoft.com/office/drawing/2014/main" id="{E0369148-2B4A-A48A-A6EC-91AD45165194}"/>
+              </a:ext>
+            </a:extLst>
+          </p:cNvPr>
+          <p:cNvPicPr>
+            <a:picLocks noChangeAspect="1"/>
+          </p:cNvPicPr>
+          <p:nvPr>
+            <p:custDataLst>
+              <p:tags r:id="rId2"/>
+            </p:custDataLst>
+          </p:nvPr>
+        </p:nvPicPr>
+        <p:blipFill>
+          <a:blip r:embed="rId5">
+            <a:extLst>
+              <a:ext uri="{28A0092B-C50C-407E-A947-70E740481C1C}">
+                <a14:useLocalDpi xmlns:a14="http://schemas.microsoft.com/office/drawing/2010/main" val="0"/>
+              </a:ext>
+            </a:extLst>
+          </a:blip>
+          <a:stretch>
+            <a:fillRect/>
+          </a:stretch>
+        </p:blipFill>
+        <p:spPr>
+          <a:xfrm>
+            <a:off x="2271713" y="4806950"/>
+            <a:ext cx="7648574" cy="1751215"/>
+          </a:xfrm>
+          <a:prstGeom prst="rect">
+            <a:avLst/>
+          </a:prstGeom>
+        </p:spPr>
+      </p:pic>
+      <p:sp>
+        <p:nvSpPr>
+          <p:cNvPr id="11" name="テキスト ボックス 10">
+            <a:extLst>
+              <a:ext uri="{FF2B5EF4-FFF2-40B4-BE49-F238E27FC236}">
+                <a16:creationId xmlns:a16="http://schemas.microsoft.com/office/drawing/2014/main" id="{C4DA6485-6C00-9615-CD4D-0109F2215434}"/>
+              </a:ext>
+            </a:extLst>
+          </p:cNvPr>
+          <p:cNvSpPr txBox="1"/>
+          <p:nvPr/>
+        </p:nvSpPr>
+        <p:spPr>
+          <a:xfrm>
+            <a:off x="371475" y="3790950"/>
+            <a:ext cx="2705100" cy="369332"/>
+          </a:xfrm>
+          <a:prstGeom prst="rect">
+            <a:avLst/>
+          </a:prstGeom>
+          <a:noFill/>
+        </p:spPr>
+        <p:txBody>
+          <a:bodyPr wrap="square" rtlCol="0">
+            <a:spAutoFit/>
+          </a:bodyPr>
+          <a:lstStyle/>
+          <a:p>
+            <a:r>
+              <a:rPr kumimoji="1" lang="ja-JP" altLang="en-US" dirty="0"/>
+              <a:t>となり</a:t>
+            </a:r>
+          </a:p>
+        </p:txBody>
+      </p:sp>
     </p:spTree>
     <p:extLst>
       <p:ext uri="{BB962C8B-B14F-4D97-AF65-F5344CB8AC3E}">
@@ -9410,6 +9525,46 @@
   <p:tag name="LATEXADDIN" val="\documentclass{jsarticle}&#10;\usepackage{amsmath}&#10;\usepackage[T1]{fontenc}&#10;\usepackage{lmodern}&#10;\pagestyle{empty}&#10;&#10;\begin{document}&#10;%\begin{align*}&#10;%\end{align*}&#10;&#10;$S_2$&#10;&#10;\end{document}"/>
   <p:tag name="IGUANATEXSIZE" val="60"/>
   <p:tag name="IGUANATEXCURSOR" val="166"/>
+  <p:tag name="TRANSPARENCY" val="True"/>
+  <p:tag name="LATEXENGINEID" val="4"/>
+  <p:tag name="TEMPFOLDER" val="c:\temp\"/>
+  <p:tag name="LATEXFORMHEIGHT" val="320"/>
+  <p:tag name="LATEXFORMWIDTH" val="385"/>
+  <p:tag name="LATEXFORMWRAP" val="True"/>
+  <p:tag name="BITMAPVECTOR" val="0"/>
+</p:tagLst>
+</file>
+
+<file path=ppt/tags/tag22.xml><?xml version="1.0" encoding="utf-8"?>
+<p:tagLst xmlns:a="http://schemas.openxmlformats.org/drawingml/2006/main" xmlns:r="http://schemas.openxmlformats.org/officeDocument/2006/relationships" xmlns:p="http://schemas.openxmlformats.org/presentationml/2006/main">
+  <p:tag name="OUTPUTDPI" val="1200"/>
+  <p:tag name="ORIGINALHEIGHT" val="301.5421"/>
+  <p:tag name="ORIGINALWIDTH" val="1300.682"/>
+  <p:tag name="OUTPUTTYPE" val="PNG"/>
+  <p:tag name="IGUANATEXVERSION" val="160"/>
+  <p:tag name="LATEXADDIN" val="\documentclass{jsarticle}&#10;\usepackage{amsmath}&#10;\usepackage[T1]{fontenc}&#10;\usepackage{lmodern}&#10;\pagestyle{empty}&#10;&#10;\begin{document}&#10;%\begin{align*}&#10;%\end{align*}&#10;\begin{equation*}&#10;  \begin{bmatrix}&#10;    y_1 \\&#10;    y_2&#10;    \end{bmatrix}&#10;    =&#10;    \begin{bmatrix}&#10;    h_{11} &amp; h_{12} \\&#10;    h_{21} &amp; h_{22}&#10;    \end{bmatrix}&#10;    \cdot&#10;    \begin{bmatrix}&#10;    s_1 \\&#10;    s_2&#10;    \end{bmatrix}&#10;\end{equation*}&#10;\end{document}"/>
+  <p:tag name="IGUANATEXSIZE" val="60"/>
+  <p:tag name="IGUANATEXCURSOR" val="401"/>
+  <p:tag name="TRANSPARENCY" val="True"/>
+  <p:tag name="LATEXENGINEID" val="4"/>
+  <p:tag name="TEMPFOLDER" val="c:\temp\"/>
+  <p:tag name="LATEXFORMHEIGHT" val="320"/>
+  <p:tag name="LATEXFORMWIDTH" val="385"/>
+  <p:tag name="LATEXFORMWRAP" val="True"/>
+  <p:tag name="BITMAPVECTOR" val="0"/>
+</p:tagLst>
+</file>
+
+<file path=ppt/tags/tag23.xml><?xml version="1.0" encoding="utf-8"?>
+<p:tagLst xmlns:a="http://schemas.openxmlformats.org/drawingml/2006/main" xmlns:r="http://schemas.openxmlformats.org/officeDocument/2006/relationships" xmlns:p="http://schemas.openxmlformats.org/presentationml/2006/main">
+  <p:tag name="OUTPUTDPI" val="1200"/>
+  <p:tag name="ORIGINALHEIGHT" val="328.5458"/>
+  <p:tag name="ORIGINALWIDTH" val="1434.95"/>
+  <p:tag name="OUTPUTTYPE" val="PNG"/>
+  <p:tag name="IGUANATEXVERSION" val="160"/>
+  <p:tag name="LATEXADDIN" val="\documentclass{jsarticle}&#10;\usepackage{amsmath}&#10;\usepackage[T1]{fontenc}&#10;\usepackage{lmodern}&#10;\pagestyle{empty}&#10;&#10;\begin{document}&#10;%\begin{align*}&#10;%\end{align*}&#10;\begin{equation*}&#10;  \begin{bmatrix}&#10;    s_1 \\&#10;    s_2&#10;    \end{bmatrix}&#10;    =&#10;    \begin{bmatrix}&#10;    h_{11} &amp; h_{12} \\&#10;    h_{21} &amp; h_{22}&#10;    \end{bmatrix}^{-1}&#10;    \cdot&#10;    \begin{bmatrix}&#10;    y_1 \\&#10;    y_2&#10;    \end{bmatrix}&#10;\end{equation*}&#10;\end{document}"/>
+  <p:tag name="IGUANATEXSIZE" val="60"/>
+  <p:tag name="IGUANATEXCURSOR" val="406"/>
   <p:tag name="TRANSPARENCY" val="True"/>
   <p:tag name="LATEXENGINEID" val="4"/>
   <p:tag name="TEMPFOLDER" val="c:\temp\"/>
@@ -10157,15 +10312,6 @@
 </file>
 
 <file path=customXml/item2.xml><?xml version="1.0" encoding="utf-8"?>
-<?mso-contentType ?>
-<FormTemplates xmlns="http://schemas.microsoft.com/sharepoint/v3/contenttype/forms">
-  <Display>DocumentLibraryForm</Display>
-  <Edit>DocumentLibraryForm</Edit>
-  <New>DocumentLibraryForm</New>
-</FormTemplates>
-</file>
-
-<file path=customXml/item3.xml><?xml version="1.0" encoding="utf-8"?>
 <ct:contentTypeSchema xmlns:ct="http://schemas.microsoft.com/office/2006/metadata/contentType" xmlns:ma="http://schemas.microsoft.com/office/2006/metadata/properties/metaAttributes" ct:_="" ma:_="" ma:contentTypeName="ドキュメント" ma:contentTypeID="0x0101003E09FD1B8D620F4DB701D846A58777FF" ma:contentTypeVersion="9" ma:contentTypeDescription="新しいドキュメントを作成します。" ma:contentTypeScope="" ma:versionID="60e7aa87c0704c541e6c160bd3c5db05">
   <xsd:schema xmlns:xsd="http://www.w3.org/2001/XMLSchema" xmlns:xs="http://www.w3.org/2001/XMLSchema" xmlns:p="http://schemas.microsoft.com/office/2006/metadata/properties" xmlns:ns3="f87cc323-2a07-4ed0-aeeb-f3753cc5f677" targetNamespace="http://schemas.microsoft.com/office/2006/metadata/properties" ma:root="true" ma:fieldsID="da0458dd451b34878066f88f08e4832d" ns3:_="">
     <xsd:import namespace="f87cc323-2a07-4ed0-aeeb-f3753cc5f677"/>
@@ -10343,6 +10489,15 @@
 </ct:contentTypeSchema>
 </file>
 
+<file path=customXml/item3.xml><?xml version="1.0" encoding="utf-8"?>
+<?mso-contentType ?>
+<FormTemplates xmlns="http://schemas.microsoft.com/sharepoint/v3/contenttype/forms">
+  <Display>DocumentLibraryForm</Display>
+  <Edit>DocumentLibraryForm</Edit>
+  <New>DocumentLibraryForm</New>
+</FormTemplates>
+</file>
+
 <file path=customXml/itemProps1.xml><?xml version="1.0" encoding="utf-8"?>
 <ds:datastoreItem xmlns:ds="http://schemas.openxmlformats.org/officeDocument/2006/customXml" ds:itemID="{17B66297-64A9-434F-A9C4-AC880F8D2C36}">
   <ds:schemaRefs>
@@ -10360,14 +10515,6 @@
 </file>
 
 <file path=customXml/itemProps2.xml><?xml version="1.0" encoding="utf-8"?>
-<ds:datastoreItem xmlns:ds="http://schemas.openxmlformats.org/officeDocument/2006/customXml" ds:itemID="{4E94CB43-C64E-4EAA-BC17-53A937DD860B}">
-  <ds:schemaRefs>
-    <ds:schemaRef ds:uri="http://schemas.microsoft.com/sharepoint/v3/contenttype/forms"/>
-  </ds:schemaRefs>
-</ds:datastoreItem>
-</file>
-
-<file path=customXml/itemProps3.xml><?xml version="1.0" encoding="utf-8"?>
 <ds:datastoreItem xmlns:ds="http://schemas.openxmlformats.org/officeDocument/2006/customXml" ds:itemID="{0C4384B0-02B3-4987-B987-A6A37AAF03FA}">
   <ds:schemaRefs>
     <ds:schemaRef ds:uri="http://schemas.microsoft.com/office/2006/metadata/contentType"/>
@@ -10383,4 +10530,12 @@
     <ds:schemaRef ds:uri="http://schemas.microsoft.com/internal/obd"/>
   </ds:schemaRefs>
 </ds:datastoreItem>
+</file>
+
+<file path=customXml/itemProps3.xml><?xml version="1.0" encoding="utf-8"?>
+<ds:datastoreItem xmlns:ds="http://schemas.openxmlformats.org/officeDocument/2006/customXml" ds:itemID="{4E94CB43-C64E-4EAA-BC17-53A937DD860B}">
+  <ds:schemaRefs>
+    <ds:schemaRef ds:uri="http://schemas.microsoft.com/sharepoint/v3/contenttype/forms"/>
+  </ds:schemaRefs>
+</ds:datastoreItem>
 </file>
--- a/MIMO/MIMO.pptx
+++ b/MIMO/MIMO.pptx
@@ -5,7 +5,7 @@
     <p:sldMasterId id="2147483648" r:id="rId4"/>
   </p:sldMasterIdLst>
   <p:notesMasterIdLst>
-    <p:notesMasterId r:id="rId11"/>
+    <p:notesMasterId r:id="rId12"/>
   </p:notesMasterIdLst>
   <p:sldIdLst>
     <p:sldId id="256" r:id="rId5"/>
@@ -14,6 +14,7 @@
     <p:sldId id="259" r:id="rId8"/>
     <p:sldId id="260" r:id="rId9"/>
     <p:sldId id="261" r:id="rId10"/>
+    <p:sldId id="262" r:id="rId11"/>
   </p:sldIdLst>
   <p:sldSz cx="12192000" cy="6858000"/>
   <p:notesSz cx="6858000" cy="9144000"/>
@@ -9146,7 +9147,7 @@
           </p:nvPr>
         </p:nvPicPr>
         <p:blipFill>
-          <a:blip r:embed="rId4">
+          <a:blip r:embed="rId6">
             <a:extLst>
               <a:ext uri="{28A0092B-C50C-407E-A947-70E740481C1C}">
                 <a14:useLocalDpi xmlns:a14="http://schemas.microsoft.com/office/drawing/2010/main" val="0"/>
@@ -9186,7 +9187,7 @@
           </p:nvPr>
         </p:nvPicPr>
         <p:blipFill>
-          <a:blip r:embed="rId5">
+          <a:blip r:embed="rId7">
             <a:extLst>
               <a:ext uri="{28A0092B-C50C-407E-A947-70E740481C1C}">
                 <a14:useLocalDpi xmlns:a14="http://schemas.microsoft.com/office/drawing/2010/main" val="0"/>
@@ -9199,7 +9200,7 @@
         </p:blipFill>
         <p:spPr>
           <a:xfrm>
-            <a:off x="2271713" y="4806950"/>
+            <a:off x="2271713" y="4070685"/>
             <a:ext cx="7648574" cy="1751215"/>
           </a:xfrm>
           <a:prstGeom prst="rect">
@@ -9207,12 +9208,165 @@
           </a:prstGeom>
         </p:spPr>
       </p:pic>
-      <p:sp>
-        <p:nvSpPr>
-          <p:cNvPr id="11" name="テキスト ボックス 10">
-            <a:extLst>
-              <a:ext uri="{FF2B5EF4-FFF2-40B4-BE49-F238E27FC236}">
-                <a16:creationId xmlns:a16="http://schemas.microsoft.com/office/drawing/2014/main" id="{C4DA6485-6C00-9615-CD4D-0109F2215434}"/>
+      <p:grpSp>
+        <p:nvGrpSpPr>
+          <p:cNvPr id="2" name="グループ化 1">
+            <a:extLst>
+              <a:ext uri="{FF2B5EF4-FFF2-40B4-BE49-F238E27FC236}">
+                <a16:creationId xmlns:a16="http://schemas.microsoft.com/office/drawing/2014/main" id="{925E7CE0-9AE1-433C-BDCF-667B2162A908}"/>
+              </a:ext>
+            </a:extLst>
+          </p:cNvPr>
+          <p:cNvGrpSpPr/>
+          <p:nvPr/>
+        </p:nvGrpSpPr>
+        <p:grpSpPr>
+          <a:xfrm>
+            <a:off x="281827" y="3585346"/>
+            <a:ext cx="5814173" cy="584775"/>
+            <a:chOff x="371474" y="3790950"/>
+            <a:chExt cx="5814173" cy="584775"/>
+          </a:xfrm>
+        </p:grpSpPr>
+        <p:sp>
+          <p:nvSpPr>
+            <p:cNvPr id="11" name="テキスト ボックス 10">
+              <a:extLst>
+                <a:ext uri="{FF2B5EF4-FFF2-40B4-BE49-F238E27FC236}">
+                  <a16:creationId xmlns:a16="http://schemas.microsoft.com/office/drawing/2014/main" id="{C4DA6485-6C00-9615-CD4D-0109F2215434}"/>
+                </a:ext>
+              </a:extLst>
+            </p:cNvPr>
+            <p:cNvSpPr txBox="1"/>
+            <p:nvPr/>
+          </p:nvSpPr>
+          <p:spPr>
+            <a:xfrm>
+              <a:off x="371474" y="3790950"/>
+              <a:ext cx="5814173" cy="584775"/>
+            </a:xfrm>
+            <a:prstGeom prst="rect">
+              <a:avLst/>
+            </a:prstGeom>
+            <a:noFill/>
+          </p:spPr>
+          <p:txBody>
+            <a:bodyPr wrap="square" rtlCol="0">
+              <a:spAutoFit/>
+            </a:bodyPr>
+            <a:lstStyle/>
+            <a:p>
+              <a:r>
+                <a:rPr kumimoji="1" lang="ja-JP" altLang="en-US" sz="3200" dirty="0">
+                  <a:latin typeface="BIZ UDPゴシック" panose="020B0400000000000000" pitchFamily="50" charset="-128"/>
+                  <a:ea typeface="BIZ UDPゴシック" panose="020B0400000000000000" pitchFamily="50" charset="-128"/>
+                </a:rPr>
+                <a:t>となり</a:t>
+              </a:r>
+              <a:r>
+                <a:rPr kumimoji="1" lang="en-US" altLang="ja-JP" sz="3200" dirty="0">
+                  <a:latin typeface="BIZ UDPゴシック" panose="020B0400000000000000" pitchFamily="50" charset="-128"/>
+                  <a:ea typeface="BIZ UDPゴシック" panose="020B0400000000000000" pitchFamily="50" charset="-128"/>
+                </a:rPr>
+                <a:t>,</a:t>
+              </a:r>
+              <a:r>
+                <a:rPr kumimoji="1" lang="ja-JP" altLang="en-US" sz="3200" dirty="0">
+                  <a:latin typeface="BIZ UDPゴシック" panose="020B0400000000000000" pitchFamily="50" charset="-128"/>
+                  <a:ea typeface="BIZ UDPゴシック" panose="020B0400000000000000" pitchFamily="50" charset="-128"/>
+                </a:rPr>
+                <a:t>　　　 について解くと</a:t>
+              </a:r>
+            </a:p>
+          </p:txBody>
+        </p:sp>
+        <p:pic>
+          <p:nvPicPr>
+            <p:cNvPr id="9" name="図 8" descr="\documentclass{jsarticle}&#10;\usepackage{amsmath}&#10;\usepackage[T1]{fontenc}&#10;\usepackage{lmodern}&#10;\pagestyle{empty}&#10;&#10;\begin{document}&#10;%\begin{align*}&#10;%\end{align*}&#10;&#10;$S_1$&#10;&#10;\end{document}" title="IguanaTex Bitmap Display">
+              <a:extLst>
+                <a:ext uri="{FF2B5EF4-FFF2-40B4-BE49-F238E27FC236}">
+                  <a16:creationId xmlns:a16="http://schemas.microsoft.com/office/drawing/2014/main" id="{49DC9753-2DC3-45D4-8184-4BBA3F8D4080}"/>
+                </a:ext>
+              </a:extLst>
+            </p:cNvPr>
+            <p:cNvPicPr>
+              <a:picLocks noChangeAspect="1"/>
+            </p:cNvPicPr>
+            <p:nvPr>
+              <p:custDataLst>
+                <p:tags r:id="rId3"/>
+              </p:custDataLst>
+            </p:nvPr>
+          </p:nvPicPr>
+          <p:blipFill>
+            <a:blip r:embed="rId8">
+              <a:extLst>
+                <a:ext uri="{28A0092B-C50C-407E-A947-70E740481C1C}">
+                  <a14:useLocalDpi xmlns:a14="http://schemas.microsoft.com/office/drawing/2010/main" val="0"/>
+                </a:ext>
+              </a:extLst>
+            </a:blip>
+            <a:stretch>
+              <a:fillRect/>
+            </a:stretch>
+          </p:blipFill>
+          <p:spPr>
+            <a:xfrm>
+              <a:off x="1758024" y="3906799"/>
+              <a:ext cx="393302" cy="372689"/>
+            </a:xfrm>
+            <a:prstGeom prst="rect">
+              <a:avLst/>
+            </a:prstGeom>
+          </p:spPr>
+        </p:pic>
+        <p:pic>
+          <p:nvPicPr>
+            <p:cNvPr id="12" name="図 11" descr="\documentclass{jsarticle}&#10;\usepackage{amsmath}&#10;\usepackage[T1]{fontenc}&#10;\usepackage{lmodern}&#10;\pagestyle{empty}&#10;&#10;\begin{document}&#10;%\begin{align*}&#10;%\end{align*}&#10;&#10;$S_2$&#10;&#10;\end{document}" title="IguanaTex Bitmap Display">
+              <a:extLst>
+                <a:ext uri="{FF2B5EF4-FFF2-40B4-BE49-F238E27FC236}">
+                  <a16:creationId xmlns:a16="http://schemas.microsoft.com/office/drawing/2014/main" id="{D6C2E0A7-09CA-4667-8D67-23A0ECBE1B2D}"/>
+                </a:ext>
+              </a:extLst>
+            </p:cNvPr>
+            <p:cNvPicPr>
+              <a:picLocks noChangeAspect="1"/>
+            </p:cNvPicPr>
+            <p:nvPr>
+              <p:custDataLst>
+                <p:tags r:id="rId4"/>
+              </p:custDataLst>
+            </p:nvPr>
+          </p:nvPicPr>
+          <p:blipFill>
+            <a:blip r:embed="rId9">
+              <a:extLst>
+                <a:ext uri="{28A0092B-C50C-407E-A947-70E740481C1C}">
+                  <a14:useLocalDpi xmlns:a14="http://schemas.microsoft.com/office/drawing/2010/main" val="0"/>
+                </a:ext>
+              </a:extLst>
+            </a:blip>
+            <a:stretch>
+              <a:fillRect/>
+            </a:stretch>
+          </p:blipFill>
+          <p:spPr>
+            <a:xfrm>
+              <a:off x="2271713" y="3910813"/>
+              <a:ext cx="393302" cy="365476"/>
+            </a:xfrm>
+            <a:prstGeom prst="rect">
+              <a:avLst/>
+            </a:prstGeom>
+          </p:spPr>
+        </p:pic>
+      </p:grpSp>
+      <p:sp>
+        <p:nvSpPr>
+          <p:cNvPr id="17" name="テキスト ボックス 16">
+            <a:extLst>
+              <a:ext uri="{FF2B5EF4-FFF2-40B4-BE49-F238E27FC236}">
+                <a16:creationId xmlns:a16="http://schemas.microsoft.com/office/drawing/2014/main" id="{A2105137-FAB4-4146-BA3F-4BD549A7861B}"/>
               </a:ext>
             </a:extLst>
           </p:cNvPr>
@@ -9221,8 +9375,8 @@
         </p:nvSpPr>
         <p:spPr>
           <a:xfrm>
-            <a:off x="371475" y="3790950"/>
-            <a:ext cx="2705100" cy="369332"/>
+            <a:off x="281827" y="5961422"/>
+            <a:ext cx="5473700" cy="584775"/>
           </a:xfrm>
           <a:prstGeom prst="rect">
             <a:avLst/>
@@ -9236,9 +9390,23 @@
           <a:lstStyle/>
           <a:p>
             <a:r>
-              <a:rPr kumimoji="1" lang="ja-JP" altLang="en-US" dirty="0"/>
-              <a:t>となり</a:t>
-            </a:r>
+              <a:rPr lang="ja-JP" altLang="en-US" sz="3200" dirty="0">
+                <a:latin typeface="BIZ UDPゴシック" panose="020B0400000000000000" pitchFamily="50" charset="-128"/>
+                <a:ea typeface="BIZ UDPゴシック" panose="020B0400000000000000" pitchFamily="50" charset="-128"/>
+              </a:rPr>
+              <a:t>となる</a:t>
+            </a:r>
+            <a:r>
+              <a:rPr lang="en-US" altLang="ja-JP" sz="3200" dirty="0">
+                <a:latin typeface="BIZ UDPゴシック" panose="020B0400000000000000" pitchFamily="50" charset="-128"/>
+                <a:ea typeface="BIZ UDPゴシック" panose="020B0400000000000000" pitchFamily="50" charset="-128"/>
+              </a:rPr>
+              <a:t>.</a:t>
+            </a:r>
+            <a:endParaRPr kumimoji="1" lang="en-US" altLang="ja-JP" sz="3200" dirty="0">
+              <a:latin typeface="BIZ UDPゴシック" panose="020B0400000000000000" pitchFamily="50" charset="-128"/>
+              <a:ea typeface="BIZ UDPゴシック" panose="020B0400000000000000" pitchFamily="50" charset="-128"/>
+            </a:endParaRPr>
           </a:p>
         </p:txBody>
       </p:sp>
@@ -9246,6 +9414,189 @@
     <p:extLst>
       <p:ext uri="{BB962C8B-B14F-4D97-AF65-F5344CB8AC3E}">
         <p14:creationId xmlns:p14="http://schemas.microsoft.com/office/powerpoint/2010/main" val="3029244087"/>
+      </p:ext>
+    </p:extLst>
+  </p:cSld>
+  <p:clrMapOvr>
+    <a:masterClrMapping/>
+  </p:clrMapOvr>
+</p:sld>
+</file>
+
+<file path=ppt/slides/slide7.xml><?xml version="1.0" encoding="utf-8"?>
+<p:sld xmlns:a="http://schemas.openxmlformats.org/drawingml/2006/main" xmlns:r="http://schemas.openxmlformats.org/officeDocument/2006/relationships" xmlns:p="http://schemas.openxmlformats.org/presentationml/2006/main">
+  <p:cSld>
+    <p:spTree>
+      <p:nvGrpSpPr>
+        <p:cNvPr id="1" name=""/>
+        <p:cNvGrpSpPr/>
+        <p:nvPr/>
+      </p:nvGrpSpPr>
+      <p:grpSpPr>
+        <a:xfrm>
+          <a:off x="0" y="0"/>
+          <a:ext cx="0" cy="0"/>
+          <a:chOff x="0" y="0"/>
+          <a:chExt cx="0" cy="0"/>
+        </a:xfrm>
+      </p:grpSpPr>
+      <p:sp>
+        <p:nvSpPr>
+          <p:cNvPr id="4" name="テキスト ボックス 3">
+            <a:extLst>
+              <a:ext uri="{FF2B5EF4-FFF2-40B4-BE49-F238E27FC236}">
+                <a16:creationId xmlns:a16="http://schemas.microsoft.com/office/drawing/2014/main" id="{C0C21EA2-F9CB-4F4E-83C4-56E26BA61063}"/>
+              </a:ext>
+            </a:extLst>
+          </p:cNvPr>
+          <p:cNvSpPr txBox="1"/>
+          <p:nvPr/>
+        </p:nvSpPr>
+        <p:spPr>
+          <a:xfrm>
+            <a:off x="1" y="52529"/>
+            <a:ext cx="7816850" cy="830997"/>
+          </a:xfrm>
+          <a:prstGeom prst="rect">
+            <a:avLst/>
+          </a:prstGeom>
+          <a:noFill/>
+        </p:spPr>
+        <p:txBody>
+          <a:bodyPr wrap="square" rtlCol="0">
+            <a:spAutoFit/>
+          </a:bodyPr>
+          <a:lstStyle/>
+          <a:p>
+            <a:r>
+              <a:rPr kumimoji="1" lang="en-US" altLang="ja-JP" sz="4800" dirty="0">
+                <a:latin typeface="BIZ UDPゴシック" panose="020B0400000000000000" pitchFamily="50" charset="-128"/>
+                <a:ea typeface="BIZ UDPゴシック" panose="020B0400000000000000" pitchFamily="50" charset="-128"/>
+              </a:rPr>
+              <a:t>MIMO</a:t>
+            </a:r>
+            <a:r>
+              <a:rPr kumimoji="1" lang="ja-JP" altLang="en-US" sz="4800" dirty="0">
+                <a:latin typeface="BIZ UDPゴシック" panose="020B0400000000000000" pitchFamily="50" charset="-128"/>
+                <a:ea typeface="BIZ UDPゴシック" panose="020B0400000000000000" pitchFamily="50" charset="-128"/>
+              </a:rPr>
+              <a:t>伝送による信号分離</a:t>
+            </a:r>
+          </a:p>
+        </p:txBody>
+      </p:sp>
+      <p:sp>
+        <p:nvSpPr>
+          <p:cNvPr id="5" name="テキスト ボックス 4">
+            <a:extLst>
+              <a:ext uri="{FF2B5EF4-FFF2-40B4-BE49-F238E27FC236}">
+                <a16:creationId xmlns:a16="http://schemas.microsoft.com/office/drawing/2014/main" id="{FBDB1BD9-94F4-4E8D-B24F-CE939ECFF02F}"/>
+              </a:ext>
+            </a:extLst>
+          </p:cNvPr>
+          <p:cNvSpPr txBox="1"/>
+          <p:nvPr/>
+        </p:nvSpPr>
+        <p:spPr>
+          <a:xfrm>
+            <a:off x="241136" y="896578"/>
+            <a:ext cx="7251700" cy="523220"/>
+          </a:xfrm>
+          <a:prstGeom prst="rect">
+            <a:avLst/>
+          </a:prstGeom>
+          <a:noFill/>
+        </p:spPr>
+        <p:txBody>
+          <a:bodyPr wrap="square" rtlCol="0">
+            <a:spAutoFit/>
+          </a:bodyPr>
+          <a:lstStyle/>
+          <a:p>
+            <a:r>
+              <a:rPr kumimoji="1" lang="en-US" altLang="ja-JP" sz="2800" dirty="0">
+                <a:latin typeface="BIZ UDPゴシック" panose="020B0400000000000000" pitchFamily="50" charset="-128"/>
+                <a:ea typeface="BIZ UDPゴシック" panose="020B0400000000000000" pitchFamily="50" charset="-128"/>
+              </a:rPr>
+              <a:t>Zero Forcing (ZF(</a:t>
+            </a:r>
+            <a:r>
+              <a:rPr lang="ja-JP" altLang="en-US" sz="2800" dirty="0">
+                <a:latin typeface="BIZ UDPゴシック" panose="020B0400000000000000" pitchFamily="50" charset="-128"/>
+                <a:ea typeface="BIZ UDPゴシック" panose="020B0400000000000000" pitchFamily="50" charset="-128"/>
+              </a:rPr>
+              <a:t>干渉キャンセル</a:t>
+            </a:r>
+            <a:r>
+              <a:rPr kumimoji="1" lang="en-US" altLang="ja-JP" sz="2800" dirty="0">
+                <a:latin typeface="BIZ UDPゴシック" panose="020B0400000000000000" pitchFamily="50" charset="-128"/>
+                <a:ea typeface="BIZ UDPゴシック" panose="020B0400000000000000" pitchFamily="50" charset="-128"/>
+              </a:rPr>
+              <a:t>)</a:t>
+            </a:r>
+            <a:r>
+              <a:rPr kumimoji="1" lang="ja-JP" altLang="en-US" sz="2800" dirty="0">
+                <a:latin typeface="BIZ UDPゴシック" panose="020B0400000000000000" pitchFamily="50" charset="-128"/>
+                <a:ea typeface="BIZ UDPゴシック" panose="020B0400000000000000" pitchFamily="50" charset="-128"/>
+              </a:rPr>
+              <a:t>方式</a:t>
+            </a:r>
+            <a:r>
+              <a:rPr kumimoji="1" lang="en-US" altLang="ja-JP" sz="2800" dirty="0">
+                <a:latin typeface="BIZ UDPゴシック" panose="020B0400000000000000" pitchFamily="50" charset="-128"/>
+                <a:ea typeface="BIZ UDPゴシック" panose="020B0400000000000000" pitchFamily="50" charset="-128"/>
+              </a:rPr>
+              <a:t>)</a:t>
+            </a:r>
+            <a:endParaRPr kumimoji="1" lang="ja-JP" altLang="en-US" sz="2800" dirty="0">
+              <a:latin typeface="BIZ UDPゴシック" panose="020B0400000000000000" pitchFamily="50" charset="-128"/>
+              <a:ea typeface="BIZ UDPゴシック" panose="020B0400000000000000" pitchFamily="50" charset="-128"/>
+            </a:endParaRPr>
+          </a:p>
+        </p:txBody>
+      </p:sp>
+      <p:sp>
+        <p:nvSpPr>
+          <p:cNvPr id="6" name="テキスト ボックス 5">
+            <a:extLst>
+              <a:ext uri="{FF2B5EF4-FFF2-40B4-BE49-F238E27FC236}">
+                <a16:creationId xmlns:a16="http://schemas.microsoft.com/office/drawing/2014/main" id="{7FFCDFC4-1B58-4487-A088-A482869EDEE2}"/>
+              </a:ext>
+            </a:extLst>
+          </p:cNvPr>
+          <p:cNvSpPr txBox="1"/>
+          <p:nvPr/>
+        </p:nvSpPr>
+        <p:spPr>
+          <a:xfrm>
+            <a:off x="770964" y="1666999"/>
+            <a:ext cx="1999130" cy="646331"/>
+          </a:xfrm>
+          <a:prstGeom prst="rect">
+            <a:avLst/>
+          </a:prstGeom>
+          <a:noFill/>
+        </p:spPr>
+        <p:txBody>
+          <a:bodyPr wrap="square" rtlCol="0">
+            <a:spAutoFit/>
+          </a:bodyPr>
+          <a:lstStyle/>
+          <a:p>
+            <a:r>
+              <a:rPr kumimoji="1" lang="ja-JP" altLang="en-US" sz="3600" dirty="0">
+                <a:latin typeface="BIZ UDPゴシック" panose="020B0400000000000000" pitchFamily="50" charset="-128"/>
+                <a:ea typeface="BIZ UDPゴシック" panose="020B0400000000000000" pitchFamily="50" charset="-128"/>
+              </a:rPr>
+              <a:t>欠点</a:t>
+            </a:r>
+          </a:p>
+        </p:txBody>
+      </p:sp>
+    </p:spTree>
+    <p:extLst>
+      <p:ext uri="{BB962C8B-B14F-4D97-AF65-F5344CB8AC3E}">
+        <p14:creationId xmlns:p14="http://schemas.microsoft.com/office/powerpoint/2010/main" val="3830832976"/>
       </p:ext>
     </p:extLst>
   </p:cSld>
@@ -9565,6 +9916,46 @@
   <p:tag name="LATEXADDIN" val="\documentclass{jsarticle}&#10;\usepackage{amsmath}&#10;\usepackage[T1]{fontenc}&#10;\usepackage{lmodern}&#10;\pagestyle{empty}&#10;&#10;\begin{document}&#10;%\begin{align*}&#10;%\end{align*}&#10;\begin{equation*}&#10;  \begin{bmatrix}&#10;    s_1 \\&#10;    s_2&#10;    \end{bmatrix}&#10;    =&#10;    \begin{bmatrix}&#10;    h_{11} &amp; h_{12} \\&#10;    h_{21} &amp; h_{22}&#10;    \end{bmatrix}^{-1}&#10;    \cdot&#10;    \begin{bmatrix}&#10;    y_1 \\&#10;    y_2&#10;    \end{bmatrix}&#10;\end{equation*}&#10;\end{document}"/>
   <p:tag name="IGUANATEXSIZE" val="60"/>
   <p:tag name="IGUANATEXCURSOR" val="406"/>
+  <p:tag name="TRANSPARENCY" val="True"/>
+  <p:tag name="LATEXENGINEID" val="4"/>
+  <p:tag name="TEMPFOLDER" val="c:\temp\"/>
+  <p:tag name="LATEXFORMHEIGHT" val="320"/>
+  <p:tag name="LATEXFORMWIDTH" val="385"/>
+  <p:tag name="LATEXFORMWRAP" val="True"/>
+  <p:tag name="BITMAPVECTOR" val="0"/>
+</p:tagLst>
+</file>
+
+<file path=ppt/tags/tag24.xml><?xml version="1.0" encoding="utf-8"?>
+<p:tagLst xmlns:a="http://schemas.openxmlformats.org/drawingml/2006/main" xmlns:r="http://schemas.openxmlformats.org/officeDocument/2006/relationships" xmlns:p="http://schemas.openxmlformats.org/presentationml/2006/main">
+  <p:tag name="OUTPUTDPI" val="1200"/>
+  <p:tag name="ORIGINALHEIGHT" val="108.7652"/>
+  <p:tag name="ORIGINALWIDTH" val="114.0159"/>
+  <p:tag name="OUTPUTTYPE" val="PNG"/>
+  <p:tag name="IGUANATEXVERSION" val="160"/>
+  <p:tag name="LATEXADDIN" val="\documentclass{jsarticle}&#10;\usepackage{amsmath}&#10;\usepackage[T1]{fontenc}&#10;\usepackage{lmodern}&#10;\pagestyle{empty}&#10;&#10;\begin{document}&#10;%\begin{align*}&#10;%\end{align*}&#10;&#10;$S_1$&#10;&#10;\end{document}"/>
+  <p:tag name="IGUANATEXSIZE" val="60"/>
+  <p:tag name="IGUANATEXCURSOR" val="164"/>
+  <p:tag name="TRANSPARENCY" val="True"/>
+  <p:tag name="LATEXENGINEID" val="4"/>
+  <p:tag name="TEMPFOLDER" val="c:\temp\"/>
+  <p:tag name="LATEXFORMHEIGHT" val="320"/>
+  <p:tag name="LATEXFORMWIDTH" val="385"/>
+  <p:tag name="LATEXFORMWRAP" val="True"/>
+  <p:tag name="BITMAPVECTOR" val="0"/>
+</p:tagLst>
+</file>
+
+<file path=ppt/tags/tag25.xml><?xml version="1.0" encoding="utf-8"?>
+<p:tagLst xmlns:a="http://schemas.openxmlformats.org/drawingml/2006/main" xmlns:r="http://schemas.openxmlformats.org/officeDocument/2006/relationships" xmlns:p="http://schemas.openxmlformats.org/presentationml/2006/main">
+  <p:tag name="OUTPUTDPI" val="1200"/>
+  <p:tag name="ORIGINALHEIGHT" val="108.7652"/>
+  <p:tag name="ORIGINALWIDTH" val="116.2662"/>
+  <p:tag name="OUTPUTTYPE" val="PNG"/>
+  <p:tag name="IGUANATEXVERSION" val="160"/>
+  <p:tag name="LATEXADDIN" val="\documentclass{jsarticle}&#10;\usepackage{amsmath}&#10;\usepackage[T1]{fontenc}&#10;\usepackage{lmodern}&#10;\pagestyle{empty}&#10;&#10;\begin{document}&#10;%\begin{align*}&#10;%\end{align*}&#10;&#10;$S_2$&#10;&#10;\end{document}"/>
+  <p:tag name="IGUANATEXSIZE" val="60"/>
+  <p:tag name="IGUANATEXCURSOR" val="166"/>
   <p:tag name="TRANSPARENCY" val="True"/>
   <p:tag name="LATEXENGINEID" val="4"/>
   <p:tag name="TEMPFOLDER" val="c:\temp\"/>
@@ -10306,9 +10697,12 @@
 </file>
 
 <file path=customXml/item1.xml><?xml version="1.0" encoding="utf-8"?>
-<p:properties xmlns:p="http://schemas.microsoft.com/office/2006/metadata/properties" xmlns:xsi="http://www.w3.org/2001/XMLSchema-instance" xmlns:pc="http://schemas.microsoft.com/office/infopath/2007/PartnerControls">
-  <documentManagement/>
-</p:properties>
+<?mso-contentType ?>
+<FormTemplates xmlns="http://schemas.microsoft.com/sharepoint/v3/contenttype/forms">
+  <Display>DocumentLibraryForm</Display>
+  <Edit>DocumentLibraryForm</Edit>
+  <New>DocumentLibraryForm</New>
+</FormTemplates>
 </file>
 
 <file path=customXml/item2.xml><?xml version="1.0" encoding="utf-8"?>
@@ -10490,26 +10884,15 @@
 </file>
 
 <file path=customXml/item3.xml><?xml version="1.0" encoding="utf-8"?>
-<?mso-contentType ?>
-<FormTemplates xmlns="http://schemas.microsoft.com/sharepoint/v3/contenttype/forms">
-  <Display>DocumentLibraryForm</Display>
-  <Edit>DocumentLibraryForm</Edit>
-  <New>DocumentLibraryForm</New>
-</FormTemplates>
+<p:properties xmlns:p="http://schemas.microsoft.com/office/2006/metadata/properties" xmlns:xsi="http://www.w3.org/2001/XMLSchema-instance" xmlns:pc="http://schemas.microsoft.com/office/infopath/2007/PartnerControls">
+  <documentManagement/>
+</p:properties>
 </file>
 
 <file path=customXml/itemProps1.xml><?xml version="1.0" encoding="utf-8"?>
-<ds:datastoreItem xmlns:ds="http://schemas.openxmlformats.org/officeDocument/2006/customXml" ds:itemID="{17B66297-64A9-434F-A9C4-AC880F8D2C36}">
+<ds:datastoreItem xmlns:ds="http://schemas.openxmlformats.org/officeDocument/2006/customXml" ds:itemID="{4E94CB43-C64E-4EAA-BC17-53A937DD860B}">
   <ds:schemaRefs>
-    <ds:schemaRef ds:uri="http://schemas.microsoft.com/office/infopath/2007/PartnerControls"/>
-    <ds:schemaRef ds:uri="http://purl.org/dc/dcmitype/"/>
-    <ds:schemaRef ds:uri="f87cc323-2a07-4ed0-aeeb-f3753cc5f677"/>
-    <ds:schemaRef ds:uri="http://schemas.microsoft.com/office/2006/metadata/properties"/>
-    <ds:schemaRef ds:uri="http://purl.org/dc/elements/1.1/"/>
-    <ds:schemaRef ds:uri="http://schemas.microsoft.com/office/2006/documentManagement/types"/>
-    <ds:schemaRef ds:uri="http://schemas.openxmlformats.org/package/2006/metadata/core-properties"/>
-    <ds:schemaRef ds:uri="http://www.w3.org/XML/1998/namespace"/>
-    <ds:schemaRef ds:uri="http://purl.org/dc/terms/"/>
+    <ds:schemaRef ds:uri="http://schemas.microsoft.com/sharepoint/v3/contenttype/forms"/>
   </ds:schemaRefs>
 </ds:datastoreItem>
 </file>
@@ -10533,9 +10916,17 @@
 </file>
 
 <file path=customXml/itemProps3.xml><?xml version="1.0" encoding="utf-8"?>
-<ds:datastoreItem xmlns:ds="http://schemas.openxmlformats.org/officeDocument/2006/customXml" ds:itemID="{4E94CB43-C64E-4EAA-BC17-53A937DD860B}">
+<ds:datastoreItem xmlns:ds="http://schemas.openxmlformats.org/officeDocument/2006/customXml" ds:itemID="{17B66297-64A9-434F-A9C4-AC880F8D2C36}">
   <ds:schemaRefs>
-    <ds:schemaRef ds:uri="http://schemas.microsoft.com/sharepoint/v3/contenttype/forms"/>
+    <ds:schemaRef ds:uri="http://schemas.microsoft.com/office/infopath/2007/PartnerControls"/>
+    <ds:schemaRef ds:uri="http://purl.org/dc/dcmitype/"/>
+    <ds:schemaRef ds:uri="f87cc323-2a07-4ed0-aeeb-f3753cc5f677"/>
+    <ds:schemaRef ds:uri="http://schemas.microsoft.com/office/2006/metadata/properties"/>
+    <ds:schemaRef ds:uri="http://purl.org/dc/elements/1.1/"/>
+    <ds:schemaRef ds:uri="http://schemas.microsoft.com/office/2006/documentManagement/types"/>
+    <ds:schemaRef ds:uri="http://schemas.openxmlformats.org/package/2006/metadata/core-properties"/>
+    <ds:schemaRef ds:uri="http://www.w3.org/XML/1998/namespace"/>
+    <ds:schemaRef ds:uri="http://purl.org/dc/terms/"/>
   </ds:schemaRefs>
 </ds:datastoreItem>
 </file>
--- a/MIMO/MIMO.pptx
+++ b/MIMO/MIMO.pptx
@@ -9130,10 +9130,10 @@
       </p:sp>
       <p:pic>
         <p:nvPicPr>
-          <p:cNvPr id="8" name="図 7" descr="\documentclass{jsarticle}&#10;\usepackage{amsmath}&#10;\usepackage[T1]{fontenc}&#10;\usepackage{lmodern}&#10;\pagestyle{empty}&#10;&#10;\begin{document}&#10;%\begin{align*}&#10;%\end{align*}&#10;\begin{equation*}&#10;  \begin{bmatrix}&#10;    y_1 \\&#10;    y_2&#10;    \end{bmatrix}&#10;    =&#10;    \begin{bmatrix}&#10;    h_{11} &amp; h_{12} \\&#10;    h_{21} &amp; h_{22}&#10;    \end{bmatrix}&#10;    \cdot&#10;    \begin{bmatrix}&#10;    s_1 \\&#10;    s_2&#10;    \end{bmatrix}&#10;\end{equation*}&#10;\end{document}" title="IguanaTex Bitmap Display">
-            <a:extLst>
-              <a:ext uri="{FF2B5EF4-FFF2-40B4-BE49-F238E27FC236}">
-                <a16:creationId xmlns:a16="http://schemas.microsoft.com/office/drawing/2014/main" id="{D7D32DEC-46A4-DA1C-61C8-5AE8BFAA3FB4}"/>
+          <p:cNvPr id="7" name="図 6" descr="\documentclass{jsarticle}&#10;\usepackage{amsmath}&#10;\usepackage[T1]{fontenc}&#10;\usepackage{lmodern}&#10;\pagestyle{empty}&#10;&#10;\begin{document}&#10;%\begin{align*}&#10;%\end{align*}&#10;\begin{equation*}&#10;  \begin{bmatrix}&#10;    y_1 \\&#10;    y_2&#10;    \end{bmatrix}&#10;    =&#10;    \begin{bmatrix}&#10;    h_{11} &amp; h_{12} \\&#10;    h_{21} &amp; h_{22}&#10;    \end{bmatrix}&#10;    \cdot&#10;    \begin{bmatrix}&#10;    S_1 \\&#10;    S_2&#10;    \end{bmatrix}&#10;\end{equation*}&#10;\end{document}" title="IguanaTex Bitmap Display">
+            <a:extLst>
+              <a:ext uri="{FF2B5EF4-FFF2-40B4-BE49-F238E27FC236}">
+                <a16:creationId xmlns:a16="http://schemas.microsoft.com/office/drawing/2014/main" id="{3F109E42-4D18-B3D5-10A4-31FD3609DF41}"/>
               </a:ext>
             </a:extLst>
           </p:cNvPr>
@@ -9161,7 +9161,7 @@
         <p:spPr>
           <a:xfrm>
             <a:off x="2271713" y="2064989"/>
-            <a:ext cx="6557962" cy="1520357"/>
+            <a:ext cx="6648727" cy="1520357"/>
           </a:xfrm>
           <a:prstGeom prst="rect">
             <a:avLst/>
@@ -9170,10 +9170,10 @@
       </p:pic>
       <p:pic>
         <p:nvPicPr>
-          <p:cNvPr id="10" name="図 9" descr="\documentclass{jsarticle}&#10;\usepackage{amsmath}&#10;\usepackage[T1]{fontenc}&#10;\usepackage{lmodern}&#10;\pagestyle{empty}&#10;&#10;\begin{document}&#10;%\begin{align*}&#10;%\end{align*}&#10;\begin{equation*}&#10;  \begin{bmatrix}&#10;    s_1 \\&#10;    s_2&#10;    \end{bmatrix}&#10;    =&#10;    \begin{bmatrix}&#10;    h_{11} &amp; h_{12} \\&#10;    h_{21} &amp; h_{22}&#10;    \end{bmatrix}^{-1}&#10;    \cdot&#10;    \begin{bmatrix}&#10;    y_1 \\&#10;    y_2&#10;    \end{bmatrix}&#10;\end{equation*}&#10;\end{document}" title="IguanaTex Bitmap Display">
-            <a:extLst>
-              <a:ext uri="{FF2B5EF4-FFF2-40B4-BE49-F238E27FC236}">
-                <a16:creationId xmlns:a16="http://schemas.microsoft.com/office/drawing/2014/main" id="{E0369148-2B4A-A48A-A6EC-91AD45165194}"/>
+          <p:cNvPr id="14" name="図 13" descr="\documentclass{jsarticle}&#10;\usepackage{amsmath}&#10;\usepackage[T1]{fontenc}&#10;\usepackage{lmodern}&#10;\pagestyle{empty}&#10;&#10;\begin{document}&#10;%\begin{align*}&#10;%\end{align*}&#10;\begin{equation*}&#10;  \begin{bmatrix}&#10;    S_1 \\&#10;    S_2&#10;    \end{bmatrix}&#10;    =&#10;    \begin{bmatrix}&#10;    h_{11} &amp; h_{12} \\&#10;    h_{21} &amp; h_{22}&#10;    \end{bmatrix}^{-1}&#10;    \cdot&#10;    \begin{bmatrix}&#10;    y_1 \\&#10;    y_2&#10;    \end{bmatrix}&#10;\end{equation*}&#10;\end{document}" title="IguanaTex Bitmap Display">
+            <a:extLst>
+              <a:ext uri="{FF2B5EF4-FFF2-40B4-BE49-F238E27FC236}">
+                <a16:creationId xmlns:a16="http://schemas.microsoft.com/office/drawing/2014/main" id="{4B7FD70F-152C-9A83-8E06-8AC89B15E7CF}"/>
               </a:ext>
             </a:extLst>
           </p:cNvPr>
@@ -9200,8 +9200,8 @@
         </p:blipFill>
         <p:spPr>
           <a:xfrm>
-            <a:off x="2271713" y="4070685"/>
-            <a:ext cx="7648574" cy="1751215"/>
+            <a:off x="2274889" y="4289984"/>
+            <a:ext cx="7744533" cy="1751215"/>
           </a:xfrm>
           <a:prstGeom prst="rect">
             <a:avLst/>
@@ -9590,6 +9590,98 @@
               </a:rPr>
               <a:t>欠点</a:t>
             </a:r>
+          </a:p>
+        </p:txBody>
+      </p:sp>
+      <p:pic>
+        <p:nvPicPr>
+          <p:cNvPr id="8" name="図 7" descr="\documentclass{jsarticle}&#10;\usepackage{amsmath}&#10;\usepackage[T1]{fontenc}&#10;\usepackage{lmodern}&#10;\pagestyle{empty}&#10;&#10;\begin{document}&#10;%\begin{align*}&#10;%\end{align*}&#10;\begin{equation*}&#10;  \begin{bmatrix}&#10;    y_1 \\&#10;    y_2&#10;    \end{bmatrix}&#10;    =&#10;    \begin{bmatrix}&#10;    h_{11} &amp; h_{12} \\&#10;    h_{21} &amp; h_{22}&#10;    \end{bmatrix}&#10;    \cdot&#10;    \begin{bmatrix}&#10;    S_1 \\&#10;    S_2&#10;    \end{bmatrix}&#10;    +&#10;    \begin{bmatrix}&#10;      n_1\\&#10;      n_2&#10;    \end{bmatrix}&#10;\end{equation*}&#10;\end{document}" title="IguanaTex Bitmap Display">
+            <a:extLst>
+              <a:ext uri="{FF2B5EF4-FFF2-40B4-BE49-F238E27FC236}">
+                <a16:creationId xmlns:a16="http://schemas.microsoft.com/office/drawing/2014/main" id="{575B4272-5B37-C969-003A-1FABB878E0B0}"/>
+              </a:ext>
+            </a:extLst>
+          </p:cNvPr>
+          <p:cNvPicPr>
+            <a:picLocks noChangeAspect="1"/>
+          </p:cNvPicPr>
+          <p:nvPr>
+            <p:custDataLst>
+              <p:tags r:id="rId1"/>
+            </p:custDataLst>
+          </p:nvPr>
+        </p:nvPicPr>
+        <p:blipFill>
+          <a:blip r:embed="rId3">
+            <a:extLst>
+              <a:ext uri="{28A0092B-C50C-407E-A947-70E740481C1C}">
+                <a14:useLocalDpi xmlns:a14="http://schemas.microsoft.com/office/drawing/2010/main" val="0"/>
+              </a:ext>
+            </a:extLst>
+          </a:blip>
+          <a:stretch>
+            <a:fillRect/>
+          </a:stretch>
+        </p:blipFill>
+        <p:spPr>
+          <a:xfrm>
+            <a:off x="2546414" y="2313330"/>
+            <a:ext cx="7099171" cy="1234906"/>
+          </a:xfrm>
+          <a:prstGeom prst="rect">
+            <a:avLst/>
+          </a:prstGeom>
+        </p:spPr>
+      </p:pic>
+      <p:sp>
+        <p:nvSpPr>
+          <p:cNvPr id="9" name="正方形/長方形 8">
+            <a:extLst>
+              <a:ext uri="{FF2B5EF4-FFF2-40B4-BE49-F238E27FC236}">
+                <a16:creationId xmlns:a16="http://schemas.microsoft.com/office/drawing/2014/main" id="{A0F0EA28-6F9B-8111-BC15-947C6AA9BFD8}"/>
+              </a:ext>
+            </a:extLst>
+          </p:cNvPr>
+          <p:cNvSpPr/>
+          <p:nvPr/>
+        </p:nvSpPr>
+        <p:spPr>
+          <a:xfrm>
+            <a:off x="8654985" y="3576812"/>
+            <a:ext cx="1184340" cy="71264"/>
+          </a:xfrm>
+          <a:prstGeom prst="rect">
+            <a:avLst/>
+          </a:prstGeom>
+          <a:solidFill>
+            <a:srgbClr val="FF0000"/>
+          </a:solidFill>
+          <a:ln>
+            <a:noFill/>
+          </a:ln>
+        </p:spPr>
+        <p:style>
+          <a:lnRef idx="2">
+            <a:schemeClr val="accent1">
+              <a:shade val="15000"/>
+            </a:schemeClr>
+          </a:lnRef>
+          <a:fillRef idx="1">
+            <a:schemeClr val="accent1"/>
+          </a:fillRef>
+          <a:effectRef idx="0">
+            <a:schemeClr val="accent1"/>
+          </a:effectRef>
+          <a:fontRef idx="minor">
+            <a:schemeClr val="lt1"/>
+          </a:fontRef>
+        </p:style>
+        <p:txBody>
+          <a:bodyPr rtlCol="0" anchor="ctr"/>
+          <a:lstStyle/>
+          <a:p>
+            <a:pPr algn="ctr"/>
+            <a:endParaRPr kumimoji="1" lang="ja-JP" altLang="en-US"/>
           </a:p>
         </p:txBody>
       </p:sp>
@@ -9890,12 +9982,12 @@
 <p:tagLst xmlns:a="http://schemas.openxmlformats.org/drawingml/2006/main" xmlns:r="http://schemas.openxmlformats.org/officeDocument/2006/relationships" xmlns:p="http://schemas.openxmlformats.org/presentationml/2006/main">
   <p:tag name="OUTPUTDPI" val="1200"/>
   <p:tag name="ORIGINALHEIGHT" val="301.5421"/>
-  <p:tag name="ORIGINALWIDTH" val="1300.682"/>
+  <p:tag name="ORIGINALWIDTH" val="1318.684"/>
   <p:tag name="OUTPUTTYPE" val="PNG"/>
   <p:tag name="IGUANATEXVERSION" val="160"/>
-  <p:tag name="LATEXADDIN" val="\documentclass{jsarticle}&#10;\usepackage{amsmath}&#10;\usepackage[T1]{fontenc}&#10;\usepackage{lmodern}&#10;\pagestyle{empty}&#10;&#10;\begin{document}&#10;%\begin{align*}&#10;%\end{align*}&#10;\begin{equation*}&#10;  \begin{bmatrix}&#10;    y_1 \\&#10;    y_2&#10;    \end{bmatrix}&#10;    =&#10;    \begin{bmatrix}&#10;    h_{11} &amp; h_{12} \\&#10;    h_{21} &amp; h_{22}&#10;    \end{bmatrix}&#10;    \cdot&#10;    \begin{bmatrix}&#10;    s_1 \\&#10;    s_2&#10;    \end{bmatrix}&#10;\end{equation*}&#10;\end{document}"/>
+  <p:tag name="LATEXADDIN" val="\documentclass{jsarticle}&#10;\usepackage{amsmath}&#10;\usepackage[T1]{fontenc}&#10;\usepackage{lmodern}&#10;\pagestyle{empty}&#10;&#10;\begin{document}&#10;%\begin{align*}&#10;%\end{align*}&#10;\begin{equation*}&#10;  \begin{bmatrix}&#10;    y_1 \\&#10;    y_2&#10;    \end{bmatrix}&#10;    =&#10;    \begin{bmatrix}&#10;    h_{11} &amp; h_{12} \\&#10;    h_{21} &amp; h_{22}&#10;    \end{bmatrix}&#10;    \cdot&#10;    \begin{bmatrix}&#10;    S_1 \\&#10;    S_2&#10;    \end{bmatrix}&#10;\end{equation*}&#10;\end{document}"/>
   <p:tag name="IGUANATEXSIZE" val="60"/>
-  <p:tag name="IGUANATEXCURSOR" val="401"/>
+  <p:tag name="IGUANATEXCURSOR" val="365"/>
   <p:tag name="TRANSPARENCY" val="True"/>
   <p:tag name="LATEXENGINEID" val="4"/>
   <p:tag name="TEMPFOLDER" val="c:\temp\"/>
@@ -9910,12 +10002,12 @@
 <p:tagLst xmlns:a="http://schemas.openxmlformats.org/drawingml/2006/main" xmlns:r="http://schemas.openxmlformats.org/officeDocument/2006/relationships" xmlns:p="http://schemas.openxmlformats.org/presentationml/2006/main">
   <p:tag name="OUTPUTDPI" val="1200"/>
   <p:tag name="ORIGINALHEIGHT" val="328.5458"/>
-  <p:tag name="ORIGINALWIDTH" val="1434.95"/>
+  <p:tag name="ORIGINALWIDTH" val="1452.953"/>
   <p:tag name="OUTPUTTYPE" val="PNG"/>
   <p:tag name="IGUANATEXVERSION" val="160"/>
-  <p:tag name="LATEXADDIN" val="\documentclass{jsarticle}&#10;\usepackage{amsmath}&#10;\usepackage[T1]{fontenc}&#10;\usepackage{lmodern}&#10;\pagestyle{empty}&#10;&#10;\begin{document}&#10;%\begin{align*}&#10;%\end{align*}&#10;\begin{equation*}&#10;  \begin{bmatrix}&#10;    s_1 \\&#10;    s_2&#10;    \end{bmatrix}&#10;    =&#10;    \begin{bmatrix}&#10;    h_{11} &amp; h_{12} \\&#10;    h_{21} &amp; h_{22}&#10;    \end{bmatrix}^{-1}&#10;    \cdot&#10;    \begin{bmatrix}&#10;    y_1 \\&#10;    y_2&#10;    \end{bmatrix}&#10;\end{equation*}&#10;\end{document}"/>
+  <p:tag name="LATEXADDIN" val="\documentclass{jsarticle}&#10;\usepackage{amsmath}&#10;\usepackage[T1]{fontenc}&#10;\usepackage{lmodern}&#10;\pagestyle{empty}&#10;&#10;\begin{document}&#10;%\begin{align*}&#10;%\end{align*}&#10;\begin{equation*}&#10;  \begin{bmatrix}&#10;    S_1 \\&#10;    S_2&#10;    \end{bmatrix}&#10;    =&#10;    \begin{bmatrix}&#10;    h_{11} &amp; h_{12} \\&#10;    h_{21} &amp; h_{22}&#10;    \end{bmatrix}^{-1}&#10;    \cdot&#10;    \begin{bmatrix}&#10;    y_1 \\&#10;    y_2&#10;    \end{bmatrix}&#10;\end{equation*}&#10;\end{document}"/>
   <p:tag name="IGUANATEXSIZE" val="60"/>
-  <p:tag name="IGUANATEXCURSOR" val="406"/>
+  <p:tag name="IGUANATEXCURSOR" val="194"/>
   <p:tag name="TRANSPARENCY" val="True"/>
   <p:tag name="LATEXENGINEID" val="4"/>
   <p:tag name="TEMPFOLDER" val="c:\temp\"/>
@@ -9956,6 +10048,26 @@
   <p:tag name="LATEXADDIN" val="\documentclass{jsarticle}&#10;\usepackage{amsmath}&#10;\usepackage[T1]{fontenc}&#10;\usepackage{lmodern}&#10;\pagestyle{empty}&#10;&#10;\begin{document}&#10;%\begin{align*}&#10;%\end{align*}&#10;&#10;$S_2$&#10;&#10;\end{document}"/>
   <p:tag name="IGUANATEXSIZE" val="60"/>
   <p:tag name="IGUANATEXCURSOR" val="166"/>
+  <p:tag name="TRANSPARENCY" val="True"/>
+  <p:tag name="LATEXENGINEID" val="4"/>
+  <p:tag name="TEMPFOLDER" val="c:\temp\"/>
+  <p:tag name="LATEXFORMHEIGHT" val="320"/>
+  <p:tag name="LATEXFORMWIDTH" val="385"/>
+  <p:tag name="LATEXFORMWRAP" val="True"/>
+  <p:tag name="BITMAPVECTOR" val="0"/>
+</p:tagLst>
+</file>
+
+<file path=ppt/tags/tag26.xml><?xml version="1.0" encoding="utf-8"?>
+<p:tagLst xmlns:a="http://schemas.openxmlformats.org/drawingml/2006/main" xmlns:r="http://schemas.openxmlformats.org/officeDocument/2006/relationships" xmlns:p="http://schemas.openxmlformats.org/presentationml/2006/main">
+  <p:tag name="OUTPUTDPI" val="1200"/>
+  <p:tag name="ORIGINALHEIGHT" val="301.5421"/>
+  <p:tag name="ORIGINALWIDTH" val="1733.492"/>
+  <p:tag name="OUTPUTTYPE" val="PNG"/>
+  <p:tag name="IGUANATEXVERSION" val="160"/>
+  <p:tag name="LATEXADDIN" val="\documentclass{jsarticle}&#10;\usepackage{amsmath}&#10;\usepackage[T1]{fontenc}&#10;\usepackage{lmodern}&#10;\pagestyle{empty}&#10;&#10;\begin{document}&#10;%\begin{align*}&#10;%\end{align*}&#10;\begin{equation*}&#10;  \begin{bmatrix}&#10;    y_1 \\&#10;    y_2&#10;    \end{bmatrix}&#10;    =&#10;    \begin{bmatrix}&#10;    h_{11} &amp; h_{12} \\&#10;    h_{21} &amp; h_{22}&#10;    \end{bmatrix}&#10;    \cdot&#10;    \begin{bmatrix}&#10;    S_1 \\&#10;    S_2&#10;    \end{bmatrix}&#10;    +&#10;    \begin{bmatrix}&#10;      n_1\\&#10;      n_2&#10;    \end{bmatrix}&#10;\end{equation*}&#10;\end{document}"/>
+  <p:tag name="IGUANATEXSIZE" val="60"/>
+  <p:tag name="IGUANATEXCURSOR" val="365"/>
   <p:tag name="TRANSPARENCY" val="True"/>
   <p:tag name="LATEXENGINEID" val="4"/>
   <p:tag name="TEMPFOLDER" val="c:\temp\"/>
@@ -10697,15 +10809,6 @@
 </file>
 
 <file path=customXml/item1.xml><?xml version="1.0" encoding="utf-8"?>
-<?mso-contentType ?>
-<FormTemplates xmlns="http://schemas.microsoft.com/sharepoint/v3/contenttype/forms">
-  <Display>DocumentLibraryForm</Display>
-  <Edit>DocumentLibraryForm</Edit>
-  <New>DocumentLibraryForm</New>
-</FormTemplates>
-</file>
-
-<file path=customXml/item2.xml><?xml version="1.0" encoding="utf-8"?>
 <ct:contentTypeSchema xmlns:ct="http://schemas.microsoft.com/office/2006/metadata/contentType" xmlns:ma="http://schemas.microsoft.com/office/2006/metadata/properties/metaAttributes" ct:_="" ma:_="" ma:contentTypeName="ドキュメント" ma:contentTypeID="0x0101003E09FD1B8D620F4DB701D846A58777FF" ma:contentTypeVersion="9" ma:contentTypeDescription="新しいドキュメントを作成します。" ma:contentTypeScope="" ma:versionID="60e7aa87c0704c541e6c160bd3c5db05">
   <xsd:schema xmlns:xsd="http://www.w3.org/2001/XMLSchema" xmlns:xs="http://www.w3.org/2001/XMLSchema" xmlns:p="http://schemas.microsoft.com/office/2006/metadata/properties" xmlns:ns3="f87cc323-2a07-4ed0-aeeb-f3753cc5f677" targetNamespace="http://schemas.microsoft.com/office/2006/metadata/properties" ma:root="true" ma:fieldsID="da0458dd451b34878066f88f08e4832d" ns3:_="">
     <xsd:import namespace="f87cc323-2a07-4ed0-aeeb-f3753cc5f677"/>
@@ -10883,6 +10986,15 @@
 </ct:contentTypeSchema>
 </file>
 
+<file path=customXml/item2.xml><?xml version="1.0" encoding="utf-8"?>
+<?mso-contentType ?>
+<FormTemplates xmlns="http://schemas.microsoft.com/sharepoint/v3/contenttype/forms">
+  <Display>DocumentLibraryForm</Display>
+  <Edit>DocumentLibraryForm</Edit>
+  <New>DocumentLibraryForm</New>
+</FormTemplates>
+</file>
+
 <file path=customXml/item3.xml><?xml version="1.0" encoding="utf-8"?>
 <p:properties xmlns:p="http://schemas.microsoft.com/office/2006/metadata/properties" xmlns:xsi="http://www.w3.org/2001/XMLSchema-instance" xmlns:pc="http://schemas.microsoft.com/office/infopath/2007/PartnerControls">
   <documentManagement/>
@@ -10890,14 +11002,6 @@
 </file>
 
 <file path=customXml/itemProps1.xml><?xml version="1.0" encoding="utf-8"?>
-<ds:datastoreItem xmlns:ds="http://schemas.openxmlformats.org/officeDocument/2006/customXml" ds:itemID="{4E94CB43-C64E-4EAA-BC17-53A937DD860B}">
-  <ds:schemaRefs>
-    <ds:schemaRef ds:uri="http://schemas.microsoft.com/sharepoint/v3/contenttype/forms"/>
-  </ds:schemaRefs>
-</ds:datastoreItem>
-</file>
-
-<file path=customXml/itemProps2.xml><?xml version="1.0" encoding="utf-8"?>
 <ds:datastoreItem xmlns:ds="http://schemas.openxmlformats.org/officeDocument/2006/customXml" ds:itemID="{0C4384B0-02B3-4987-B987-A6A37AAF03FA}">
   <ds:schemaRefs>
     <ds:schemaRef ds:uri="http://schemas.microsoft.com/office/2006/metadata/contentType"/>
@@ -10911,6 +11015,14 @@
     <ds:schemaRef ds:uri="http://purl.org/dc/elements/1.1/"/>
     <ds:schemaRef ds:uri="http://purl.org/dc/terms/"/>
     <ds:schemaRef ds:uri="http://schemas.microsoft.com/internal/obd"/>
+  </ds:schemaRefs>
+</ds:datastoreItem>
+</file>
+
+<file path=customXml/itemProps2.xml><?xml version="1.0" encoding="utf-8"?>
+<ds:datastoreItem xmlns:ds="http://schemas.openxmlformats.org/officeDocument/2006/customXml" ds:itemID="{4E94CB43-C64E-4EAA-BC17-53A937DD860B}">
+  <ds:schemaRefs>
+    <ds:schemaRef ds:uri="http://schemas.microsoft.com/sharepoint/v3/contenttype/forms"/>
   </ds:schemaRefs>
 </ds:datastoreItem>
 </file>

--- a/MIMO/MIMO.pptx
+++ b/MIMO/MIMO.pptx
@@ -5,7 +5,7 @@
     <p:sldMasterId id="2147483648" r:id="rId4"/>
   </p:sldMasterIdLst>
   <p:notesMasterIdLst>
-    <p:notesMasterId r:id="rId12"/>
+    <p:notesMasterId r:id="rId13"/>
   </p:notesMasterIdLst>
   <p:sldIdLst>
     <p:sldId id="256" r:id="rId5"/>
@@ -15,6 +15,7 @@
     <p:sldId id="260" r:id="rId9"/>
     <p:sldId id="261" r:id="rId10"/>
     <p:sldId id="262" r:id="rId11"/>
+    <p:sldId id="263" r:id="rId12"/>
   </p:sldIdLst>
   <p:sldSz cx="12192000" cy="6858000"/>
   <p:notesSz cx="6858000" cy="9144000"/>
@@ -548,13 +549,16 @@
           <a:p>
             <a:r>
               <a:rPr kumimoji="1" lang="ja-JP" altLang="en-US" dirty="0"/>
-              <a:t>物理層において最大</a:t>
+              <a:t>物理層において理論上最大</a:t>
             </a:r>
             <a:r>
               <a:rPr kumimoji="1" lang="en-US" altLang="ja-JP" dirty="0"/>
-              <a:t>600</a:t>
-            </a:r>
-            <a:endParaRPr kumimoji="1" lang="ja-JP" altLang="en-US" dirty="0"/>
+              <a:t>600Mbps</a:t>
+            </a:r>
+            <a:r>
+              <a:rPr kumimoji="1" lang="ja-JP" altLang="en-US" dirty="0"/>
+              <a:t>を実現するために</a:t>
+            </a:r>
           </a:p>
         </p:txBody>
       </p:sp>
@@ -5960,6 +5964,9 @@
               <a:gd name="adj3" fmla="val 16667"/>
             </a:avLst>
           </a:prstGeom>
+          <a:solidFill>
+            <a:schemeClr val="bg2"/>
+          </a:solidFill>
         </p:spPr>
         <p:style>
           <a:lnRef idx="2">
@@ -6086,6 +6093,9 @@
               <a:gd name="adj3" fmla="val 16667"/>
             </a:avLst>
           </a:prstGeom>
+          <a:solidFill>
+            <a:schemeClr val="bg2"/>
+          </a:solidFill>
         </p:spPr>
         <p:style>
           <a:lnRef idx="2">
@@ -6265,8 +6275,8 @@
         </p:nvSpPr>
         <p:spPr>
           <a:xfrm>
-            <a:off x="4964051" y="5355959"/>
-            <a:ext cx="1812489" cy="425606"/>
+            <a:off x="4964051" y="5135234"/>
+            <a:ext cx="1868167" cy="646331"/>
           </a:xfrm>
           <a:prstGeom prst="wedgeRoundRectCallout">
             <a:avLst>
@@ -6275,6 +6285,9 @@
               <a:gd name="adj3" fmla="val 16667"/>
             </a:avLst>
           </a:prstGeom>
+          <a:solidFill>
+            <a:schemeClr val="bg2"/>
+          </a:solidFill>
         </p:spPr>
         <p:style>
           <a:lnRef idx="2">
@@ -6328,6 +6341,16 @@
               <a:t>40MHz</a:t>
             </a:r>
             <a:r>
+              <a:rPr kumimoji="1" lang="ja-JP" altLang="en-US" sz="1200" dirty="0" err="1">
+                <a:solidFill>
+                  <a:schemeClr val="tx1"/>
+                </a:solidFill>
+                <a:latin typeface="BIZ UDPゴシック" panose="020B0400000000000000" pitchFamily="50" charset="-128"/>
+                <a:ea typeface="BIZ UDPゴシック" panose="020B0400000000000000" pitchFamily="50" charset="-128"/>
+              </a:rPr>
+              <a:t>に拡</a:t>
+            </a:r>
+            <a:r>
               <a:rPr kumimoji="1" lang="ja-JP" altLang="en-US" sz="1200" dirty="0">
                 <a:solidFill>
                   <a:schemeClr val="tx1"/>
@@ -6335,8 +6358,55 @@
                 <a:latin typeface="BIZ UDPゴシック" panose="020B0400000000000000" pitchFamily="50" charset="-128"/>
                 <a:ea typeface="BIZ UDPゴシック" panose="020B0400000000000000" pitchFamily="50" charset="-128"/>
               </a:rPr>
-              <a:t>に拡大</a:t>
-            </a:r>
+              <a:t>大</a:t>
+            </a:r>
+            <a:endParaRPr kumimoji="1" lang="en-US" altLang="ja-JP" sz="1200" dirty="0">
+              <a:solidFill>
+                <a:schemeClr val="tx1"/>
+              </a:solidFill>
+              <a:latin typeface="BIZ UDPゴシック" panose="020B0400000000000000" pitchFamily="50" charset="-128"/>
+              <a:ea typeface="BIZ UDPゴシック" panose="020B0400000000000000" pitchFamily="50" charset="-128"/>
+            </a:endParaRPr>
+          </a:p>
+          <a:p>
+            <a:pPr algn="ctr"/>
+            <a:r>
+              <a:rPr lang="en-US" altLang="ja-JP" sz="1200" dirty="0">
+                <a:solidFill>
+                  <a:schemeClr val="tx1"/>
+                </a:solidFill>
+                <a:latin typeface="BIZ UDPゴシック" panose="020B0400000000000000" pitchFamily="50" charset="-128"/>
+                <a:ea typeface="BIZ UDPゴシック" panose="020B0400000000000000" pitchFamily="50" charset="-128"/>
+              </a:rPr>
+              <a:t>(</a:t>
+            </a:r>
+            <a:r>
+              <a:rPr lang="ja-JP" altLang="en-US" sz="1200" dirty="0">
+                <a:solidFill>
+                  <a:schemeClr val="tx1"/>
+                </a:solidFill>
+                <a:latin typeface="BIZ UDPゴシック" panose="020B0400000000000000" pitchFamily="50" charset="-128"/>
+                <a:ea typeface="BIZ UDPゴシック" panose="020B0400000000000000" pitchFamily="50" charset="-128"/>
+              </a:rPr>
+              <a:t>サブキャリア数の増大</a:t>
+            </a:r>
+            <a:r>
+              <a:rPr lang="en-US" altLang="ja-JP" sz="1200" dirty="0">
+                <a:solidFill>
+                  <a:schemeClr val="tx1"/>
+                </a:solidFill>
+                <a:latin typeface="BIZ UDPゴシック" panose="020B0400000000000000" pitchFamily="50" charset="-128"/>
+                <a:ea typeface="BIZ UDPゴシック" panose="020B0400000000000000" pitchFamily="50" charset="-128"/>
+              </a:rPr>
+              <a:t>)</a:t>
+            </a:r>
+            <a:endParaRPr kumimoji="1" lang="ja-JP" altLang="en-US" sz="1200" dirty="0">
+              <a:solidFill>
+                <a:schemeClr val="tx1"/>
+              </a:solidFill>
+              <a:latin typeface="BIZ UDPゴシック" panose="020B0400000000000000" pitchFamily="50" charset="-128"/>
+              <a:ea typeface="BIZ UDPゴシック" panose="020B0400000000000000" pitchFamily="50" charset="-128"/>
+            </a:endParaRPr>
           </a:p>
         </p:txBody>
       </p:sp>
@@ -6506,6 +6576,9 @@
               <a:gd name="adj3" fmla="val 16667"/>
             </a:avLst>
           </a:prstGeom>
+          <a:solidFill>
+            <a:schemeClr val="bg2"/>
+          </a:solidFill>
         </p:spPr>
         <p:style>
           <a:lnRef idx="2">
@@ -9588,17 +9661,304 @@
                 <a:latin typeface="BIZ UDPゴシック" panose="020B0400000000000000" pitchFamily="50" charset="-128"/>
                 <a:ea typeface="BIZ UDPゴシック" panose="020B0400000000000000" pitchFamily="50" charset="-128"/>
               </a:rPr>
-              <a:t>欠点</a:t>
+              <a:t>欠点①</a:t>
             </a:r>
           </a:p>
         </p:txBody>
       </p:sp>
       <p:pic>
         <p:nvPicPr>
-          <p:cNvPr id="8" name="図 7" descr="\documentclass{jsarticle}&#10;\usepackage{amsmath}&#10;\usepackage[T1]{fontenc}&#10;\usepackage{lmodern}&#10;\pagestyle{empty}&#10;&#10;\begin{document}&#10;%\begin{align*}&#10;%\end{align*}&#10;\begin{equation*}&#10;  \begin{bmatrix}&#10;    y_1 \\&#10;    y_2&#10;    \end{bmatrix}&#10;    =&#10;    \begin{bmatrix}&#10;    h_{11} &amp; h_{12} \\&#10;    h_{21} &amp; h_{22}&#10;    \end{bmatrix}&#10;    \cdot&#10;    \begin{bmatrix}&#10;    S_1 \\&#10;    S_2&#10;    \end{bmatrix}&#10;    +&#10;    \begin{bmatrix}&#10;      n_1\\&#10;      n_2&#10;    \end{bmatrix}&#10;\end{equation*}&#10;\end{document}" title="IguanaTex Bitmap Display">
-            <a:extLst>
-              <a:ext uri="{FF2B5EF4-FFF2-40B4-BE49-F238E27FC236}">
-                <a16:creationId xmlns:a16="http://schemas.microsoft.com/office/drawing/2014/main" id="{575B4272-5B37-C969-003A-1FABB878E0B0}"/>
+          <p:cNvPr id="10" name="図 9" descr="\documentclass{jsarticle}&#10;\usepackage{amsmath}&#10;\usepackage[T1]{fontenc}&#10;\usepackage{lmodern}&#10;\pagestyle{empty}&#10;&#10;\begin{document}&#10;\begin{align*}&#10;y_1 = h_{11}S_1 + h_{12}S_2&#10;\end{align*}&#10;&#10;\end{document}" title="IguanaTex Bitmap Display">
+            <a:extLst>
+              <a:ext uri="{FF2B5EF4-FFF2-40B4-BE49-F238E27FC236}">
+                <a16:creationId xmlns:a16="http://schemas.microsoft.com/office/drawing/2014/main" id="{BF60D4B4-D5FF-4314-90E2-8AE6FC9C434D}"/>
+              </a:ext>
+            </a:extLst>
+          </p:cNvPr>
+          <p:cNvPicPr>
+            <a:picLocks noChangeAspect="1"/>
+          </p:cNvPicPr>
+          <p:nvPr>
+            <p:custDataLst>
+              <p:tags r:id="rId1"/>
+            </p:custDataLst>
+          </p:nvPr>
+        </p:nvPicPr>
+        <p:blipFill>
+          <a:blip r:embed="rId4">
+            <a:extLst>
+              <a:ext uri="{28A0092B-C50C-407E-A947-70E740481C1C}">
+                <a14:useLocalDpi xmlns:a14="http://schemas.microsoft.com/office/drawing/2010/main" val="0"/>
+              </a:ext>
+            </a:extLst>
+          </a:blip>
+          <a:stretch>
+            <a:fillRect/>
+          </a:stretch>
+        </p:blipFill>
+        <p:spPr>
+          <a:xfrm>
+            <a:off x="2167370" y="2598004"/>
+            <a:ext cx="7489738" cy="830996"/>
+          </a:xfrm>
+          <a:prstGeom prst="rect">
+            <a:avLst/>
+          </a:prstGeom>
+        </p:spPr>
+      </p:pic>
+      <p:pic>
+        <p:nvPicPr>
+          <p:cNvPr id="11" name="図 10" descr="\documentclass{jsarticle}&#10;\usepackage{amsmath}&#10;\usepackage[T1]{fontenc}&#10;\usepackage{lmodern}&#10;\pagestyle{empty}&#10;&#10;\begin{document}&#10;\begin{align*}&#10;y_2 = h_{21}S_1 + h_{22}S_2&#10;\end{align*}&#10;&#10;\end{document}" title="IguanaTex Bitmap Display">
+            <a:extLst>
+              <a:ext uri="{FF2B5EF4-FFF2-40B4-BE49-F238E27FC236}">
+                <a16:creationId xmlns:a16="http://schemas.microsoft.com/office/drawing/2014/main" id="{9E10807C-B98D-430C-A9EA-71B7F877E8E7}"/>
+              </a:ext>
+            </a:extLst>
+          </p:cNvPr>
+          <p:cNvPicPr>
+            <a:picLocks noChangeAspect="1"/>
+          </p:cNvPicPr>
+          <p:nvPr>
+            <p:custDataLst>
+              <p:tags r:id="rId2"/>
+            </p:custDataLst>
+          </p:nvPr>
+        </p:nvPicPr>
+        <p:blipFill>
+          <a:blip r:embed="rId5">
+            <a:extLst>
+              <a:ext uri="{28A0092B-C50C-407E-A947-70E740481C1C}">
+                <a14:useLocalDpi xmlns:a14="http://schemas.microsoft.com/office/drawing/2010/main" val="0"/>
+              </a:ext>
+            </a:extLst>
+          </a:blip>
+          <a:stretch>
+            <a:fillRect/>
+          </a:stretch>
+        </p:blipFill>
+        <p:spPr>
+          <a:xfrm>
+            <a:off x="2167370" y="3612310"/>
+            <a:ext cx="7489738" cy="830996"/>
+          </a:xfrm>
+          <a:prstGeom prst="rect">
+            <a:avLst/>
+          </a:prstGeom>
+        </p:spPr>
+      </p:pic>
+      <p:sp>
+        <p:nvSpPr>
+          <p:cNvPr id="3" name="四角形: 角を丸くする 2">
+            <a:extLst>
+              <a:ext uri="{FF2B5EF4-FFF2-40B4-BE49-F238E27FC236}">
+                <a16:creationId xmlns:a16="http://schemas.microsoft.com/office/drawing/2014/main" id="{46C09329-2DD9-4099-B2F5-BA877FEA227F}"/>
+              </a:ext>
+            </a:extLst>
+          </p:cNvPr>
+          <p:cNvSpPr/>
+          <p:nvPr/>
+        </p:nvSpPr>
+        <p:spPr>
+          <a:xfrm>
+            <a:off x="4007224" y="2393576"/>
+            <a:ext cx="2420470" cy="2393577"/>
+          </a:xfrm>
+          <a:prstGeom prst="roundRect">
+            <a:avLst/>
+          </a:prstGeom>
+          <a:noFill/>
+          <a:ln w="38100">
+            <a:prstDash val="dash"/>
+          </a:ln>
+        </p:spPr>
+        <p:style>
+          <a:lnRef idx="2">
+            <a:schemeClr val="accent1">
+              <a:shade val="50000"/>
+            </a:schemeClr>
+          </a:lnRef>
+          <a:fillRef idx="1">
+            <a:schemeClr val="accent1"/>
+          </a:fillRef>
+          <a:effectRef idx="0">
+            <a:schemeClr val="accent1"/>
+          </a:effectRef>
+          <a:fontRef idx="minor">
+            <a:schemeClr val="lt1"/>
+          </a:fontRef>
+        </p:style>
+        <p:txBody>
+          <a:bodyPr rtlCol="0" anchor="ctr"/>
+          <a:lstStyle/>
+          <a:p>
+            <a:pPr algn="ctr"/>
+            <a:endParaRPr kumimoji="1" lang="ja-JP" altLang="en-US"/>
+          </a:p>
+        </p:txBody>
+      </p:sp>
+      <p:sp>
+        <p:nvSpPr>
+          <p:cNvPr id="12" name="四角形: 角を丸くする 11">
+            <a:extLst>
+              <a:ext uri="{FF2B5EF4-FFF2-40B4-BE49-F238E27FC236}">
+                <a16:creationId xmlns:a16="http://schemas.microsoft.com/office/drawing/2014/main" id="{9BB11368-20D3-4849-A565-EF26B0FA7C17}"/>
+              </a:ext>
+            </a:extLst>
+          </p:cNvPr>
+          <p:cNvSpPr/>
+          <p:nvPr/>
+        </p:nvSpPr>
+        <p:spPr>
+          <a:xfrm>
+            <a:off x="7389038" y="2322294"/>
+            <a:ext cx="2420470" cy="2393577"/>
+          </a:xfrm>
+          <a:prstGeom prst="roundRect">
+            <a:avLst/>
+          </a:prstGeom>
+          <a:noFill/>
+          <a:ln w="38100">
+            <a:prstDash val="dash"/>
+          </a:ln>
+        </p:spPr>
+        <p:style>
+          <a:lnRef idx="2">
+            <a:schemeClr val="accent1">
+              <a:shade val="50000"/>
+            </a:schemeClr>
+          </a:lnRef>
+          <a:fillRef idx="1">
+            <a:schemeClr val="accent1"/>
+          </a:fillRef>
+          <a:effectRef idx="0">
+            <a:schemeClr val="accent1"/>
+          </a:effectRef>
+          <a:fontRef idx="minor">
+            <a:schemeClr val="lt1"/>
+          </a:fontRef>
+        </p:style>
+        <p:txBody>
+          <a:bodyPr rtlCol="0" anchor="ctr"/>
+          <a:lstStyle/>
+          <a:p>
+            <a:pPr algn="ctr"/>
+            <a:endParaRPr kumimoji="1" lang="ja-JP" altLang="en-US"/>
+          </a:p>
+        </p:txBody>
+      </p:sp>
+      <p:sp>
+        <p:nvSpPr>
+          <p:cNvPr id="13" name="テキスト ボックス 12">
+            <a:extLst>
+              <a:ext uri="{FF2B5EF4-FFF2-40B4-BE49-F238E27FC236}">
+                <a16:creationId xmlns:a16="http://schemas.microsoft.com/office/drawing/2014/main" id="{B149BB12-1E84-4F54-91E0-AC841A2FCA13}"/>
+              </a:ext>
+            </a:extLst>
+          </p:cNvPr>
+          <p:cNvSpPr txBox="1"/>
+          <p:nvPr/>
+        </p:nvSpPr>
+        <p:spPr>
+          <a:xfrm>
+            <a:off x="2122547" y="5071827"/>
+            <a:ext cx="7915836" cy="1384995"/>
+          </a:xfrm>
+          <a:prstGeom prst="rect">
+            <a:avLst/>
+          </a:prstGeom>
+          <a:noFill/>
+        </p:spPr>
+        <p:txBody>
+          <a:bodyPr wrap="square" rtlCol="0">
+            <a:spAutoFit/>
+          </a:bodyPr>
+          <a:lstStyle/>
+          <a:p>
+            <a:r>
+              <a:rPr lang="ja-JP" altLang="en-US" sz="2800" dirty="0">
+                <a:latin typeface="BIZ UDPゴシック" panose="020B0400000000000000" pitchFamily="50" charset="-128"/>
+                <a:ea typeface="BIZ UDPゴシック" panose="020B0400000000000000" pitchFamily="50" charset="-128"/>
+              </a:rPr>
+              <a:t>全て違う経路で到達した信号を線形演算するため</a:t>
+            </a:r>
+            <a:r>
+              <a:rPr lang="en-US" altLang="ja-JP" sz="2800" dirty="0">
+                <a:latin typeface="BIZ UDPゴシック" panose="020B0400000000000000" pitchFamily="50" charset="-128"/>
+                <a:ea typeface="BIZ UDPゴシック" panose="020B0400000000000000" pitchFamily="50" charset="-128"/>
+              </a:rPr>
+              <a:t>,</a:t>
+            </a:r>
+            <a:r>
+              <a:rPr lang="ja-JP" altLang="en-US" sz="2800" dirty="0">
+                <a:latin typeface="BIZ UDPゴシック" panose="020B0400000000000000" pitchFamily="50" charset="-128"/>
+                <a:ea typeface="BIZ UDPゴシック" panose="020B0400000000000000" pitchFamily="50" charset="-128"/>
+              </a:rPr>
+              <a:t>同一の位相で加算されるとは限らず</a:t>
+            </a:r>
+            <a:r>
+              <a:rPr lang="en-US" altLang="ja-JP" sz="2800" dirty="0">
+                <a:latin typeface="BIZ UDPゴシック" panose="020B0400000000000000" pitchFamily="50" charset="-128"/>
+                <a:ea typeface="BIZ UDPゴシック" panose="020B0400000000000000" pitchFamily="50" charset="-128"/>
+              </a:rPr>
+              <a:t>,</a:t>
+            </a:r>
+            <a:r>
+              <a:rPr lang="ja-JP" altLang="en-US" sz="2800" dirty="0">
+                <a:latin typeface="BIZ UDPゴシック" panose="020B0400000000000000" pitchFamily="50" charset="-128"/>
+                <a:ea typeface="BIZ UDPゴシック" panose="020B0400000000000000" pitchFamily="50" charset="-128"/>
+              </a:rPr>
+              <a:t>逆の位相で加算されて信号を弱める可能性もある</a:t>
+            </a:r>
+            <a:r>
+              <a:rPr lang="en-US" altLang="ja-JP" sz="2800" dirty="0">
+                <a:latin typeface="BIZ UDPゴシック" panose="020B0400000000000000" pitchFamily="50" charset="-128"/>
+                <a:ea typeface="BIZ UDPゴシック" panose="020B0400000000000000" pitchFamily="50" charset="-128"/>
+              </a:rPr>
+              <a:t>.</a:t>
+            </a:r>
+            <a:endParaRPr kumimoji="1" lang="ja-JP" altLang="en-US" sz="2800" dirty="0">
+              <a:latin typeface="BIZ UDPゴシック" panose="020B0400000000000000" pitchFamily="50" charset="-128"/>
+              <a:ea typeface="BIZ UDPゴシック" panose="020B0400000000000000" pitchFamily="50" charset="-128"/>
+            </a:endParaRPr>
+          </a:p>
+        </p:txBody>
+      </p:sp>
+    </p:spTree>
+    <p:extLst>
+      <p:ext uri="{BB962C8B-B14F-4D97-AF65-F5344CB8AC3E}">
+        <p14:creationId xmlns:p14="http://schemas.microsoft.com/office/powerpoint/2010/main" val="3830832976"/>
+      </p:ext>
+    </p:extLst>
+  </p:cSld>
+  <p:clrMapOvr>
+    <a:masterClrMapping/>
+  </p:clrMapOvr>
+</p:sld>
+</file>
+
+<file path=ppt/slides/slide8.xml><?xml version="1.0" encoding="utf-8"?>
+<p:sld xmlns:a="http://schemas.openxmlformats.org/drawingml/2006/main" xmlns:r="http://schemas.openxmlformats.org/officeDocument/2006/relationships" xmlns:p="http://schemas.openxmlformats.org/presentationml/2006/main">
+  <p:cSld>
+    <p:spTree>
+      <p:nvGrpSpPr>
+        <p:cNvPr id="1" name=""/>
+        <p:cNvGrpSpPr/>
+        <p:nvPr/>
+      </p:nvGrpSpPr>
+      <p:grpSpPr>
+        <a:xfrm>
+          <a:off x="0" y="0"/>
+          <a:ext cx="0" cy="0"/>
+          <a:chOff x="0" y="0"/>
+          <a:chExt cx="0" cy="0"/>
+        </a:xfrm>
+      </p:grpSpPr>
+      <p:pic>
+        <p:nvPicPr>
+          <p:cNvPr id="4" name="図 3" descr="\documentclass{jsarticle}&#10;\usepackage{amsmath}&#10;\usepackage[T1]{fontenc}&#10;\usepackage{lmodern}&#10;\pagestyle{empty}&#10;&#10;\begin{document}&#10;%\begin{align*}&#10;%\end{align*}&#10;\begin{equation*}&#10;  \begin{bmatrix}&#10;    y_1 \\&#10;    y_2&#10;    \end{bmatrix}&#10;    =&#10;    \begin{bmatrix}&#10;    h_{11} &amp; h_{12} \\&#10;    h_{21} &amp; h_{22}&#10;    \end{bmatrix}&#10;    \cdot&#10;    \begin{bmatrix}&#10;    S_1 \\&#10;    S_2&#10;    \end{bmatrix}&#10;    +&#10;    \begin{bmatrix}&#10;      n_1\\&#10;      n_2&#10;    \end{bmatrix}&#10;\end{equation*}&#10;\end{document}" title="IguanaTex Bitmap Display">
+            <a:extLst>
+              <a:ext uri="{FF2B5EF4-FFF2-40B4-BE49-F238E27FC236}">
+                <a16:creationId xmlns:a16="http://schemas.microsoft.com/office/drawing/2014/main" id="{C19F84DE-402A-400A-8654-0205FD36A433}"/>
               </a:ext>
             </a:extLst>
           </p:cNvPr>
@@ -9625,8 +9985,8 @@
         </p:blipFill>
         <p:spPr>
           <a:xfrm>
-            <a:off x="2546414" y="2313330"/>
-            <a:ext cx="7099171" cy="1234906"/>
+            <a:off x="1770529" y="2740548"/>
+            <a:ext cx="7915478" cy="1376903"/>
           </a:xfrm>
           <a:prstGeom prst="rect">
             <a:avLst/>
@@ -9635,10 +9995,10 @@
       </p:pic>
       <p:sp>
         <p:nvSpPr>
-          <p:cNvPr id="9" name="正方形/長方形 8">
-            <a:extLst>
-              <a:ext uri="{FF2B5EF4-FFF2-40B4-BE49-F238E27FC236}">
-                <a16:creationId xmlns:a16="http://schemas.microsoft.com/office/drawing/2014/main" id="{A0F0EA28-6F9B-8111-BC15-947C6AA9BFD8}"/>
+          <p:cNvPr id="5" name="正方形/長方形 4">
+            <a:extLst>
+              <a:ext uri="{FF2B5EF4-FFF2-40B4-BE49-F238E27FC236}">
+                <a16:creationId xmlns:a16="http://schemas.microsoft.com/office/drawing/2014/main" id="{E8B5B99E-53F1-4C1B-96DA-A9C6DE657B11}"/>
               </a:ext>
             </a:extLst>
           </p:cNvPr>
@@ -9647,7 +10007,7 @@
         </p:nvSpPr>
         <p:spPr>
           <a:xfrm>
-            <a:off x="8654985" y="3576812"/>
+            <a:off x="8628092" y="4227336"/>
             <a:ext cx="1184340" cy="71264"/>
           </a:xfrm>
           <a:prstGeom prst="rect">
@@ -9685,10 +10045,236 @@
           </a:p>
         </p:txBody>
       </p:sp>
+      <p:sp>
+        <p:nvSpPr>
+          <p:cNvPr id="6" name="テキスト ボックス 5">
+            <a:extLst>
+              <a:ext uri="{FF2B5EF4-FFF2-40B4-BE49-F238E27FC236}">
+                <a16:creationId xmlns:a16="http://schemas.microsoft.com/office/drawing/2014/main" id="{F23BBBBD-9988-44AC-A4C3-B4D743497230}"/>
+              </a:ext>
+            </a:extLst>
+          </p:cNvPr>
+          <p:cNvSpPr txBox="1"/>
+          <p:nvPr/>
+        </p:nvSpPr>
+        <p:spPr>
+          <a:xfrm>
+            <a:off x="1366938" y="4589478"/>
+            <a:ext cx="8722659" cy="1384995"/>
+          </a:xfrm>
+          <a:prstGeom prst="rect">
+            <a:avLst/>
+          </a:prstGeom>
+          <a:noFill/>
+        </p:spPr>
+        <p:txBody>
+          <a:bodyPr wrap="square" rtlCol="0">
+            <a:spAutoFit/>
+          </a:bodyPr>
+          <a:lstStyle/>
+          <a:p>
+            <a:r>
+              <a:rPr kumimoji="1" lang="ja-JP" altLang="en-US" sz="2800" dirty="0">
+                <a:latin typeface="BIZ UDPゴシック" panose="020B0400000000000000" pitchFamily="50" charset="-128"/>
+                <a:ea typeface="BIZ UDPゴシック" panose="020B0400000000000000" pitchFamily="50" charset="-128"/>
+              </a:rPr>
+              <a:t>実際の受信信号には熱雑音等の干渉成分があるが</a:t>
+            </a:r>
+            <a:r>
+              <a:rPr kumimoji="1" lang="en-US" altLang="ja-JP" sz="2800" dirty="0">
+                <a:latin typeface="BIZ UDPゴシック" panose="020B0400000000000000" pitchFamily="50" charset="-128"/>
+                <a:ea typeface="BIZ UDPゴシック" panose="020B0400000000000000" pitchFamily="50" charset="-128"/>
+              </a:rPr>
+              <a:t>ZF</a:t>
+            </a:r>
+            <a:r>
+              <a:rPr kumimoji="1" lang="ja-JP" altLang="en-US" sz="2800" dirty="0">
+                <a:latin typeface="BIZ UDPゴシック" panose="020B0400000000000000" pitchFamily="50" charset="-128"/>
+                <a:ea typeface="BIZ UDPゴシック" panose="020B0400000000000000" pitchFamily="50" charset="-128"/>
+              </a:rPr>
+              <a:t>法では考慮されていないため</a:t>
+            </a:r>
+            <a:r>
+              <a:rPr kumimoji="1" lang="en-US" altLang="ja-JP" sz="2800" dirty="0">
+                <a:latin typeface="BIZ UDPゴシック" panose="020B0400000000000000" pitchFamily="50" charset="-128"/>
+                <a:ea typeface="BIZ UDPゴシック" panose="020B0400000000000000" pitchFamily="50" charset="-128"/>
+              </a:rPr>
+              <a:t>,</a:t>
+            </a:r>
+            <a:r>
+              <a:rPr kumimoji="1" lang="ja-JP" altLang="en-US" sz="2800" dirty="0">
+                <a:latin typeface="BIZ UDPゴシック" panose="020B0400000000000000" pitchFamily="50" charset="-128"/>
+                <a:ea typeface="BIZ UDPゴシック" panose="020B0400000000000000" pitchFamily="50" charset="-128"/>
+              </a:rPr>
+              <a:t>逆に雑音電力を増幅してしまう場合も発生する</a:t>
+            </a:r>
+            <a:r>
+              <a:rPr kumimoji="1" lang="en-US" altLang="ja-JP" sz="2800" dirty="0">
+                <a:latin typeface="BIZ UDPゴシック" panose="020B0400000000000000" pitchFamily="50" charset="-128"/>
+                <a:ea typeface="BIZ UDPゴシック" panose="020B0400000000000000" pitchFamily="50" charset="-128"/>
+              </a:rPr>
+              <a:t>.</a:t>
+            </a:r>
+          </a:p>
+        </p:txBody>
+      </p:sp>
+      <p:sp>
+        <p:nvSpPr>
+          <p:cNvPr id="7" name="テキスト ボックス 6">
+            <a:extLst>
+              <a:ext uri="{FF2B5EF4-FFF2-40B4-BE49-F238E27FC236}">
+                <a16:creationId xmlns:a16="http://schemas.microsoft.com/office/drawing/2014/main" id="{907B5004-1C22-4F15-80D2-3E06A89FCBDF}"/>
+              </a:ext>
+            </a:extLst>
+          </p:cNvPr>
+          <p:cNvSpPr txBox="1"/>
+          <p:nvPr/>
+        </p:nvSpPr>
+        <p:spPr>
+          <a:xfrm>
+            <a:off x="1" y="52529"/>
+            <a:ext cx="7816850" cy="830997"/>
+          </a:xfrm>
+          <a:prstGeom prst="rect">
+            <a:avLst/>
+          </a:prstGeom>
+          <a:noFill/>
+        </p:spPr>
+        <p:txBody>
+          <a:bodyPr wrap="square" rtlCol="0">
+            <a:spAutoFit/>
+          </a:bodyPr>
+          <a:lstStyle/>
+          <a:p>
+            <a:r>
+              <a:rPr kumimoji="1" lang="en-US" altLang="ja-JP" sz="4800" dirty="0">
+                <a:latin typeface="BIZ UDPゴシック" panose="020B0400000000000000" pitchFamily="50" charset="-128"/>
+                <a:ea typeface="BIZ UDPゴシック" panose="020B0400000000000000" pitchFamily="50" charset="-128"/>
+              </a:rPr>
+              <a:t>MIMO</a:t>
+            </a:r>
+            <a:r>
+              <a:rPr kumimoji="1" lang="ja-JP" altLang="en-US" sz="4800" dirty="0">
+                <a:latin typeface="BIZ UDPゴシック" panose="020B0400000000000000" pitchFamily="50" charset="-128"/>
+                <a:ea typeface="BIZ UDPゴシック" panose="020B0400000000000000" pitchFamily="50" charset="-128"/>
+              </a:rPr>
+              <a:t>伝送による信号分離</a:t>
+            </a:r>
+          </a:p>
+        </p:txBody>
+      </p:sp>
+      <p:sp>
+        <p:nvSpPr>
+          <p:cNvPr id="8" name="テキスト ボックス 7">
+            <a:extLst>
+              <a:ext uri="{FF2B5EF4-FFF2-40B4-BE49-F238E27FC236}">
+                <a16:creationId xmlns:a16="http://schemas.microsoft.com/office/drawing/2014/main" id="{DAE39830-71E1-4A4A-BAA6-37C21C4EB81E}"/>
+              </a:ext>
+            </a:extLst>
+          </p:cNvPr>
+          <p:cNvSpPr txBox="1"/>
+          <p:nvPr/>
+        </p:nvSpPr>
+        <p:spPr>
+          <a:xfrm>
+            <a:off x="241136" y="896578"/>
+            <a:ext cx="7251700" cy="523220"/>
+          </a:xfrm>
+          <a:prstGeom prst="rect">
+            <a:avLst/>
+          </a:prstGeom>
+          <a:noFill/>
+        </p:spPr>
+        <p:txBody>
+          <a:bodyPr wrap="square" rtlCol="0">
+            <a:spAutoFit/>
+          </a:bodyPr>
+          <a:lstStyle/>
+          <a:p>
+            <a:r>
+              <a:rPr kumimoji="1" lang="en-US" altLang="ja-JP" sz="2800" dirty="0">
+                <a:latin typeface="BIZ UDPゴシック" panose="020B0400000000000000" pitchFamily="50" charset="-128"/>
+                <a:ea typeface="BIZ UDPゴシック" panose="020B0400000000000000" pitchFamily="50" charset="-128"/>
+              </a:rPr>
+              <a:t>Zero Forcing (ZF(</a:t>
+            </a:r>
+            <a:r>
+              <a:rPr lang="ja-JP" altLang="en-US" sz="2800" dirty="0">
+                <a:latin typeface="BIZ UDPゴシック" panose="020B0400000000000000" pitchFamily="50" charset="-128"/>
+                <a:ea typeface="BIZ UDPゴシック" panose="020B0400000000000000" pitchFamily="50" charset="-128"/>
+              </a:rPr>
+              <a:t>干渉キャンセル</a:t>
+            </a:r>
+            <a:r>
+              <a:rPr kumimoji="1" lang="en-US" altLang="ja-JP" sz="2800" dirty="0">
+                <a:latin typeface="BIZ UDPゴシック" panose="020B0400000000000000" pitchFamily="50" charset="-128"/>
+                <a:ea typeface="BIZ UDPゴシック" panose="020B0400000000000000" pitchFamily="50" charset="-128"/>
+              </a:rPr>
+              <a:t>)</a:t>
+            </a:r>
+            <a:r>
+              <a:rPr kumimoji="1" lang="ja-JP" altLang="en-US" sz="2800" dirty="0">
+                <a:latin typeface="BIZ UDPゴシック" panose="020B0400000000000000" pitchFamily="50" charset="-128"/>
+                <a:ea typeface="BIZ UDPゴシック" panose="020B0400000000000000" pitchFamily="50" charset="-128"/>
+              </a:rPr>
+              <a:t>方式</a:t>
+            </a:r>
+            <a:r>
+              <a:rPr kumimoji="1" lang="en-US" altLang="ja-JP" sz="2800" dirty="0">
+                <a:latin typeface="BIZ UDPゴシック" panose="020B0400000000000000" pitchFamily="50" charset="-128"/>
+                <a:ea typeface="BIZ UDPゴシック" panose="020B0400000000000000" pitchFamily="50" charset="-128"/>
+              </a:rPr>
+              <a:t>)</a:t>
+            </a:r>
+            <a:endParaRPr kumimoji="1" lang="ja-JP" altLang="en-US" sz="2800" dirty="0">
+              <a:latin typeface="BIZ UDPゴシック" panose="020B0400000000000000" pitchFamily="50" charset="-128"/>
+              <a:ea typeface="BIZ UDPゴシック" panose="020B0400000000000000" pitchFamily="50" charset="-128"/>
+            </a:endParaRPr>
+          </a:p>
+        </p:txBody>
+      </p:sp>
+      <p:sp>
+        <p:nvSpPr>
+          <p:cNvPr id="9" name="テキスト ボックス 8">
+            <a:extLst>
+              <a:ext uri="{FF2B5EF4-FFF2-40B4-BE49-F238E27FC236}">
+                <a16:creationId xmlns:a16="http://schemas.microsoft.com/office/drawing/2014/main" id="{76A9D0F4-E549-412E-9980-084269A328E3}"/>
+              </a:ext>
+            </a:extLst>
+          </p:cNvPr>
+          <p:cNvSpPr txBox="1"/>
+          <p:nvPr/>
+        </p:nvSpPr>
+        <p:spPr>
+          <a:xfrm>
+            <a:off x="770964" y="1666999"/>
+            <a:ext cx="1999130" cy="646331"/>
+          </a:xfrm>
+          <a:prstGeom prst="rect">
+            <a:avLst/>
+          </a:prstGeom>
+          <a:noFill/>
+        </p:spPr>
+        <p:txBody>
+          <a:bodyPr wrap="square" rtlCol="0">
+            <a:spAutoFit/>
+          </a:bodyPr>
+          <a:lstStyle/>
+          <a:p>
+            <a:r>
+              <a:rPr kumimoji="1" lang="ja-JP" altLang="en-US" sz="3600" dirty="0">
+                <a:latin typeface="BIZ UDPゴシック" panose="020B0400000000000000" pitchFamily="50" charset="-128"/>
+                <a:ea typeface="BIZ UDPゴシック" panose="020B0400000000000000" pitchFamily="50" charset="-128"/>
+              </a:rPr>
+              <a:t>欠点②</a:t>
+            </a:r>
+          </a:p>
+        </p:txBody>
+      </p:sp>
     </p:spTree>
     <p:extLst>
       <p:ext uri="{BB962C8B-B14F-4D97-AF65-F5344CB8AC3E}">
-        <p14:creationId xmlns:p14="http://schemas.microsoft.com/office/powerpoint/2010/main" val="3830832976"/>
+        <p14:creationId xmlns:p14="http://schemas.microsoft.com/office/powerpoint/2010/main" val="399282258"/>
       </p:ext>
     </p:extLst>
   </p:cSld>
@@ -10059,6 +10645,46 @@
 </file>
 
 <file path=ppt/tags/tag26.xml><?xml version="1.0" encoding="utf-8"?>
+<p:tagLst xmlns:a="http://schemas.openxmlformats.org/drawingml/2006/main" xmlns:r="http://schemas.openxmlformats.org/officeDocument/2006/relationships" xmlns:p="http://schemas.openxmlformats.org/presentationml/2006/main">
+  <p:tag name="OUTPUTDPI" val="1200"/>
+  <p:tag name="ORIGINALHEIGHT" val="115.5161"/>
+  <p:tag name="ORIGINALWIDTH" val="1041.145"/>
+  <p:tag name="OUTPUTTYPE" val="PNG"/>
+  <p:tag name="IGUANATEXVERSION" val="160"/>
+  <p:tag name="LATEXADDIN" val="\documentclass{jsarticle}&#10;\usepackage{amsmath}&#10;\usepackage[T1]{fontenc}&#10;\usepackage{lmodern}&#10;\pagestyle{empty}&#10;&#10;\begin{document}&#10;\begin{align*}&#10;y_1 = h_{11}S_1 + h_{12}S_2&#10;\end{align*}&#10;&#10;\end{document}"/>
+  <p:tag name="IGUANATEXSIZE" val="60"/>
+  <p:tag name="IGUANATEXCURSOR" val="157"/>
+  <p:tag name="TRANSPARENCY" val="True"/>
+  <p:tag name="LATEXENGINEID" val="4"/>
+  <p:tag name="TEMPFOLDER" val="c:\temp\"/>
+  <p:tag name="LATEXFORMHEIGHT" val="320"/>
+  <p:tag name="LATEXFORMWIDTH" val="385"/>
+  <p:tag name="LATEXFORMWRAP" val="True"/>
+  <p:tag name="BITMAPVECTOR" val="0"/>
+</p:tagLst>
+</file>
+
+<file path=ppt/tags/tag27.xml><?xml version="1.0" encoding="utf-8"?>
+<p:tagLst xmlns:a="http://schemas.openxmlformats.org/drawingml/2006/main" xmlns:r="http://schemas.openxmlformats.org/officeDocument/2006/relationships" xmlns:p="http://schemas.openxmlformats.org/presentationml/2006/main">
+  <p:tag name="OUTPUTDPI" val="1200"/>
+  <p:tag name="ORIGINALHEIGHT" val="115.5161"/>
+  <p:tag name="ORIGINALWIDTH" val="1041.145"/>
+  <p:tag name="OUTPUTTYPE" val="PNG"/>
+  <p:tag name="IGUANATEXVERSION" val="160"/>
+  <p:tag name="LATEXADDIN" val="\documentclass{jsarticle}&#10;\usepackage{amsmath}&#10;\usepackage[T1]{fontenc}&#10;\usepackage{lmodern}&#10;\pagestyle{empty}&#10;&#10;\begin{document}&#10;\begin{align*}&#10;y_2 = h_{21}S_1 + h_{22}S_2&#10;\end{align*}&#10;&#10;\end{document}"/>
+  <p:tag name="IGUANATEXSIZE" val="60"/>
+  <p:tag name="IGUANATEXCURSOR" val="157"/>
+  <p:tag name="TRANSPARENCY" val="True"/>
+  <p:tag name="LATEXENGINEID" val="4"/>
+  <p:tag name="TEMPFOLDER" val="c:\temp\"/>
+  <p:tag name="LATEXFORMHEIGHT" val="320"/>
+  <p:tag name="LATEXFORMWIDTH" val="385"/>
+  <p:tag name="LATEXFORMWRAP" val="True"/>
+  <p:tag name="BITMAPVECTOR" val="0"/>
+</p:tagLst>
+</file>
+
+<file path=ppt/tags/tag28.xml><?xml version="1.0" encoding="utf-8"?>
 <p:tagLst xmlns:a="http://schemas.openxmlformats.org/drawingml/2006/main" xmlns:r="http://schemas.openxmlformats.org/officeDocument/2006/relationships" xmlns:p="http://schemas.openxmlformats.org/presentationml/2006/main">
   <p:tag name="OUTPUTDPI" val="1200"/>
   <p:tag name="ORIGINALHEIGHT" val="301.5421"/>
@@ -10809,6 +11435,21 @@
 </file>
 
 <file path=customXml/item1.xml><?xml version="1.0" encoding="utf-8"?>
+<p:properties xmlns:p="http://schemas.microsoft.com/office/2006/metadata/properties" xmlns:xsi="http://www.w3.org/2001/XMLSchema-instance" xmlns:pc="http://schemas.microsoft.com/office/infopath/2007/PartnerControls">
+  <documentManagement/>
+</p:properties>
+</file>
+
+<file path=customXml/item2.xml><?xml version="1.0" encoding="utf-8"?>
+<?mso-contentType ?>
+<FormTemplates xmlns="http://schemas.microsoft.com/sharepoint/v3/contenttype/forms">
+  <Display>DocumentLibraryForm</Display>
+  <Edit>DocumentLibraryForm</Edit>
+  <New>DocumentLibraryForm</New>
+</FormTemplates>
+</file>
+
+<file path=customXml/item3.xml><?xml version="1.0" encoding="utf-8"?>
 <ct:contentTypeSchema xmlns:ct="http://schemas.microsoft.com/office/2006/metadata/contentType" xmlns:ma="http://schemas.microsoft.com/office/2006/metadata/properties/metaAttributes" ct:_="" ma:_="" ma:contentTypeName="ドキュメント" ma:contentTypeID="0x0101003E09FD1B8D620F4DB701D846A58777FF" ma:contentTypeVersion="9" ma:contentTypeDescription="新しいドキュメントを作成します。" ma:contentTypeScope="" ma:versionID="60e7aa87c0704c541e6c160bd3c5db05">
   <xsd:schema xmlns:xsd="http://www.w3.org/2001/XMLSchema" xmlns:xs="http://www.w3.org/2001/XMLSchema" xmlns:p="http://schemas.microsoft.com/office/2006/metadata/properties" xmlns:ns3="f87cc323-2a07-4ed0-aeeb-f3753cc5f677" targetNamespace="http://schemas.microsoft.com/office/2006/metadata/properties" ma:root="true" ma:fieldsID="da0458dd451b34878066f88f08e4832d" ns3:_="">
     <xsd:import namespace="f87cc323-2a07-4ed0-aeeb-f3753cc5f677"/>
@@ -10986,22 +11627,31 @@
 </ct:contentTypeSchema>
 </file>
 
-<file path=customXml/item2.xml><?xml version="1.0" encoding="utf-8"?>
-<?mso-contentType ?>
-<FormTemplates xmlns="http://schemas.microsoft.com/sharepoint/v3/contenttype/forms">
-  <Display>DocumentLibraryForm</Display>
-  <Edit>DocumentLibraryForm</Edit>
-  <New>DocumentLibraryForm</New>
-</FormTemplates>
+<file path=customXml/itemProps1.xml><?xml version="1.0" encoding="utf-8"?>
+<ds:datastoreItem xmlns:ds="http://schemas.openxmlformats.org/officeDocument/2006/customXml" ds:itemID="{17B66297-64A9-434F-A9C4-AC880F8D2C36}">
+  <ds:schemaRefs>
+    <ds:schemaRef ds:uri="http://schemas.microsoft.com/office/infopath/2007/PartnerControls"/>
+    <ds:schemaRef ds:uri="http://purl.org/dc/dcmitype/"/>
+    <ds:schemaRef ds:uri="f87cc323-2a07-4ed0-aeeb-f3753cc5f677"/>
+    <ds:schemaRef ds:uri="http://schemas.microsoft.com/office/2006/metadata/properties"/>
+    <ds:schemaRef ds:uri="http://purl.org/dc/elements/1.1/"/>
+    <ds:schemaRef ds:uri="http://schemas.microsoft.com/office/2006/documentManagement/types"/>
+    <ds:schemaRef ds:uri="http://schemas.openxmlformats.org/package/2006/metadata/core-properties"/>
+    <ds:schemaRef ds:uri="http://www.w3.org/XML/1998/namespace"/>
+    <ds:schemaRef ds:uri="http://purl.org/dc/terms/"/>
+  </ds:schemaRefs>
+</ds:datastoreItem>
 </file>
 
-<file path=customXml/item3.xml><?xml version="1.0" encoding="utf-8"?>
-<p:properties xmlns:p="http://schemas.microsoft.com/office/2006/metadata/properties" xmlns:xsi="http://www.w3.org/2001/XMLSchema-instance" xmlns:pc="http://schemas.microsoft.com/office/infopath/2007/PartnerControls">
-  <documentManagement/>
-</p:properties>
+<file path=customXml/itemProps2.xml><?xml version="1.0" encoding="utf-8"?>
+<ds:datastoreItem xmlns:ds="http://schemas.openxmlformats.org/officeDocument/2006/customXml" ds:itemID="{4E94CB43-C64E-4EAA-BC17-53A937DD860B}">
+  <ds:schemaRefs>
+    <ds:schemaRef ds:uri="http://schemas.microsoft.com/sharepoint/v3/contenttype/forms"/>
+  </ds:schemaRefs>
+</ds:datastoreItem>
 </file>
 
-<file path=customXml/itemProps1.xml><?xml version="1.0" encoding="utf-8"?>
+<file path=customXml/itemProps3.xml><?xml version="1.0" encoding="utf-8"?>
 <ds:datastoreItem xmlns:ds="http://schemas.openxmlformats.org/officeDocument/2006/customXml" ds:itemID="{0C4384B0-02B3-4987-B987-A6A37AAF03FA}">
   <ds:schemaRefs>
     <ds:schemaRef ds:uri="http://schemas.microsoft.com/office/2006/metadata/contentType"/>
@@ -11017,28 +11667,4 @@
     <ds:schemaRef ds:uri="http://schemas.microsoft.com/internal/obd"/>
   </ds:schemaRefs>
 </ds:datastoreItem>
-</file>
-
-<file path=customXml/itemProps2.xml><?xml version="1.0" encoding="utf-8"?>
-<ds:datastoreItem xmlns:ds="http://schemas.openxmlformats.org/officeDocument/2006/customXml" ds:itemID="{4E94CB43-C64E-4EAA-BC17-53A937DD860B}">
-  <ds:schemaRefs>
-    <ds:schemaRef ds:uri="http://schemas.microsoft.com/sharepoint/v3/contenttype/forms"/>
-  </ds:schemaRefs>
-</ds:datastoreItem>
-</file>
-
-<file path=customXml/itemProps3.xml><?xml version="1.0" encoding="utf-8"?>
-<ds:datastoreItem xmlns:ds="http://schemas.openxmlformats.org/officeDocument/2006/customXml" ds:itemID="{17B66297-64A9-434F-A9C4-AC880F8D2C36}">
-  <ds:schemaRefs>
-    <ds:schemaRef ds:uri="http://schemas.microsoft.com/office/infopath/2007/PartnerControls"/>
-    <ds:schemaRef ds:uri="http://purl.org/dc/dcmitype/"/>
-    <ds:schemaRef ds:uri="f87cc323-2a07-4ed0-aeeb-f3753cc5f677"/>
-    <ds:schemaRef ds:uri="http://schemas.microsoft.com/office/2006/metadata/properties"/>
-    <ds:schemaRef ds:uri="http://purl.org/dc/elements/1.1/"/>
-    <ds:schemaRef ds:uri="http://schemas.microsoft.com/office/2006/documentManagement/types"/>
-    <ds:schemaRef ds:uri="http://schemas.openxmlformats.org/package/2006/metadata/core-properties"/>
-    <ds:schemaRef ds:uri="http://www.w3.org/XML/1998/namespace"/>
-    <ds:schemaRef ds:uri="http://purl.org/dc/terms/"/>
-  </ds:schemaRefs>
-</ds:datastoreItem>
 </file>
--- a/MIMO/MIMO.pptx
+++ b/MIMO/MIMO.pptx
@@ -204,7 +204,7 @@
           <a:p>
             <a:fld id="{87B08007-3016-41B8-A6D4-635B6C3D3F2E}" type="datetimeFigureOut">
               <a:rPr kumimoji="1" lang="ja-JP" altLang="en-US" smtClean="0"/>
-              <a:t>2023/10/18</a:t>
+              <a:t>2023/10/20</a:t>
             </a:fld>
             <a:endParaRPr kumimoji="1" lang="ja-JP" altLang="en-US"/>
           </a:p>
@@ -836,7 +836,7 @@
           <a:p>
             <a:fld id="{DCA8FC1D-0B60-4E08-BE25-207F91D8C37B}" type="datetimeFigureOut">
               <a:rPr kumimoji="1" lang="ja-JP" altLang="en-US" smtClean="0"/>
-              <a:t>2023/10/18</a:t>
+              <a:t>2023/10/20</a:t>
             </a:fld>
             <a:endParaRPr kumimoji="1" lang="ja-JP" altLang="en-US"/>
           </a:p>
@@ -1066,7 +1066,7 @@
           <a:p>
             <a:fld id="{DCA8FC1D-0B60-4E08-BE25-207F91D8C37B}" type="datetimeFigureOut">
               <a:rPr kumimoji="1" lang="ja-JP" altLang="en-US" smtClean="0"/>
-              <a:t>2023/10/18</a:t>
+              <a:t>2023/10/20</a:t>
             </a:fld>
             <a:endParaRPr kumimoji="1" lang="ja-JP" altLang="en-US"/>
           </a:p>
@@ -1306,7 +1306,7 @@
           <a:p>
             <a:fld id="{DCA8FC1D-0B60-4E08-BE25-207F91D8C37B}" type="datetimeFigureOut">
               <a:rPr kumimoji="1" lang="ja-JP" altLang="en-US" smtClean="0"/>
-              <a:t>2023/10/18</a:t>
+              <a:t>2023/10/20</a:t>
             </a:fld>
             <a:endParaRPr kumimoji="1" lang="ja-JP" altLang="en-US"/>
           </a:p>
@@ -1536,7 +1536,7 @@
           <a:p>
             <a:fld id="{DCA8FC1D-0B60-4E08-BE25-207F91D8C37B}" type="datetimeFigureOut">
               <a:rPr kumimoji="1" lang="ja-JP" altLang="en-US" smtClean="0"/>
-              <a:t>2023/10/18</a:t>
+              <a:t>2023/10/20</a:t>
             </a:fld>
             <a:endParaRPr kumimoji="1" lang="ja-JP" altLang="en-US"/>
           </a:p>
@@ -1811,7 +1811,7 @@
           <a:p>
             <a:fld id="{DCA8FC1D-0B60-4E08-BE25-207F91D8C37B}" type="datetimeFigureOut">
               <a:rPr kumimoji="1" lang="ja-JP" altLang="en-US" smtClean="0"/>
-              <a:t>2023/10/18</a:t>
+              <a:t>2023/10/20</a:t>
             </a:fld>
             <a:endParaRPr kumimoji="1" lang="ja-JP" altLang="en-US"/>
           </a:p>
@@ -2140,7 +2140,7 @@
           <a:p>
             <a:fld id="{DCA8FC1D-0B60-4E08-BE25-207F91D8C37B}" type="datetimeFigureOut">
               <a:rPr kumimoji="1" lang="ja-JP" altLang="en-US" smtClean="0"/>
-              <a:t>2023/10/18</a:t>
+              <a:t>2023/10/20</a:t>
             </a:fld>
             <a:endParaRPr kumimoji="1" lang="ja-JP" altLang="en-US"/>
           </a:p>
@@ -2616,7 +2616,7 @@
           <a:p>
             <a:fld id="{DCA8FC1D-0B60-4E08-BE25-207F91D8C37B}" type="datetimeFigureOut">
               <a:rPr kumimoji="1" lang="ja-JP" altLang="en-US" smtClean="0"/>
-              <a:t>2023/10/18</a:t>
+              <a:t>2023/10/20</a:t>
             </a:fld>
             <a:endParaRPr kumimoji="1" lang="ja-JP" altLang="en-US"/>
           </a:p>
@@ -2757,7 +2757,7 @@
           <a:p>
             <a:fld id="{DCA8FC1D-0B60-4E08-BE25-207F91D8C37B}" type="datetimeFigureOut">
               <a:rPr kumimoji="1" lang="ja-JP" altLang="en-US" smtClean="0"/>
-              <a:t>2023/10/18</a:t>
+              <a:t>2023/10/20</a:t>
             </a:fld>
             <a:endParaRPr kumimoji="1" lang="ja-JP" altLang="en-US"/>
           </a:p>
@@ -2870,7 +2870,7 @@
           <a:p>
             <a:fld id="{DCA8FC1D-0B60-4E08-BE25-207F91D8C37B}" type="datetimeFigureOut">
               <a:rPr kumimoji="1" lang="ja-JP" altLang="en-US" smtClean="0"/>
-              <a:t>2023/10/18</a:t>
+              <a:t>2023/10/20</a:t>
             </a:fld>
             <a:endParaRPr kumimoji="1" lang="ja-JP" altLang="en-US"/>
           </a:p>
@@ -3213,7 +3213,7 @@
           <a:p>
             <a:fld id="{DCA8FC1D-0B60-4E08-BE25-207F91D8C37B}" type="datetimeFigureOut">
               <a:rPr kumimoji="1" lang="ja-JP" altLang="en-US" smtClean="0"/>
-              <a:t>2023/10/18</a:t>
+              <a:t>2023/10/20</a:t>
             </a:fld>
             <a:endParaRPr kumimoji="1" lang="ja-JP" altLang="en-US"/>
           </a:p>
@@ -3501,7 +3501,7 @@
           <a:p>
             <a:fld id="{DCA8FC1D-0B60-4E08-BE25-207F91D8C37B}" type="datetimeFigureOut">
               <a:rPr kumimoji="1" lang="ja-JP" altLang="en-US" smtClean="0"/>
-              <a:t>2023/10/18</a:t>
+              <a:t>2023/10/20</a:t>
             </a:fld>
             <a:endParaRPr kumimoji="1" lang="ja-JP" altLang="en-US"/>
           </a:p>
@@ -3774,7 +3774,7 @@
           <a:p>
             <a:fld id="{DCA8FC1D-0B60-4E08-BE25-207F91D8C37B}" type="datetimeFigureOut">
               <a:rPr kumimoji="1" lang="ja-JP" altLang="en-US" smtClean="0"/>
-              <a:t>2023/10/18</a:t>
+              <a:t>2023/10/20</a:t>
             </a:fld>
             <a:endParaRPr kumimoji="1" lang="ja-JP" altLang="en-US"/>
           </a:p>
@@ -11435,21 +11435,6 @@
 </file>
 
 <file path=customXml/item1.xml><?xml version="1.0" encoding="utf-8"?>
-<p:properties xmlns:p="http://schemas.microsoft.com/office/2006/metadata/properties" xmlns:xsi="http://www.w3.org/2001/XMLSchema-instance" xmlns:pc="http://schemas.microsoft.com/office/infopath/2007/PartnerControls">
-  <documentManagement/>
-</p:properties>
-</file>
-
-<file path=customXml/item2.xml><?xml version="1.0" encoding="utf-8"?>
-<?mso-contentType ?>
-<FormTemplates xmlns="http://schemas.microsoft.com/sharepoint/v3/contenttype/forms">
-  <Display>DocumentLibraryForm</Display>
-  <Edit>DocumentLibraryForm</Edit>
-  <New>DocumentLibraryForm</New>
-</FormTemplates>
-</file>
-
-<file path=customXml/item3.xml><?xml version="1.0" encoding="utf-8"?>
 <ct:contentTypeSchema xmlns:ct="http://schemas.microsoft.com/office/2006/metadata/contentType" xmlns:ma="http://schemas.microsoft.com/office/2006/metadata/properties/metaAttributes" ct:_="" ma:_="" ma:contentTypeName="ドキュメント" ma:contentTypeID="0x0101003E09FD1B8D620F4DB701D846A58777FF" ma:contentTypeVersion="9" ma:contentTypeDescription="新しいドキュメントを作成します。" ma:contentTypeScope="" ma:versionID="60e7aa87c0704c541e6c160bd3c5db05">
   <xsd:schema xmlns:xsd="http://www.w3.org/2001/XMLSchema" xmlns:xs="http://www.w3.org/2001/XMLSchema" xmlns:p="http://schemas.microsoft.com/office/2006/metadata/properties" xmlns:ns3="f87cc323-2a07-4ed0-aeeb-f3753cc5f677" targetNamespace="http://schemas.microsoft.com/office/2006/metadata/properties" ma:root="true" ma:fieldsID="da0458dd451b34878066f88f08e4832d" ns3:_="">
     <xsd:import namespace="f87cc323-2a07-4ed0-aeeb-f3753cc5f677"/>
@@ -11627,31 +11612,22 @@
 </ct:contentTypeSchema>
 </file>
 
-<file path=customXml/itemProps1.xml><?xml version="1.0" encoding="utf-8"?>
-<ds:datastoreItem xmlns:ds="http://schemas.openxmlformats.org/officeDocument/2006/customXml" ds:itemID="{17B66297-64A9-434F-A9C4-AC880F8D2C36}">
-  <ds:schemaRefs>
-    <ds:schemaRef ds:uri="http://schemas.microsoft.com/office/infopath/2007/PartnerControls"/>
-    <ds:schemaRef ds:uri="http://purl.org/dc/dcmitype/"/>
-    <ds:schemaRef ds:uri="f87cc323-2a07-4ed0-aeeb-f3753cc5f677"/>
-    <ds:schemaRef ds:uri="http://schemas.microsoft.com/office/2006/metadata/properties"/>
-    <ds:schemaRef ds:uri="http://purl.org/dc/elements/1.1/"/>
-    <ds:schemaRef ds:uri="http://schemas.microsoft.com/office/2006/documentManagement/types"/>
-    <ds:schemaRef ds:uri="http://schemas.openxmlformats.org/package/2006/metadata/core-properties"/>
-    <ds:schemaRef ds:uri="http://www.w3.org/XML/1998/namespace"/>
-    <ds:schemaRef ds:uri="http://purl.org/dc/terms/"/>
-  </ds:schemaRefs>
-</ds:datastoreItem>
+<file path=customXml/item2.xml><?xml version="1.0" encoding="utf-8"?>
+<?mso-contentType ?>
+<FormTemplates xmlns="http://schemas.microsoft.com/sharepoint/v3/contenttype/forms">
+  <Display>DocumentLibraryForm</Display>
+  <Edit>DocumentLibraryForm</Edit>
+  <New>DocumentLibraryForm</New>
+</FormTemplates>
 </file>
 
-<file path=customXml/itemProps2.xml><?xml version="1.0" encoding="utf-8"?>
-<ds:datastoreItem xmlns:ds="http://schemas.openxmlformats.org/officeDocument/2006/customXml" ds:itemID="{4E94CB43-C64E-4EAA-BC17-53A937DD860B}">
-  <ds:schemaRefs>
-    <ds:schemaRef ds:uri="http://schemas.microsoft.com/sharepoint/v3/contenttype/forms"/>
-  </ds:schemaRefs>
-</ds:datastoreItem>
+<file path=customXml/item3.xml><?xml version="1.0" encoding="utf-8"?>
+<p:properties xmlns:p="http://schemas.microsoft.com/office/2006/metadata/properties" xmlns:xsi="http://www.w3.org/2001/XMLSchema-instance" xmlns:pc="http://schemas.microsoft.com/office/infopath/2007/PartnerControls">
+  <documentManagement/>
+</p:properties>
 </file>
 
-<file path=customXml/itemProps3.xml><?xml version="1.0" encoding="utf-8"?>
+<file path=customXml/itemProps1.xml><?xml version="1.0" encoding="utf-8"?>
 <ds:datastoreItem xmlns:ds="http://schemas.openxmlformats.org/officeDocument/2006/customXml" ds:itemID="{0C4384B0-02B3-4987-B987-A6A37AAF03FA}">
   <ds:schemaRefs>
     <ds:schemaRef ds:uri="http://schemas.microsoft.com/office/2006/metadata/contentType"/>
@@ -11667,4 +11643,28 @@
     <ds:schemaRef ds:uri="http://schemas.microsoft.com/internal/obd"/>
   </ds:schemaRefs>
 </ds:datastoreItem>
+</file>
+
+<file path=customXml/itemProps2.xml><?xml version="1.0" encoding="utf-8"?>
+<ds:datastoreItem xmlns:ds="http://schemas.openxmlformats.org/officeDocument/2006/customXml" ds:itemID="{4E94CB43-C64E-4EAA-BC17-53A937DD860B}">
+  <ds:schemaRefs>
+    <ds:schemaRef ds:uri="http://schemas.microsoft.com/sharepoint/v3/contenttype/forms"/>
+  </ds:schemaRefs>
+</ds:datastoreItem>
+</file>
+
+<file path=customXml/itemProps3.xml><?xml version="1.0" encoding="utf-8"?>
+<ds:datastoreItem xmlns:ds="http://schemas.openxmlformats.org/officeDocument/2006/customXml" ds:itemID="{17B66297-64A9-434F-A9C4-AC880F8D2C36}">
+  <ds:schemaRefs>
+    <ds:schemaRef ds:uri="http://schemas.microsoft.com/office/infopath/2007/PartnerControls"/>
+    <ds:schemaRef ds:uri="http://purl.org/dc/dcmitype/"/>
+    <ds:schemaRef ds:uri="f87cc323-2a07-4ed0-aeeb-f3753cc5f677"/>
+    <ds:schemaRef ds:uri="http://schemas.microsoft.com/office/2006/metadata/properties"/>
+    <ds:schemaRef ds:uri="http://purl.org/dc/elements/1.1/"/>
+    <ds:schemaRef ds:uri="http://schemas.microsoft.com/office/2006/documentManagement/types"/>
+    <ds:schemaRef ds:uri="http://schemas.openxmlformats.org/package/2006/metadata/core-properties"/>
+    <ds:schemaRef ds:uri="http://www.w3.org/XML/1998/namespace"/>
+    <ds:schemaRef ds:uri="http://purl.org/dc/terms/"/>
+  </ds:schemaRefs>
+</ds:datastoreItem>
 </file>
--- a/MIMO/MIMO.pptx
+++ b/MIMO/MIMO.pptx
@@ -204,7 +204,7 @@
           <a:p>
             <a:fld id="{87B08007-3016-41B8-A6D4-635B6C3D3F2E}" type="datetimeFigureOut">
               <a:rPr kumimoji="1" lang="ja-JP" altLang="en-US" smtClean="0"/>
-              <a:t>2023/10/20</a:t>
+              <a:t>2023/10/24</a:t>
             </a:fld>
             <a:endParaRPr kumimoji="1" lang="ja-JP" altLang="en-US"/>
           </a:p>
@@ -836,7 +836,7 @@
           <a:p>
             <a:fld id="{DCA8FC1D-0B60-4E08-BE25-207F91D8C37B}" type="datetimeFigureOut">
               <a:rPr kumimoji="1" lang="ja-JP" altLang="en-US" smtClean="0"/>
-              <a:t>2023/10/20</a:t>
+              <a:t>2023/10/24</a:t>
             </a:fld>
             <a:endParaRPr kumimoji="1" lang="ja-JP" altLang="en-US"/>
           </a:p>
@@ -1066,7 +1066,7 @@
           <a:p>
             <a:fld id="{DCA8FC1D-0B60-4E08-BE25-207F91D8C37B}" type="datetimeFigureOut">
               <a:rPr kumimoji="1" lang="ja-JP" altLang="en-US" smtClean="0"/>
-              <a:t>2023/10/20</a:t>
+              <a:t>2023/10/24</a:t>
             </a:fld>
             <a:endParaRPr kumimoji="1" lang="ja-JP" altLang="en-US"/>
           </a:p>
@@ -1306,7 +1306,7 @@
           <a:p>
             <a:fld id="{DCA8FC1D-0B60-4E08-BE25-207F91D8C37B}" type="datetimeFigureOut">
               <a:rPr kumimoji="1" lang="ja-JP" altLang="en-US" smtClean="0"/>
-              <a:t>2023/10/20</a:t>
+              <a:t>2023/10/24</a:t>
             </a:fld>
             <a:endParaRPr kumimoji="1" lang="ja-JP" altLang="en-US"/>
           </a:p>
@@ -1536,7 +1536,7 @@
           <a:p>
             <a:fld id="{DCA8FC1D-0B60-4E08-BE25-207F91D8C37B}" type="datetimeFigureOut">
               <a:rPr kumimoji="1" lang="ja-JP" altLang="en-US" smtClean="0"/>
-              <a:t>2023/10/20</a:t>
+              <a:t>2023/10/24</a:t>
             </a:fld>
             <a:endParaRPr kumimoji="1" lang="ja-JP" altLang="en-US"/>
           </a:p>
@@ -1811,7 +1811,7 @@
           <a:p>
             <a:fld id="{DCA8FC1D-0B60-4E08-BE25-207F91D8C37B}" type="datetimeFigureOut">
               <a:rPr kumimoji="1" lang="ja-JP" altLang="en-US" smtClean="0"/>
-              <a:t>2023/10/20</a:t>
+              <a:t>2023/10/24</a:t>
             </a:fld>
             <a:endParaRPr kumimoji="1" lang="ja-JP" altLang="en-US"/>
           </a:p>
@@ -2140,7 +2140,7 @@
           <a:p>
             <a:fld id="{DCA8FC1D-0B60-4E08-BE25-207F91D8C37B}" type="datetimeFigureOut">
               <a:rPr kumimoji="1" lang="ja-JP" altLang="en-US" smtClean="0"/>
-              <a:t>2023/10/20</a:t>
+              <a:t>2023/10/24</a:t>
             </a:fld>
             <a:endParaRPr kumimoji="1" lang="ja-JP" altLang="en-US"/>
           </a:p>
@@ -2616,7 +2616,7 @@
           <a:p>
             <a:fld id="{DCA8FC1D-0B60-4E08-BE25-207F91D8C37B}" type="datetimeFigureOut">
               <a:rPr kumimoji="1" lang="ja-JP" altLang="en-US" smtClean="0"/>
-              <a:t>2023/10/20</a:t>
+              <a:t>2023/10/24</a:t>
             </a:fld>
             <a:endParaRPr kumimoji="1" lang="ja-JP" altLang="en-US"/>
           </a:p>
@@ -2757,7 +2757,7 @@
           <a:p>
             <a:fld id="{DCA8FC1D-0B60-4E08-BE25-207F91D8C37B}" type="datetimeFigureOut">
               <a:rPr kumimoji="1" lang="ja-JP" altLang="en-US" smtClean="0"/>
-              <a:t>2023/10/20</a:t>
+              <a:t>2023/10/24</a:t>
             </a:fld>
             <a:endParaRPr kumimoji="1" lang="ja-JP" altLang="en-US"/>
           </a:p>
@@ -2870,7 +2870,7 @@
           <a:p>
             <a:fld id="{DCA8FC1D-0B60-4E08-BE25-207F91D8C37B}" type="datetimeFigureOut">
               <a:rPr kumimoji="1" lang="ja-JP" altLang="en-US" smtClean="0"/>
-              <a:t>2023/10/20</a:t>
+              <a:t>2023/10/24</a:t>
             </a:fld>
             <a:endParaRPr kumimoji="1" lang="ja-JP" altLang="en-US"/>
           </a:p>
@@ -3213,7 +3213,7 @@
           <a:p>
             <a:fld id="{DCA8FC1D-0B60-4E08-BE25-207F91D8C37B}" type="datetimeFigureOut">
               <a:rPr kumimoji="1" lang="ja-JP" altLang="en-US" smtClean="0"/>
-              <a:t>2023/10/20</a:t>
+              <a:t>2023/10/24</a:t>
             </a:fld>
             <a:endParaRPr kumimoji="1" lang="ja-JP" altLang="en-US"/>
           </a:p>
@@ -3501,7 +3501,7 @@
           <a:p>
             <a:fld id="{DCA8FC1D-0B60-4E08-BE25-207F91D8C37B}" type="datetimeFigureOut">
               <a:rPr kumimoji="1" lang="ja-JP" altLang="en-US" smtClean="0"/>
-              <a:t>2023/10/20</a:t>
+              <a:t>2023/10/24</a:t>
             </a:fld>
             <a:endParaRPr kumimoji="1" lang="ja-JP" altLang="en-US"/>
           </a:p>
@@ -3774,7 +3774,7 @@
           <a:p>
             <a:fld id="{DCA8FC1D-0B60-4E08-BE25-207F91D8C37B}" type="datetimeFigureOut">
               <a:rPr kumimoji="1" lang="ja-JP" altLang="en-US" smtClean="0"/>
-              <a:t>2023/10/20</a:t>
+              <a:t>2023/10/24</a:t>
             </a:fld>
             <a:endParaRPr kumimoji="1" lang="ja-JP" altLang="en-US"/>
           </a:p>
@@ -11435,6 +11435,21 @@
 </file>
 
 <file path=customXml/item1.xml><?xml version="1.0" encoding="utf-8"?>
+<p:properties xmlns:p="http://schemas.microsoft.com/office/2006/metadata/properties" xmlns:xsi="http://www.w3.org/2001/XMLSchema-instance" xmlns:pc="http://schemas.microsoft.com/office/infopath/2007/PartnerControls">
+  <documentManagement/>
+</p:properties>
+</file>
+
+<file path=customXml/item2.xml><?xml version="1.0" encoding="utf-8"?>
+<?mso-contentType ?>
+<FormTemplates xmlns="http://schemas.microsoft.com/sharepoint/v3/contenttype/forms">
+  <Display>DocumentLibraryForm</Display>
+  <Edit>DocumentLibraryForm</Edit>
+  <New>DocumentLibraryForm</New>
+</FormTemplates>
+</file>
+
+<file path=customXml/item3.xml><?xml version="1.0" encoding="utf-8"?>
 <ct:contentTypeSchema xmlns:ct="http://schemas.microsoft.com/office/2006/metadata/contentType" xmlns:ma="http://schemas.microsoft.com/office/2006/metadata/properties/metaAttributes" ct:_="" ma:_="" ma:contentTypeName="ドキュメント" ma:contentTypeID="0x0101003E09FD1B8D620F4DB701D846A58777FF" ma:contentTypeVersion="9" ma:contentTypeDescription="新しいドキュメントを作成します。" ma:contentTypeScope="" ma:versionID="60e7aa87c0704c541e6c160bd3c5db05">
   <xsd:schema xmlns:xsd="http://www.w3.org/2001/XMLSchema" xmlns:xs="http://www.w3.org/2001/XMLSchema" xmlns:p="http://schemas.microsoft.com/office/2006/metadata/properties" xmlns:ns3="f87cc323-2a07-4ed0-aeeb-f3753cc5f677" targetNamespace="http://schemas.microsoft.com/office/2006/metadata/properties" ma:root="true" ma:fieldsID="da0458dd451b34878066f88f08e4832d" ns3:_="">
     <xsd:import namespace="f87cc323-2a07-4ed0-aeeb-f3753cc5f677"/>
@@ -11612,22 +11627,31 @@
 </ct:contentTypeSchema>
 </file>
 
-<file path=customXml/item2.xml><?xml version="1.0" encoding="utf-8"?>
-<?mso-contentType ?>
-<FormTemplates xmlns="http://schemas.microsoft.com/sharepoint/v3/contenttype/forms">
-  <Display>DocumentLibraryForm</Display>
-  <Edit>DocumentLibraryForm</Edit>
-  <New>DocumentLibraryForm</New>
-</FormTemplates>
+<file path=customXml/itemProps1.xml><?xml version="1.0" encoding="utf-8"?>
+<ds:datastoreItem xmlns:ds="http://schemas.openxmlformats.org/officeDocument/2006/customXml" ds:itemID="{17B66297-64A9-434F-A9C4-AC880F8D2C36}">
+  <ds:schemaRefs>
+    <ds:schemaRef ds:uri="http://schemas.microsoft.com/office/infopath/2007/PartnerControls"/>
+    <ds:schemaRef ds:uri="http://purl.org/dc/dcmitype/"/>
+    <ds:schemaRef ds:uri="f87cc323-2a07-4ed0-aeeb-f3753cc5f677"/>
+    <ds:schemaRef ds:uri="http://schemas.microsoft.com/office/2006/metadata/properties"/>
+    <ds:schemaRef ds:uri="http://purl.org/dc/elements/1.1/"/>
+    <ds:schemaRef ds:uri="http://schemas.microsoft.com/office/2006/documentManagement/types"/>
+    <ds:schemaRef ds:uri="http://schemas.openxmlformats.org/package/2006/metadata/core-properties"/>
+    <ds:schemaRef ds:uri="http://www.w3.org/XML/1998/namespace"/>
+    <ds:schemaRef ds:uri="http://purl.org/dc/terms/"/>
+  </ds:schemaRefs>
+</ds:datastoreItem>
 </file>
 
-<file path=customXml/item3.xml><?xml version="1.0" encoding="utf-8"?>
-<p:properties xmlns:p="http://schemas.microsoft.com/office/2006/metadata/properties" xmlns:xsi="http://www.w3.org/2001/XMLSchema-instance" xmlns:pc="http://schemas.microsoft.com/office/infopath/2007/PartnerControls">
-  <documentManagement/>
-</p:properties>
+<file path=customXml/itemProps2.xml><?xml version="1.0" encoding="utf-8"?>
+<ds:datastoreItem xmlns:ds="http://schemas.openxmlformats.org/officeDocument/2006/customXml" ds:itemID="{4E94CB43-C64E-4EAA-BC17-53A937DD860B}">
+  <ds:schemaRefs>
+    <ds:schemaRef ds:uri="http://schemas.microsoft.com/sharepoint/v3/contenttype/forms"/>
+  </ds:schemaRefs>
+</ds:datastoreItem>
 </file>
 
-<file path=customXml/itemProps1.xml><?xml version="1.0" encoding="utf-8"?>
+<file path=customXml/itemProps3.xml><?xml version="1.0" encoding="utf-8"?>
 <ds:datastoreItem xmlns:ds="http://schemas.openxmlformats.org/officeDocument/2006/customXml" ds:itemID="{0C4384B0-02B3-4987-B987-A6A37AAF03FA}">
   <ds:schemaRefs>
     <ds:schemaRef ds:uri="http://schemas.microsoft.com/office/2006/metadata/contentType"/>
@@ -11643,28 +11667,4 @@
     <ds:schemaRef ds:uri="http://schemas.microsoft.com/internal/obd"/>
   </ds:schemaRefs>
 </ds:datastoreItem>
-</file>
-
-<file path=customXml/itemProps2.xml><?xml version="1.0" encoding="utf-8"?>
-<ds:datastoreItem xmlns:ds="http://schemas.openxmlformats.org/officeDocument/2006/customXml" ds:itemID="{4E94CB43-C64E-4EAA-BC17-53A937DD860B}">
-  <ds:schemaRefs>
-    <ds:schemaRef ds:uri="http://schemas.microsoft.com/sharepoint/v3/contenttype/forms"/>
-  </ds:schemaRefs>
-</ds:datastoreItem>
-</file>
-
-<file path=customXml/itemProps3.xml><?xml version="1.0" encoding="utf-8"?>
-<ds:datastoreItem xmlns:ds="http://schemas.openxmlformats.org/officeDocument/2006/customXml" ds:itemID="{17B66297-64A9-434F-A9C4-AC880F8D2C36}">
-  <ds:schemaRefs>
-    <ds:schemaRef ds:uri="http://schemas.microsoft.com/office/infopath/2007/PartnerControls"/>
-    <ds:schemaRef ds:uri="http://purl.org/dc/dcmitype/"/>
-    <ds:schemaRef ds:uri="f87cc323-2a07-4ed0-aeeb-f3753cc5f677"/>
-    <ds:schemaRef ds:uri="http://schemas.microsoft.com/office/2006/metadata/properties"/>
-    <ds:schemaRef ds:uri="http://purl.org/dc/elements/1.1/"/>
-    <ds:schemaRef ds:uri="http://schemas.microsoft.com/office/2006/documentManagement/types"/>
-    <ds:schemaRef ds:uri="http://schemas.openxmlformats.org/package/2006/metadata/core-properties"/>
-    <ds:schemaRef ds:uri="http://www.w3.org/XML/1998/namespace"/>
-    <ds:schemaRef ds:uri="http://purl.org/dc/terms/"/>
-  </ds:schemaRefs>
-</ds:datastoreItem>
 </file>
--- a/MIMO/MIMO.pptx
+++ b/MIMO/MIMO.pptx
@@ -204,7 +204,7 @@
           <a:p>
             <a:fld id="{87B08007-3016-41B8-A6D4-635B6C3D3F2E}" type="datetimeFigureOut">
               <a:rPr kumimoji="1" lang="ja-JP" altLang="en-US" smtClean="0"/>
-              <a:t>2023/10/24</a:t>
+              <a:t>2023/11/22</a:t>
             </a:fld>
             <a:endParaRPr kumimoji="1" lang="ja-JP" altLang="en-US"/>
           </a:p>
@@ -836,7 +836,7 @@
           <a:p>
             <a:fld id="{DCA8FC1D-0B60-4E08-BE25-207F91D8C37B}" type="datetimeFigureOut">
               <a:rPr kumimoji="1" lang="ja-JP" altLang="en-US" smtClean="0"/>
-              <a:t>2023/10/24</a:t>
+              <a:t>2023/11/22</a:t>
             </a:fld>
             <a:endParaRPr kumimoji="1" lang="ja-JP" altLang="en-US"/>
           </a:p>
@@ -1066,7 +1066,7 @@
           <a:p>
             <a:fld id="{DCA8FC1D-0B60-4E08-BE25-207F91D8C37B}" type="datetimeFigureOut">
               <a:rPr kumimoji="1" lang="ja-JP" altLang="en-US" smtClean="0"/>
-              <a:t>2023/10/24</a:t>
+              <a:t>2023/11/22</a:t>
             </a:fld>
             <a:endParaRPr kumimoji="1" lang="ja-JP" altLang="en-US"/>
           </a:p>
@@ -1306,7 +1306,7 @@
           <a:p>
             <a:fld id="{DCA8FC1D-0B60-4E08-BE25-207F91D8C37B}" type="datetimeFigureOut">
               <a:rPr kumimoji="1" lang="ja-JP" altLang="en-US" smtClean="0"/>
-              <a:t>2023/10/24</a:t>
+              <a:t>2023/11/22</a:t>
             </a:fld>
             <a:endParaRPr kumimoji="1" lang="ja-JP" altLang="en-US"/>
           </a:p>
@@ -1536,7 +1536,7 @@
           <a:p>
             <a:fld id="{DCA8FC1D-0B60-4E08-BE25-207F91D8C37B}" type="datetimeFigureOut">
               <a:rPr kumimoji="1" lang="ja-JP" altLang="en-US" smtClean="0"/>
-              <a:t>2023/10/24</a:t>
+              <a:t>2023/11/22</a:t>
             </a:fld>
             <a:endParaRPr kumimoji="1" lang="ja-JP" altLang="en-US"/>
           </a:p>
@@ -1811,7 +1811,7 @@
           <a:p>
             <a:fld id="{DCA8FC1D-0B60-4E08-BE25-207F91D8C37B}" type="datetimeFigureOut">
               <a:rPr kumimoji="1" lang="ja-JP" altLang="en-US" smtClean="0"/>
-              <a:t>2023/10/24</a:t>
+              <a:t>2023/11/22</a:t>
             </a:fld>
             <a:endParaRPr kumimoji="1" lang="ja-JP" altLang="en-US"/>
           </a:p>
@@ -2140,7 +2140,7 @@
           <a:p>
             <a:fld id="{DCA8FC1D-0B60-4E08-BE25-207F91D8C37B}" type="datetimeFigureOut">
               <a:rPr kumimoji="1" lang="ja-JP" altLang="en-US" smtClean="0"/>
-              <a:t>2023/10/24</a:t>
+              <a:t>2023/11/22</a:t>
             </a:fld>
             <a:endParaRPr kumimoji="1" lang="ja-JP" altLang="en-US"/>
           </a:p>
@@ -2616,7 +2616,7 @@
           <a:p>
             <a:fld id="{DCA8FC1D-0B60-4E08-BE25-207F91D8C37B}" type="datetimeFigureOut">
               <a:rPr kumimoji="1" lang="ja-JP" altLang="en-US" smtClean="0"/>
-              <a:t>2023/10/24</a:t>
+              <a:t>2023/11/22</a:t>
             </a:fld>
             <a:endParaRPr kumimoji="1" lang="ja-JP" altLang="en-US"/>
           </a:p>
@@ -2757,7 +2757,7 @@
           <a:p>
             <a:fld id="{DCA8FC1D-0B60-4E08-BE25-207F91D8C37B}" type="datetimeFigureOut">
               <a:rPr kumimoji="1" lang="ja-JP" altLang="en-US" smtClean="0"/>
-              <a:t>2023/10/24</a:t>
+              <a:t>2023/11/22</a:t>
             </a:fld>
             <a:endParaRPr kumimoji="1" lang="ja-JP" altLang="en-US"/>
           </a:p>
@@ -2870,7 +2870,7 @@
           <a:p>
             <a:fld id="{DCA8FC1D-0B60-4E08-BE25-207F91D8C37B}" type="datetimeFigureOut">
               <a:rPr kumimoji="1" lang="ja-JP" altLang="en-US" smtClean="0"/>
-              <a:t>2023/10/24</a:t>
+              <a:t>2023/11/22</a:t>
             </a:fld>
             <a:endParaRPr kumimoji="1" lang="ja-JP" altLang="en-US"/>
           </a:p>
@@ -3213,7 +3213,7 @@
           <a:p>
             <a:fld id="{DCA8FC1D-0B60-4E08-BE25-207F91D8C37B}" type="datetimeFigureOut">
               <a:rPr kumimoji="1" lang="ja-JP" altLang="en-US" smtClean="0"/>
-              <a:t>2023/10/24</a:t>
+              <a:t>2023/11/22</a:t>
             </a:fld>
             <a:endParaRPr kumimoji="1" lang="ja-JP" altLang="en-US"/>
           </a:p>
@@ -3501,7 +3501,7 @@
           <a:p>
             <a:fld id="{DCA8FC1D-0B60-4E08-BE25-207F91D8C37B}" type="datetimeFigureOut">
               <a:rPr kumimoji="1" lang="ja-JP" altLang="en-US" smtClean="0"/>
-              <a:t>2023/10/24</a:t>
+              <a:t>2023/11/22</a:t>
             </a:fld>
             <a:endParaRPr kumimoji="1" lang="ja-JP" altLang="en-US"/>
           </a:p>
@@ -3774,7 +3774,7 @@
           <a:p>
             <a:fld id="{DCA8FC1D-0B60-4E08-BE25-207F91D8C37B}" type="datetimeFigureOut">
               <a:rPr kumimoji="1" lang="ja-JP" altLang="en-US" smtClean="0"/>
-              <a:t>2023/10/24</a:t>
+              <a:t>2023/11/22</a:t>
             </a:fld>
             <a:endParaRPr kumimoji="1" lang="ja-JP" altLang="en-US"/>
           </a:p>
@@ -5616,896 +5616,6 @@
           </a:p>
         </p:txBody>
       </p:sp>
-      <p:pic>
-        <p:nvPicPr>
-          <p:cNvPr id="11" name="グラフィックス 10">
-            <a:extLst>
-              <a:ext uri="{FF2B5EF4-FFF2-40B4-BE49-F238E27FC236}">
-                <a16:creationId xmlns:a16="http://schemas.microsoft.com/office/drawing/2014/main" id="{B892C53E-FA52-88E8-8A47-8C3904CCA9FF}"/>
-              </a:ext>
-            </a:extLst>
-          </p:cNvPr>
-          <p:cNvPicPr>
-            <a:picLocks noChangeAspect="1"/>
-          </p:cNvPicPr>
-          <p:nvPr/>
-        </p:nvPicPr>
-        <p:blipFill>
-          <a:blip r:embed="rId4">
-            <a:extLst>
-              <a:ext uri="{28A0092B-C50C-407E-A947-70E740481C1C}">
-                <a14:useLocalDpi xmlns:a14="http://schemas.microsoft.com/office/drawing/2010/main" val="0"/>
-              </a:ext>
-              <a:ext uri="{96DAC541-7B7A-43D3-8B79-37D633B846F1}">
-                <asvg:svgBlip xmlns:asvg="http://schemas.microsoft.com/office/drawing/2016/SVG/main" r:embed="rId5"/>
-              </a:ext>
-            </a:extLst>
-          </a:blip>
-          <a:srcRect/>
-          <a:stretch/>
-        </p:blipFill>
-        <p:spPr>
-          <a:xfrm>
-            <a:off x="1193469" y="1583598"/>
-            <a:ext cx="4076699" cy="4989394"/>
-          </a:xfrm>
-          <a:prstGeom prst="rect">
-            <a:avLst/>
-          </a:prstGeom>
-        </p:spPr>
-      </p:pic>
-      <p:sp>
-        <p:nvSpPr>
-          <p:cNvPr id="12" name="テキスト ボックス 11">
-            <a:extLst>
-              <a:ext uri="{FF2B5EF4-FFF2-40B4-BE49-F238E27FC236}">
-                <a16:creationId xmlns:a16="http://schemas.microsoft.com/office/drawing/2014/main" id="{A3D6AF1F-6FA8-02EC-60DE-45F6FCF5973B}"/>
-              </a:ext>
-            </a:extLst>
-          </p:cNvPr>
-          <p:cNvSpPr txBox="1"/>
-          <p:nvPr/>
-        </p:nvSpPr>
-        <p:spPr>
-          <a:xfrm>
-            <a:off x="625546" y="1502041"/>
-            <a:ext cx="663192" cy="369332"/>
-          </a:xfrm>
-          <a:prstGeom prst="rect">
-            <a:avLst/>
-          </a:prstGeom>
-          <a:noFill/>
-        </p:spPr>
-        <p:txBody>
-          <a:bodyPr wrap="square" rtlCol="0">
-            <a:spAutoFit/>
-          </a:bodyPr>
-          <a:lstStyle/>
-          <a:p>
-            <a:r>
-              <a:rPr kumimoji="1" lang="ja-JP" altLang="en-US" dirty="0">
-                <a:latin typeface="BIZ UDPゴシック" panose="020B0400000000000000" pitchFamily="50" charset="-128"/>
-                <a:ea typeface="BIZ UDPゴシック" panose="020B0400000000000000" pitchFamily="50" charset="-128"/>
-              </a:rPr>
-              <a:t>空間</a:t>
-            </a:r>
-          </a:p>
-        </p:txBody>
-      </p:sp>
-      <p:sp>
-        <p:nvSpPr>
-          <p:cNvPr id="13" name="テキスト ボックス 12">
-            <a:extLst>
-              <a:ext uri="{FF2B5EF4-FFF2-40B4-BE49-F238E27FC236}">
-                <a16:creationId xmlns:a16="http://schemas.microsoft.com/office/drawing/2014/main" id="{D6A7FC3F-1870-DD04-B10D-03BF9AC511BB}"/>
-              </a:ext>
-            </a:extLst>
-          </p:cNvPr>
-          <p:cNvSpPr txBox="1"/>
-          <p:nvPr/>
-        </p:nvSpPr>
-        <p:spPr>
-          <a:xfrm>
-            <a:off x="1167201" y="2310127"/>
-            <a:ext cx="689630" cy="276999"/>
-          </a:xfrm>
-          <a:prstGeom prst="rect">
-            <a:avLst/>
-          </a:prstGeom>
-          <a:noFill/>
-        </p:spPr>
-        <p:txBody>
-          <a:bodyPr wrap="square" rtlCol="0">
-            <a:spAutoFit/>
-          </a:bodyPr>
-          <a:lstStyle/>
-          <a:p>
-            <a:r>
-              <a:rPr kumimoji="1" lang="ja-JP" altLang="en-US" sz="1200" dirty="0">
-                <a:latin typeface="BIZ UDPゴシック" panose="020B0400000000000000" pitchFamily="50" charset="-128"/>
-                <a:ea typeface="BIZ UDPゴシック" panose="020B0400000000000000" pitchFamily="50" charset="-128"/>
-              </a:rPr>
-              <a:t>時間</a:t>
-            </a:r>
-          </a:p>
-        </p:txBody>
-      </p:sp>
-      <p:sp>
-        <p:nvSpPr>
-          <p:cNvPr id="14" name="テキスト ボックス 13">
-            <a:extLst>
-              <a:ext uri="{FF2B5EF4-FFF2-40B4-BE49-F238E27FC236}">
-                <a16:creationId xmlns:a16="http://schemas.microsoft.com/office/drawing/2014/main" id="{9D1A7E9A-95AB-046B-BD2B-1E750D505A5E}"/>
-              </a:ext>
-            </a:extLst>
-          </p:cNvPr>
-          <p:cNvSpPr txBox="1"/>
-          <p:nvPr/>
-        </p:nvSpPr>
-        <p:spPr>
-          <a:xfrm>
-            <a:off x="5178337" y="6294891"/>
-            <a:ext cx="888407" cy="369332"/>
-          </a:xfrm>
-          <a:prstGeom prst="rect">
-            <a:avLst/>
-          </a:prstGeom>
-          <a:noFill/>
-        </p:spPr>
-        <p:txBody>
-          <a:bodyPr wrap="square" rtlCol="0">
-            <a:spAutoFit/>
-          </a:bodyPr>
-          <a:lstStyle/>
-          <a:p>
-            <a:r>
-              <a:rPr lang="ja-JP" altLang="en-US" dirty="0">
-                <a:latin typeface="BIZ UDPゴシック" panose="020B0400000000000000" pitchFamily="50" charset="-128"/>
-                <a:ea typeface="BIZ UDPゴシック" panose="020B0400000000000000" pitchFamily="50" charset="-128"/>
-              </a:rPr>
-              <a:t>周波数</a:t>
-            </a:r>
-            <a:endParaRPr kumimoji="1" lang="ja-JP" altLang="en-US" dirty="0">
-              <a:latin typeface="BIZ UDPゴシック" panose="020B0400000000000000" pitchFamily="50" charset="-128"/>
-              <a:ea typeface="BIZ UDPゴシック" panose="020B0400000000000000" pitchFamily="50" charset="-128"/>
-            </a:endParaRPr>
-          </a:p>
-        </p:txBody>
-      </p:sp>
-      <p:sp>
-        <p:nvSpPr>
-          <p:cNvPr id="15" name="テキスト ボックス 14">
-            <a:extLst>
-              <a:ext uri="{FF2B5EF4-FFF2-40B4-BE49-F238E27FC236}">
-                <a16:creationId xmlns:a16="http://schemas.microsoft.com/office/drawing/2014/main" id="{7D5BF695-07B4-64D9-8F06-3C651A1D9A6A}"/>
-              </a:ext>
-            </a:extLst>
-          </p:cNvPr>
-          <p:cNvSpPr txBox="1"/>
-          <p:nvPr/>
-        </p:nvSpPr>
-        <p:spPr>
-          <a:xfrm>
-            <a:off x="957142" y="2658242"/>
-            <a:ext cx="689630" cy="307777"/>
-          </a:xfrm>
-          <a:prstGeom prst="rect">
-            <a:avLst/>
-          </a:prstGeom>
-          <a:noFill/>
-        </p:spPr>
-        <p:txBody>
-          <a:bodyPr wrap="square" rtlCol="0">
-            <a:spAutoFit/>
-          </a:bodyPr>
-          <a:lstStyle/>
-          <a:p>
-            <a:r>
-              <a:rPr lang="en-US" altLang="ja-JP" sz="1400" dirty="0">
-                <a:latin typeface="BIZ UDPゴシック" panose="020B0400000000000000" pitchFamily="50" charset="-128"/>
-                <a:ea typeface="BIZ UDPゴシック" panose="020B0400000000000000" pitchFamily="50" charset="-128"/>
-              </a:rPr>
-              <a:t>4</a:t>
-            </a:r>
-            <a:endParaRPr kumimoji="1" lang="ja-JP" altLang="en-US" sz="1400" dirty="0">
-              <a:latin typeface="BIZ UDPゴシック" panose="020B0400000000000000" pitchFamily="50" charset="-128"/>
-              <a:ea typeface="BIZ UDPゴシック" panose="020B0400000000000000" pitchFamily="50" charset="-128"/>
-            </a:endParaRPr>
-          </a:p>
-        </p:txBody>
-      </p:sp>
-      <p:sp>
-        <p:nvSpPr>
-          <p:cNvPr id="16" name="テキスト ボックス 15">
-            <a:extLst>
-              <a:ext uri="{FF2B5EF4-FFF2-40B4-BE49-F238E27FC236}">
-                <a16:creationId xmlns:a16="http://schemas.microsoft.com/office/drawing/2014/main" id="{D4D45F52-1383-E112-EA8F-7F7FDEC619ED}"/>
-              </a:ext>
-            </a:extLst>
-          </p:cNvPr>
-          <p:cNvSpPr txBox="1"/>
-          <p:nvPr/>
-        </p:nvSpPr>
-        <p:spPr>
-          <a:xfrm>
-            <a:off x="957142" y="6281271"/>
-            <a:ext cx="689630" cy="307777"/>
-          </a:xfrm>
-          <a:prstGeom prst="rect">
-            <a:avLst/>
-          </a:prstGeom>
-          <a:noFill/>
-        </p:spPr>
-        <p:txBody>
-          <a:bodyPr wrap="square" rtlCol="0">
-            <a:spAutoFit/>
-          </a:bodyPr>
-          <a:lstStyle/>
-          <a:p>
-            <a:r>
-              <a:rPr lang="en-US" altLang="ja-JP" sz="1400" dirty="0">
-                <a:latin typeface="BIZ UDPゴシック" panose="020B0400000000000000" pitchFamily="50" charset="-128"/>
-                <a:ea typeface="BIZ UDPゴシック" panose="020B0400000000000000" pitchFamily="50" charset="-128"/>
-              </a:rPr>
-              <a:t>1</a:t>
-            </a:r>
-            <a:endParaRPr kumimoji="1" lang="ja-JP" altLang="en-US" sz="1400" dirty="0">
-              <a:latin typeface="BIZ UDPゴシック" panose="020B0400000000000000" pitchFamily="50" charset="-128"/>
-              <a:ea typeface="BIZ UDPゴシック" panose="020B0400000000000000" pitchFamily="50" charset="-128"/>
-            </a:endParaRPr>
-          </a:p>
-        </p:txBody>
-      </p:sp>
-      <p:sp>
-        <p:nvSpPr>
-          <p:cNvPr id="17" name="テキスト ボックス 16">
-            <a:extLst>
-              <a:ext uri="{FF2B5EF4-FFF2-40B4-BE49-F238E27FC236}">
-                <a16:creationId xmlns:a16="http://schemas.microsoft.com/office/drawing/2014/main" id="{2E2D1396-AB25-7B3C-D362-80F32C02F8D1}"/>
-              </a:ext>
-            </a:extLst>
-          </p:cNvPr>
-          <p:cNvSpPr txBox="1"/>
-          <p:nvPr/>
-        </p:nvSpPr>
-        <p:spPr>
-          <a:xfrm>
-            <a:off x="957142" y="3815940"/>
-            <a:ext cx="689630" cy="307777"/>
-          </a:xfrm>
-          <a:prstGeom prst="rect">
-            <a:avLst/>
-          </a:prstGeom>
-          <a:noFill/>
-        </p:spPr>
-        <p:txBody>
-          <a:bodyPr wrap="square" rtlCol="0">
-            <a:spAutoFit/>
-          </a:bodyPr>
-          <a:lstStyle/>
-          <a:p>
-            <a:r>
-              <a:rPr kumimoji="1" lang="en-US" altLang="ja-JP" sz="1400" dirty="0">
-                <a:latin typeface="BIZ UDPゴシック" panose="020B0400000000000000" pitchFamily="50" charset="-128"/>
-                <a:ea typeface="BIZ UDPゴシック" panose="020B0400000000000000" pitchFamily="50" charset="-128"/>
-              </a:rPr>
-              <a:t>3</a:t>
-            </a:r>
-            <a:endParaRPr kumimoji="1" lang="ja-JP" altLang="en-US" sz="1400" dirty="0">
-              <a:latin typeface="BIZ UDPゴシック" panose="020B0400000000000000" pitchFamily="50" charset="-128"/>
-              <a:ea typeface="BIZ UDPゴシック" panose="020B0400000000000000" pitchFamily="50" charset="-128"/>
-            </a:endParaRPr>
-          </a:p>
-        </p:txBody>
-      </p:sp>
-      <p:sp>
-        <p:nvSpPr>
-          <p:cNvPr id="18" name="テキスト ボックス 17">
-            <a:extLst>
-              <a:ext uri="{FF2B5EF4-FFF2-40B4-BE49-F238E27FC236}">
-                <a16:creationId xmlns:a16="http://schemas.microsoft.com/office/drawing/2014/main" id="{9890189A-79D0-C7CB-DB22-586CF4F991EC}"/>
-              </a:ext>
-            </a:extLst>
-          </p:cNvPr>
-          <p:cNvSpPr txBox="1"/>
-          <p:nvPr/>
-        </p:nvSpPr>
-        <p:spPr>
-          <a:xfrm>
-            <a:off x="943923" y="5048605"/>
-            <a:ext cx="689630" cy="307777"/>
-          </a:xfrm>
-          <a:prstGeom prst="rect">
-            <a:avLst/>
-          </a:prstGeom>
-          <a:noFill/>
-        </p:spPr>
-        <p:txBody>
-          <a:bodyPr wrap="square" rtlCol="0">
-            <a:spAutoFit/>
-          </a:bodyPr>
-          <a:lstStyle/>
-          <a:p>
-            <a:r>
-              <a:rPr kumimoji="1" lang="en-US" altLang="ja-JP" sz="1400" dirty="0">
-                <a:latin typeface="BIZ UDPゴシック" panose="020B0400000000000000" pitchFamily="50" charset="-128"/>
-                <a:ea typeface="BIZ UDPゴシック" panose="020B0400000000000000" pitchFamily="50" charset="-128"/>
-              </a:rPr>
-              <a:t>2</a:t>
-            </a:r>
-            <a:endParaRPr kumimoji="1" lang="ja-JP" altLang="en-US" sz="1400" dirty="0">
-              <a:latin typeface="BIZ UDPゴシック" panose="020B0400000000000000" pitchFamily="50" charset="-128"/>
-              <a:ea typeface="BIZ UDPゴシック" panose="020B0400000000000000" pitchFamily="50" charset="-128"/>
-            </a:endParaRPr>
-          </a:p>
-        </p:txBody>
-      </p:sp>
-      <p:sp>
-        <p:nvSpPr>
-          <p:cNvPr id="19" name="吹き出し: 角を丸めた四角形 18">
-            <a:extLst>
-              <a:ext uri="{FF2B5EF4-FFF2-40B4-BE49-F238E27FC236}">
-                <a16:creationId xmlns:a16="http://schemas.microsoft.com/office/drawing/2014/main" id="{3F9CF789-FF98-FFBB-53FB-898223617874}"/>
-              </a:ext>
-            </a:extLst>
-          </p:cNvPr>
-          <p:cNvSpPr/>
-          <p:nvPr/>
-        </p:nvSpPr>
-        <p:spPr>
-          <a:xfrm>
-            <a:off x="4800502" y="1502041"/>
-            <a:ext cx="1669921" cy="425606"/>
-          </a:xfrm>
-          <a:prstGeom prst="wedgeRoundRectCallout">
-            <a:avLst>
-              <a:gd name="adj1" fmla="val -33289"/>
-              <a:gd name="adj2" fmla="val 85719"/>
-              <a:gd name="adj3" fmla="val 16667"/>
-            </a:avLst>
-          </a:prstGeom>
-          <a:solidFill>
-            <a:schemeClr val="bg2"/>
-          </a:solidFill>
-        </p:spPr>
-        <p:style>
-          <a:lnRef idx="2">
-            <a:schemeClr val="accent3">
-              <a:shade val="15000"/>
-            </a:schemeClr>
-          </a:lnRef>
-          <a:fillRef idx="1">
-            <a:schemeClr val="accent3"/>
-          </a:fillRef>
-          <a:effectRef idx="0">
-            <a:schemeClr val="accent3"/>
-          </a:effectRef>
-          <a:fontRef idx="minor">
-            <a:schemeClr val="lt1"/>
-          </a:fontRef>
-        </p:style>
-        <p:txBody>
-          <a:bodyPr rtlCol="0" anchor="ctr"/>
-          <a:lstStyle/>
-          <a:p>
-            <a:pPr algn="ctr"/>
-            <a:r>
-              <a:rPr kumimoji="1" lang="ja-JP" altLang="en-US" sz="1200" dirty="0">
-                <a:solidFill>
-                  <a:schemeClr val="tx1"/>
-                </a:solidFill>
-                <a:latin typeface="BIZ UDPゴシック" panose="020B0400000000000000" pitchFamily="50" charset="-128"/>
-                <a:ea typeface="BIZ UDPゴシック" panose="020B0400000000000000" pitchFamily="50" charset="-128"/>
-              </a:rPr>
-              <a:t>シンボル長の短縮</a:t>
-            </a:r>
-            <a:endParaRPr kumimoji="1" lang="en-US" altLang="ja-JP" sz="1200" dirty="0">
-              <a:solidFill>
-                <a:schemeClr val="tx1"/>
-              </a:solidFill>
-              <a:latin typeface="BIZ UDPゴシック" panose="020B0400000000000000" pitchFamily="50" charset="-128"/>
-              <a:ea typeface="BIZ UDPゴシック" panose="020B0400000000000000" pitchFamily="50" charset="-128"/>
-            </a:endParaRPr>
-          </a:p>
-          <a:p>
-            <a:pPr algn="ctr"/>
-            <a:r>
-              <a:rPr lang="en-US" altLang="ja-JP" sz="1200" dirty="0">
-                <a:solidFill>
-                  <a:schemeClr val="tx1"/>
-                </a:solidFill>
-                <a:latin typeface="BIZ UDPゴシック" panose="020B0400000000000000" pitchFamily="50" charset="-128"/>
-                <a:ea typeface="BIZ UDPゴシック" panose="020B0400000000000000" pitchFamily="50" charset="-128"/>
-              </a:rPr>
-              <a:t>4.0</a:t>
-            </a:r>
-            <a:r>
-              <a:rPr lang="ja-JP" altLang="en-US" sz="1200" dirty="0">
-                <a:solidFill>
-                  <a:schemeClr val="tx1"/>
-                </a:solidFill>
-                <a:latin typeface="BIZ UDPゴシック" panose="020B0400000000000000" pitchFamily="50" charset="-128"/>
-                <a:ea typeface="BIZ UDPゴシック" panose="020B0400000000000000" pitchFamily="50" charset="-128"/>
-              </a:rPr>
-              <a:t>→</a:t>
-            </a:r>
-            <a:r>
-              <a:rPr lang="en-US" altLang="ja-JP" sz="1200" dirty="0">
-                <a:solidFill>
-                  <a:schemeClr val="tx1"/>
-                </a:solidFill>
-                <a:latin typeface="BIZ UDPゴシック" panose="020B0400000000000000" pitchFamily="50" charset="-128"/>
-                <a:ea typeface="BIZ UDPゴシック" panose="020B0400000000000000" pitchFamily="50" charset="-128"/>
-              </a:rPr>
-              <a:t>3.6[</a:t>
-            </a:r>
-            <a:r>
-              <a:rPr lang="en-US" altLang="ja-JP" sz="1200" dirty="0" err="1">
-                <a:solidFill>
-                  <a:schemeClr val="tx1"/>
-                </a:solidFill>
-                <a:latin typeface="BIZ UDPゴシック" panose="020B0400000000000000" pitchFamily="50" charset="-128"/>
-                <a:ea typeface="BIZ UDPゴシック" panose="020B0400000000000000" pitchFamily="50" charset="-128"/>
-              </a:rPr>
-              <a:t>μsec</a:t>
-            </a:r>
-            <a:r>
-              <a:rPr lang="en-US" altLang="ja-JP" sz="1200" dirty="0">
-                <a:solidFill>
-                  <a:schemeClr val="tx1"/>
-                </a:solidFill>
-                <a:latin typeface="BIZ UDPゴシック" panose="020B0400000000000000" pitchFamily="50" charset="-128"/>
-                <a:ea typeface="BIZ UDPゴシック" panose="020B0400000000000000" pitchFamily="50" charset="-128"/>
-              </a:rPr>
-              <a:t>]</a:t>
-            </a:r>
-            <a:endParaRPr kumimoji="1" lang="ja-JP" altLang="en-US" sz="1200" dirty="0">
-              <a:solidFill>
-                <a:schemeClr val="tx1"/>
-              </a:solidFill>
-              <a:latin typeface="BIZ UDPゴシック" panose="020B0400000000000000" pitchFamily="50" charset="-128"/>
-              <a:ea typeface="BIZ UDPゴシック" panose="020B0400000000000000" pitchFamily="50" charset="-128"/>
-            </a:endParaRPr>
-          </a:p>
-        </p:txBody>
-      </p:sp>
-      <p:sp>
-        <p:nvSpPr>
-          <p:cNvPr id="20" name="吹き出し: 角を丸めた四角形 19">
-            <a:extLst>
-              <a:ext uri="{FF2B5EF4-FFF2-40B4-BE49-F238E27FC236}">
-                <a16:creationId xmlns:a16="http://schemas.microsoft.com/office/drawing/2014/main" id="{6CECF38D-7B96-2A1A-7DBD-3410C0F661FB}"/>
-              </a:ext>
-            </a:extLst>
-          </p:cNvPr>
-          <p:cNvSpPr/>
-          <p:nvPr/>
-        </p:nvSpPr>
-        <p:spPr>
-          <a:xfrm>
-            <a:off x="5112349" y="3015661"/>
-            <a:ext cx="1812489" cy="425606"/>
-          </a:xfrm>
-          <a:prstGeom prst="wedgeRoundRectCallout">
-            <a:avLst>
-              <a:gd name="adj1" fmla="val -36215"/>
-              <a:gd name="adj2" fmla="val 92170"/>
-              <a:gd name="adj3" fmla="val 16667"/>
-            </a:avLst>
-          </a:prstGeom>
-          <a:solidFill>
-            <a:schemeClr val="bg2"/>
-          </a:solidFill>
-        </p:spPr>
-        <p:style>
-          <a:lnRef idx="2">
-            <a:schemeClr val="accent3">
-              <a:shade val="15000"/>
-            </a:schemeClr>
-          </a:lnRef>
-          <a:fillRef idx="1">
-            <a:schemeClr val="accent3"/>
-          </a:fillRef>
-          <a:effectRef idx="0">
-            <a:schemeClr val="accent3"/>
-          </a:effectRef>
-          <a:fontRef idx="minor">
-            <a:schemeClr val="lt1"/>
-          </a:fontRef>
-        </p:style>
-        <p:txBody>
-          <a:bodyPr rtlCol="0" anchor="ctr"/>
-          <a:lstStyle/>
-          <a:p>
-            <a:pPr algn="ctr"/>
-            <a:r>
-              <a:rPr lang="ja-JP" altLang="en-US" sz="1200" dirty="0">
-                <a:solidFill>
-                  <a:schemeClr val="tx1"/>
-                </a:solidFill>
-                <a:latin typeface="BIZ UDPゴシック" panose="020B0400000000000000" pitchFamily="50" charset="-128"/>
-                <a:ea typeface="BIZ UDPゴシック" panose="020B0400000000000000" pitchFamily="50" charset="-128"/>
-              </a:rPr>
-              <a:t>各サブキャリアの変調方式に</a:t>
-            </a:r>
-            <a:r>
-              <a:rPr lang="en-US" altLang="ja-JP" sz="1200" dirty="0">
-                <a:solidFill>
-                  <a:schemeClr val="tx1"/>
-                </a:solidFill>
-                <a:latin typeface="BIZ UDPゴシック" panose="020B0400000000000000" pitchFamily="50" charset="-128"/>
-                <a:ea typeface="BIZ UDPゴシック" panose="020B0400000000000000" pitchFamily="50" charset="-128"/>
-              </a:rPr>
-              <a:t>64QAM</a:t>
-            </a:r>
-            <a:r>
-              <a:rPr lang="ja-JP" altLang="en-US" sz="1200" dirty="0">
-                <a:solidFill>
-                  <a:schemeClr val="tx1"/>
-                </a:solidFill>
-                <a:latin typeface="BIZ UDPゴシック" panose="020B0400000000000000" pitchFamily="50" charset="-128"/>
-                <a:ea typeface="BIZ UDPゴシック" panose="020B0400000000000000" pitchFamily="50" charset="-128"/>
-              </a:rPr>
-              <a:t>を追加</a:t>
-            </a:r>
-            <a:endParaRPr kumimoji="1" lang="ja-JP" altLang="en-US" sz="1200" dirty="0">
-              <a:solidFill>
-                <a:schemeClr val="tx1"/>
-              </a:solidFill>
-              <a:latin typeface="BIZ UDPゴシック" panose="020B0400000000000000" pitchFamily="50" charset="-128"/>
-              <a:ea typeface="BIZ UDPゴシック" panose="020B0400000000000000" pitchFamily="50" charset="-128"/>
-            </a:endParaRPr>
-          </a:p>
-        </p:txBody>
-      </p:sp>
-      <p:sp>
-        <p:nvSpPr>
-          <p:cNvPr id="21" name="四角形: 角を丸くする 20">
-            <a:extLst>
-              <a:ext uri="{FF2B5EF4-FFF2-40B4-BE49-F238E27FC236}">
-                <a16:creationId xmlns:a16="http://schemas.microsoft.com/office/drawing/2014/main" id="{BDAFF5C6-0448-BD81-6FCD-CC836EDD937C}"/>
-              </a:ext>
-            </a:extLst>
-          </p:cNvPr>
-          <p:cNvSpPr/>
-          <p:nvPr/>
-        </p:nvSpPr>
-        <p:spPr>
-          <a:xfrm>
-            <a:off x="1301957" y="5457217"/>
-            <a:ext cx="2121536" cy="1115775"/>
-          </a:xfrm>
-          <a:prstGeom prst="roundRect">
-            <a:avLst/>
-          </a:prstGeom>
-          <a:noFill/>
-          <a:ln w="38100" cap="flat" cmpd="sng" algn="ctr">
-            <a:solidFill>
-              <a:schemeClr val="accent1"/>
-            </a:solidFill>
-            <a:prstDash val="solid"/>
-            <a:round/>
-            <a:headEnd type="none" w="med" len="med"/>
-            <a:tailEnd type="none" w="med" len="med"/>
-          </a:ln>
-        </p:spPr>
-        <p:style>
-          <a:lnRef idx="0">
-            <a:scrgbClr r="0" g="0" b="0"/>
-          </a:lnRef>
-          <a:fillRef idx="0">
-            <a:scrgbClr r="0" g="0" b="0"/>
-          </a:fillRef>
-          <a:effectRef idx="0">
-            <a:scrgbClr r="0" g="0" b="0"/>
-          </a:effectRef>
-          <a:fontRef idx="minor">
-            <a:schemeClr val="accent1"/>
-          </a:fontRef>
-        </p:style>
-        <p:txBody>
-          <a:bodyPr rtlCol="0" anchor="ctr"/>
-          <a:lstStyle/>
-          <a:p>
-            <a:pPr algn="ctr"/>
-            <a:endParaRPr kumimoji="1" lang="ja-JP" altLang="en-US"/>
-          </a:p>
-        </p:txBody>
-      </p:sp>
-      <p:sp>
-        <p:nvSpPr>
-          <p:cNvPr id="22" name="矢印: 右 21">
-            <a:extLst>
-              <a:ext uri="{FF2B5EF4-FFF2-40B4-BE49-F238E27FC236}">
-                <a16:creationId xmlns:a16="http://schemas.microsoft.com/office/drawing/2014/main" id="{62A9F6D0-E009-9ACE-A8F2-509F1ECBF2D5}"/>
-              </a:ext>
-            </a:extLst>
-          </p:cNvPr>
-          <p:cNvSpPr/>
-          <p:nvPr/>
-        </p:nvSpPr>
-        <p:spPr>
-          <a:xfrm>
-            <a:off x="3423494" y="5964027"/>
-            <a:ext cx="1758298" cy="96306"/>
-          </a:xfrm>
-          <a:prstGeom prst="rightArrow">
-            <a:avLst/>
-          </a:prstGeom>
-          <a:ln>
-            <a:noFill/>
-          </a:ln>
-        </p:spPr>
-        <p:style>
-          <a:lnRef idx="2">
-            <a:schemeClr val="accent1">
-              <a:shade val="15000"/>
-            </a:schemeClr>
-          </a:lnRef>
-          <a:fillRef idx="1">
-            <a:schemeClr val="accent1"/>
-          </a:fillRef>
-          <a:effectRef idx="0">
-            <a:schemeClr val="accent1"/>
-          </a:effectRef>
-          <a:fontRef idx="minor">
-            <a:schemeClr val="lt1"/>
-          </a:fontRef>
-        </p:style>
-        <p:txBody>
-          <a:bodyPr rtlCol="0" anchor="ctr"/>
-          <a:lstStyle/>
-          <a:p>
-            <a:pPr algn="ctr"/>
-            <a:endParaRPr kumimoji="1" lang="ja-JP" altLang="en-US"/>
-          </a:p>
-        </p:txBody>
-      </p:sp>
-      <p:sp>
-        <p:nvSpPr>
-          <p:cNvPr id="23" name="吹き出し: 角を丸めた四角形 22">
-            <a:extLst>
-              <a:ext uri="{FF2B5EF4-FFF2-40B4-BE49-F238E27FC236}">
-                <a16:creationId xmlns:a16="http://schemas.microsoft.com/office/drawing/2014/main" id="{B52BD94B-3EFF-6E72-6397-3A999E723B21}"/>
-              </a:ext>
-            </a:extLst>
-          </p:cNvPr>
-          <p:cNvSpPr/>
-          <p:nvPr/>
-        </p:nvSpPr>
-        <p:spPr>
-          <a:xfrm>
-            <a:off x="4964051" y="5135234"/>
-            <a:ext cx="1868167" cy="646331"/>
-          </a:xfrm>
-          <a:prstGeom prst="wedgeRoundRectCallout">
-            <a:avLst>
-              <a:gd name="adj1" fmla="val -36215"/>
-              <a:gd name="adj2" fmla="val 92170"/>
-              <a:gd name="adj3" fmla="val 16667"/>
-            </a:avLst>
-          </a:prstGeom>
-          <a:solidFill>
-            <a:schemeClr val="bg2"/>
-          </a:solidFill>
-        </p:spPr>
-        <p:style>
-          <a:lnRef idx="2">
-            <a:schemeClr val="accent3">
-              <a:shade val="15000"/>
-            </a:schemeClr>
-          </a:lnRef>
-          <a:fillRef idx="1">
-            <a:schemeClr val="accent3"/>
-          </a:fillRef>
-          <a:effectRef idx="0">
-            <a:schemeClr val="accent3"/>
-          </a:effectRef>
-          <a:fontRef idx="minor">
-            <a:schemeClr val="lt1"/>
-          </a:fontRef>
-        </p:style>
-        <p:txBody>
-          <a:bodyPr rtlCol="0" anchor="ctr"/>
-          <a:lstStyle/>
-          <a:p>
-            <a:pPr algn="ctr"/>
-            <a:r>
-              <a:rPr kumimoji="1" lang="en-US" altLang="ja-JP" sz="1200" dirty="0">
-                <a:solidFill>
-                  <a:schemeClr val="tx1"/>
-                </a:solidFill>
-                <a:latin typeface="BIZ UDPゴシック" panose="020B0400000000000000" pitchFamily="50" charset="-128"/>
-                <a:ea typeface="BIZ UDPゴシック" panose="020B0400000000000000" pitchFamily="50" charset="-128"/>
-              </a:rPr>
-              <a:t>20MHz</a:t>
-            </a:r>
-            <a:r>
-              <a:rPr kumimoji="1" lang="ja-JP" altLang="en-US" sz="1200" dirty="0">
-                <a:solidFill>
-                  <a:schemeClr val="tx1"/>
-                </a:solidFill>
-                <a:latin typeface="BIZ UDPゴシック" panose="020B0400000000000000" pitchFamily="50" charset="-128"/>
-                <a:ea typeface="BIZ UDPゴシック" panose="020B0400000000000000" pitchFamily="50" charset="-128"/>
-              </a:rPr>
-              <a:t>帯域を</a:t>
-            </a:r>
-            <a:r>
-              <a:rPr kumimoji="1" lang="en-US" altLang="ja-JP" sz="1200" dirty="0">
-                <a:solidFill>
-                  <a:schemeClr val="tx1"/>
-                </a:solidFill>
-                <a:latin typeface="BIZ UDPゴシック" panose="020B0400000000000000" pitchFamily="50" charset="-128"/>
-                <a:ea typeface="BIZ UDPゴシック" panose="020B0400000000000000" pitchFamily="50" charset="-128"/>
-              </a:rPr>
-              <a:t>40MHz</a:t>
-            </a:r>
-            <a:r>
-              <a:rPr kumimoji="1" lang="ja-JP" altLang="en-US" sz="1200" dirty="0" err="1">
-                <a:solidFill>
-                  <a:schemeClr val="tx1"/>
-                </a:solidFill>
-                <a:latin typeface="BIZ UDPゴシック" panose="020B0400000000000000" pitchFamily="50" charset="-128"/>
-                <a:ea typeface="BIZ UDPゴシック" panose="020B0400000000000000" pitchFamily="50" charset="-128"/>
-              </a:rPr>
-              <a:t>に拡</a:t>
-            </a:r>
-            <a:r>
-              <a:rPr kumimoji="1" lang="ja-JP" altLang="en-US" sz="1200" dirty="0">
-                <a:solidFill>
-                  <a:schemeClr val="tx1"/>
-                </a:solidFill>
-                <a:latin typeface="BIZ UDPゴシック" panose="020B0400000000000000" pitchFamily="50" charset="-128"/>
-                <a:ea typeface="BIZ UDPゴシック" panose="020B0400000000000000" pitchFamily="50" charset="-128"/>
-              </a:rPr>
-              <a:t>大</a:t>
-            </a:r>
-            <a:endParaRPr kumimoji="1" lang="en-US" altLang="ja-JP" sz="1200" dirty="0">
-              <a:solidFill>
-                <a:schemeClr val="tx1"/>
-              </a:solidFill>
-              <a:latin typeface="BIZ UDPゴシック" panose="020B0400000000000000" pitchFamily="50" charset="-128"/>
-              <a:ea typeface="BIZ UDPゴシック" panose="020B0400000000000000" pitchFamily="50" charset="-128"/>
-            </a:endParaRPr>
-          </a:p>
-          <a:p>
-            <a:pPr algn="ctr"/>
-            <a:r>
-              <a:rPr lang="en-US" altLang="ja-JP" sz="1200" dirty="0">
-                <a:solidFill>
-                  <a:schemeClr val="tx1"/>
-                </a:solidFill>
-                <a:latin typeface="BIZ UDPゴシック" panose="020B0400000000000000" pitchFamily="50" charset="-128"/>
-                <a:ea typeface="BIZ UDPゴシック" panose="020B0400000000000000" pitchFamily="50" charset="-128"/>
-              </a:rPr>
-              <a:t>(</a:t>
-            </a:r>
-            <a:r>
-              <a:rPr lang="ja-JP" altLang="en-US" sz="1200" dirty="0">
-                <a:solidFill>
-                  <a:schemeClr val="tx1"/>
-                </a:solidFill>
-                <a:latin typeface="BIZ UDPゴシック" panose="020B0400000000000000" pitchFamily="50" charset="-128"/>
-                <a:ea typeface="BIZ UDPゴシック" panose="020B0400000000000000" pitchFamily="50" charset="-128"/>
-              </a:rPr>
-              <a:t>サブキャリア数の増大</a:t>
-            </a:r>
-            <a:r>
-              <a:rPr lang="en-US" altLang="ja-JP" sz="1200" dirty="0">
-                <a:solidFill>
-                  <a:schemeClr val="tx1"/>
-                </a:solidFill>
-                <a:latin typeface="BIZ UDPゴシック" panose="020B0400000000000000" pitchFamily="50" charset="-128"/>
-                <a:ea typeface="BIZ UDPゴシック" panose="020B0400000000000000" pitchFamily="50" charset="-128"/>
-              </a:rPr>
-              <a:t>)</a:t>
-            </a:r>
-            <a:endParaRPr kumimoji="1" lang="ja-JP" altLang="en-US" sz="1200" dirty="0">
-              <a:solidFill>
-                <a:schemeClr val="tx1"/>
-              </a:solidFill>
-              <a:latin typeface="BIZ UDPゴシック" panose="020B0400000000000000" pitchFamily="50" charset="-128"/>
-              <a:ea typeface="BIZ UDPゴシック" panose="020B0400000000000000" pitchFamily="50" charset="-128"/>
-            </a:endParaRPr>
-          </a:p>
-        </p:txBody>
-      </p:sp>
-      <p:sp>
-        <p:nvSpPr>
-          <p:cNvPr id="24" name="左中かっこ 23">
-            <a:extLst>
-              <a:ext uri="{FF2B5EF4-FFF2-40B4-BE49-F238E27FC236}">
-                <a16:creationId xmlns:a16="http://schemas.microsoft.com/office/drawing/2014/main" id="{79AEEABD-105C-491A-EC4C-5835E77DA80B}"/>
-              </a:ext>
-            </a:extLst>
-          </p:cNvPr>
-          <p:cNvSpPr/>
-          <p:nvPr/>
-        </p:nvSpPr>
-        <p:spPr>
-          <a:xfrm>
-            <a:off x="625546" y="1927647"/>
-            <a:ext cx="478099" cy="4661401"/>
-          </a:xfrm>
-          <a:prstGeom prst="leftBrace">
-            <a:avLst/>
-          </a:prstGeom>
-          <a:ln>
-            <a:solidFill>
-              <a:schemeClr val="accent1">
-                <a:lumMod val="50000"/>
-              </a:schemeClr>
-            </a:solidFill>
-          </a:ln>
-        </p:spPr>
-        <p:style>
-          <a:lnRef idx="1">
-            <a:schemeClr val="dk1"/>
-          </a:lnRef>
-          <a:fillRef idx="0">
-            <a:schemeClr val="dk1"/>
-          </a:fillRef>
-          <a:effectRef idx="0">
-            <a:schemeClr val="dk1"/>
-          </a:effectRef>
-          <a:fontRef idx="minor">
-            <a:schemeClr val="tx1"/>
-          </a:fontRef>
-        </p:style>
-        <p:txBody>
-          <a:bodyPr rtlCol="0" anchor="ctr"/>
-          <a:lstStyle/>
-          <a:p>
-            <a:pPr algn="ctr"/>
-            <a:endParaRPr kumimoji="1" lang="ja-JP" altLang="en-US"/>
-          </a:p>
-        </p:txBody>
-      </p:sp>
-      <p:sp>
-        <p:nvSpPr>
-          <p:cNvPr id="25" name="テキスト ボックス 24">
-            <a:extLst>
-              <a:ext uri="{FF2B5EF4-FFF2-40B4-BE49-F238E27FC236}">
-                <a16:creationId xmlns:a16="http://schemas.microsoft.com/office/drawing/2014/main" id="{939F3DFE-5E99-D795-F85F-A85345420838}"/>
-              </a:ext>
-            </a:extLst>
-          </p:cNvPr>
-          <p:cNvSpPr txBox="1"/>
-          <p:nvPr/>
-        </p:nvSpPr>
-        <p:spPr>
-          <a:xfrm rot="16200000">
-            <a:off x="-1147851" y="3943856"/>
-            <a:ext cx="2963484" cy="369332"/>
-          </a:xfrm>
-          <a:prstGeom prst="rect">
-            <a:avLst/>
-          </a:prstGeom>
-          <a:noFill/>
-        </p:spPr>
-        <p:txBody>
-          <a:bodyPr wrap="square" rtlCol="0">
-            <a:spAutoFit/>
-          </a:bodyPr>
-          <a:lstStyle/>
-          <a:p>
-            <a:r>
-              <a:rPr kumimoji="1" lang="en-US" altLang="ja-JP" dirty="0">
-                <a:latin typeface="BIZ UDPゴシック" panose="020B0400000000000000" pitchFamily="50" charset="-128"/>
-                <a:ea typeface="BIZ UDPゴシック" panose="020B0400000000000000" pitchFamily="50" charset="-128"/>
-              </a:rPr>
-              <a:t>MIMO</a:t>
-            </a:r>
-            <a:r>
-              <a:rPr kumimoji="1" lang="ja-JP" altLang="en-US" dirty="0">
-                <a:latin typeface="BIZ UDPゴシック" panose="020B0400000000000000" pitchFamily="50" charset="-128"/>
-                <a:ea typeface="BIZ UDPゴシック" panose="020B0400000000000000" pitchFamily="50" charset="-128"/>
-              </a:rPr>
-              <a:t>による空間分割多重</a:t>
-            </a:r>
-          </a:p>
-        </p:txBody>
-      </p:sp>
       <p:sp>
         <p:nvSpPr>
           <p:cNvPr id="26" name="テキスト ボックス 25">
@@ -6554,145 +5664,6 @@
       </p:sp>
       <p:sp>
         <p:nvSpPr>
-          <p:cNvPr id="30" name="吹き出し: 角を丸めた四角形 29">
-            <a:extLst>
-              <a:ext uri="{FF2B5EF4-FFF2-40B4-BE49-F238E27FC236}">
-                <a16:creationId xmlns:a16="http://schemas.microsoft.com/office/drawing/2014/main" id="{82CD0F08-5868-0ECD-10F9-D8066DE33D69}"/>
-              </a:ext>
-            </a:extLst>
-          </p:cNvPr>
-          <p:cNvSpPr/>
-          <p:nvPr/>
-        </p:nvSpPr>
-        <p:spPr>
-          <a:xfrm>
-            <a:off x="929983" y="3022293"/>
-            <a:ext cx="1812489" cy="425606"/>
-          </a:xfrm>
-          <a:prstGeom prst="wedgeRoundRectCallout">
-            <a:avLst>
-              <a:gd name="adj1" fmla="val -53279"/>
-              <a:gd name="adj2" fmla="val 109547"/>
-              <a:gd name="adj3" fmla="val 16667"/>
-            </a:avLst>
-          </a:prstGeom>
-          <a:solidFill>
-            <a:schemeClr val="bg2"/>
-          </a:solidFill>
-        </p:spPr>
-        <p:style>
-          <a:lnRef idx="2">
-            <a:schemeClr val="accent3">
-              <a:shade val="15000"/>
-            </a:schemeClr>
-          </a:lnRef>
-          <a:fillRef idx="1">
-            <a:schemeClr val="accent3"/>
-          </a:fillRef>
-          <a:effectRef idx="0">
-            <a:schemeClr val="accent3"/>
-          </a:effectRef>
-          <a:fontRef idx="minor">
-            <a:schemeClr val="lt1"/>
-          </a:fontRef>
-        </p:style>
-        <p:txBody>
-          <a:bodyPr rtlCol="0" anchor="ctr"/>
-          <a:lstStyle/>
-          <a:p>
-            <a:pPr algn="ctr"/>
-            <a:r>
-              <a:rPr lang="en-US" altLang="ja-JP" sz="1200" dirty="0">
-                <a:solidFill>
-                  <a:schemeClr val="tx1"/>
-                </a:solidFill>
-                <a:latin typeface="BIZ UDPゴシック" panose="020B0400000000000000" pitchFamily="50" charset="-128"/>
-                <a:ea typeface="BIZ UDPゴシック" panose="020B0400000000000000" pitchFamily="50" charset="-128"/>
-              </a:rPr>
-              <a:t>MIMO</a:t>
-            </a:r>
-            <a:r>
-              <a:rPr lang="ja-JP" altLang="en-US" sz="1200" dirty="0">
-                <a:solidFill>
-                  <a:schemeClr val="tx1"/>
-                </a:solidFill>
-                <a:latin typeface="BIZ UDPゴシック" panose="020B0400000000000000" pitchFamily="50" charset="-128"/>
-                <a:ea typeface="BIZ UDPゴシック" panose="020B0400000000000000" pitchFamily="50" charset="-128"/>
-              </a:rPr>
-              <a:t>技術の採用</a:t>
-            </a:r>
-            <a:endParaRPr lang="en-US" altLang="ja-JP" sz="1200" dirty="0">
-              <a:solidFill>
-                <a:schemeClr val="tx1"/>
-              </a:solidFill>
-              <a:latin typeface="BIZ UDPゴシック" panose="020B0400000000000000" pitchFamily="50" charset="-128"/>
-              <a:ea typeface="BIZ UDPゴシック" panose="020B0400000000000000" pitchFamily="50" charset="-128"/>
-            </a:endParaRPr>
-          </a:p>
-          <a:p>
-            <a:pPr algn="ctr"/>
-            <a:r>
-              <a:rPr kumimoji="1" lang="en-US" altLang="ja-JP" sz="1200" dirty="0">
-                <a:solidFill>
-                  <a:schemeClr val="tx1"/>
-                </a:solidFill>
-                <a:latin typeface="BIZ UDPゴシック" panose="020B0400000000000000" pitchFamily="50" charset="-128"/>
-                <a:ea typeface="BIZ UDPゴシック" panose="020B0400000000000000" pitchFamily="50" charset="-128"/>
-              </a:rPr>
-              <a:t>(</a:t>
-            </a:r>
-            <a:r>
-              <a:rPr kumimoji="1" lang="ja-JP" altLang="en-US" sz="1200" dirty="0">
-                <a:solidFill>
-                  <a:schemeClr val="tx1"/>
-                </a:solidFill>
-                <a:latin typeface="BIZ UDPゴシック" panose="020B0400000000000000" pitchFamily="50" charset="-128"/>
-                <a:ea typeface="BIZ UDPゴシック" panose="020B0400000000000000" pitchFamily="50" charset="-128"/>
-              </a:rPr>
-              <a:t>最大</a:t>
-            </a:r>
-            <a:r>
-              <a:rPr kumimoji="1" lang="en-US" altLang="ja-JP" sz="1200" dirty="0">
-                <a:solidFill>
-                  <a:schemeClr val="tx1"/>
-                </a:solidFill>
-                <a:latin typeface="BIZ UDPゴシック" panose="020B0400000000000000" pitchFamily="50" charset="-128"/>
-                <a:ea typeface="BIZ UDPゴシック" panose="020B0400000000000000" pitchFamily="50" charset="-128"/>
-              </a:rPr>
-              <a:t>4</a:t>
-            </a:r>
-            <a:r>
-              <a:rPr kumimoji="1" lang="ja-JP" altLang="en-US" sz="1200" dirty="0">
-                <a:solidFill>
-                  <a:schemeClr val="tx1"/>
-                </a:solidFill>
-                <a:latin typeface="BIZ UDPゴシック" panose="020B0400000000000000" pitchFamily="50" charset="-128"/>
-                <a:ea typeface="BIZ UDPゴシック" panose="020B0400000000000000" pitchFamily="50" charset="-128"/>
-              </a:rPr>
-              <a:t>多重</a:t>
-            </a:r>
-            <a:r>
-              <a:rPr kumimoji="1" lang="en-US" altLang="ja-JP" sz="1200" dirty="0">
-                <a:solidFill>
-                  <a:schemeClr val="tx1"/>
-                </a:solidFill>
-                <a:latin typeface="BIZ UDPゴシック" panose="020B0400000000000000" pitchFamily="50" charset="-128"/>
-                <a:ea typeface="BIZ UDPゴシック" panose="020B0400000000000000" pitchFamily="50" charset="-128"/>
-              </a:rPr>
-              <a:t>)</a:t>
-            </a:r>
-            <a:endParaRPr kumimoji="1" lang="ja-JP" altLang="en-US" sz="1200" dirty="0">
-              <a:solidFill>
-                <a:schemeClr val="tx1"/>
-              </a:solidFill>
-              <a:latin typeface="BIZ UDPゴシック" panose="020B0400000000000000" pitchFamily="50" charset="-128"/>
-              <a:ea typeface="BIZ UDPゴシック" panose="020B0400000000000000" pitchFamily="50" charset="-128"/>
-            </a:endParaRPr>
-          </a:p>
-        </p:txBody>
-      </p:sp>
-      <p:sp>
-        <p:nvSpPr>
           <p:cNvPr id="33" name="テキスト ボックス 32">
             <a:extLst>
               <a:ext uri="{FF2B5EF4-FFF2-40B4-BE49-F238E27FC236}">
@@ -6992,7 +5963,7 @@
           </p:nvPr>
         </p:nvPicPr>
         <p:blipFill>
-          <a:blip r:embed="rId6">
+          <a:blip r:embed="rId4">
             <a:extLst>
               <a:ext uri="{28A0092B-C50C-407E-A947-70E740481C1C}">
                 <a14:useLocalDpi xmlns:a14="http://schemas.microsoft.com/office/drawing/2010/main" val="0"/>
@@ -7198,96 +6169,1146 @@
           </a:p>
         </p:txBody>
       </p:sp>
-      <p:cxnSp>
-        <p:nvCxnSpPr>
-          <p:cNvPr id="3" name="直線矢印コネクタ 2">
-            <a:extLst>
-              <a:ext uri="{FF2B5EF4-FFF2-40B4-BE49-F238E27FC236}">
-                <a16:creationId xmlns:a16="http://schemas.microsoft.com/office/drawing/2014/main" id="{D4135866-3B05-444E-F9EA-CA5EFB1B0EAD}"/>
-              </a:ext>
-            </a:extLst>
-          </p:cNvPr>
-          <p:cNvCxnSpPr>
-            <a:cxnSpLocks/>
-          </p:cNvCxnSpPr>
+      <p:grpSp>
+        <p:nvGrpSpPr>
+          <p:cNvPr id="2" name="グループ化 1">
+            <a:extLst>
+              <a:ext uri="{FF2B5EF4-FFF2-40B4-BE49-F238E27FC236}">
+                <a16:creationId xmlns:a16="http://schemas.microsoft.com/office/drawing/2014/main" id="{838B57DC-E33A-2F07-72E4-A344034DD695}"/>
+              </a:ext>
+            </a:extLst>
+          </p:cNvPr>
+          <p:cNvGrpSpPr/>
           <p:nvPr/>
-        </p:nvCxnSpPr>
-        <p:spPr>
+        </p:nvGrpSpPr>
+        <p:grpSpPr>
           <a:xfrm>
-            <a:off x="1263849" y="6698674"/>
-            <a:ext cx="1967969" cy="0"/>
+            <a:off x="149225" y="1502041"/>
+            <a:ext cx="6775613" cy="5327280"/>
+            <a:chOff x="149225" y="1502041"/>
+            <a:chExt cx="6775613" cy="5327280"/>
           </a:xfrm>
-          <a:prstGeom prst="straightConnector1">
-            <a:avLst/>
-          </a:prstGeom>
-          <a:ln w="19050">
-            <a:tailEnd type="triangle"/>
-          </a:ln>
-        </p:spPr>
-        <p:style>
-          <a:lnRef idx="1">
-            <a:schemeClr val="accent1"/>
-          </a:lnRef>
-          <a:fillRef idx="0">
-            <a:schemeClr val="accent1"/>
-          </a:fillRef>
-          <a:effectRef idx="0">
-            <a:schemeClr val="accent1"/>
-          </a:effectRef>
-          <a:fontRef idx="minor">
-            <a:schemeClr val="tx1"/>
-          </a:fontRef>
-        </p:style>
-      </p:cxnSp>
-      <p:sp>
-        <p:nvSpPr>
-          <p:cNvPr id="10" name="テキスト ボックス 9">
-            <a:extLst>
-              <a:ext uri="{FF2B5EF4-FFF2-40B4-BE49-F238E27FC236}">
-                <a16:creationId xmlns:a16="http://schemas.microsoft.com/office/drawing/2014/main" id="{585714BA-67F8-2D6F-D63C-9A696BC8ED73}"/>
-              </a:ext>
-            </a:extLst>
-          </p:cNvPr>
-          <p:cNvSpPr txBox="1"/>
-          <p:nvPr/>
-        </p:nvSpPr>
-        <p:spPr>
-          <a:xfrm>
-            <a:off x="3172481" y="6552322"/>
-            <a:ext cx="1988725" cy="276999"/>
-          </a:xfrm>
-          <a:prstGeom prst="rect">
-            <a:avLst/>
-          </a:prstGeom>
-          <a:noFill/>
-        </p:spPr>
-        <p:txBody>
-          <a:bodyPr wrap="square" rtlCol="0">
-            <a:spAutoFit/>
-          </a:bodyPr>
-          <a:lstStyle/>
-          <a:p>
-            <a:r>
-              <a:rPr kumimoji="1" lang="ja-JP" altLang="en-US" sz="1200" dirty="0">
-                <a:latin typeface="BIZ UDPゴシック" panose="020B0400000000000000" pitchFamily="50" charset="-128"/>
-                <a:ea typeface="BIZ UDPゴシック" panose="020B0400000000000000" pitchFamily="50" charset="-128"/>
-              </a:rPr>
-              <a:t>従来の帯域幅</a:t>
-            </a:r>
-            <a:r>
-              <a:rPr kumimoji="1" lang="en-US" altLang="ja-JP" sz="1200" dirty="0">
-                <a:latin typeface="BIZ UDPゴシック" panose="020B0400000000000000" pitchFamily="50" charset="-128"/>
-                <a:ea typeface="BIZ UDPゴシック" panose="020B0400000000000000" pitchFamily="50" charset="-128"/>
-              </a:rPr>
-              <a:t>(20MHz)</a:t>
-            </a:r>
-            <a:endParaRPr kumimoji="1" lang="ja-JP" altLang="en-US" sz="1200" dirty="0">
-              <a:latin typeface="BIZ UDPゴシック" panose="020B0400000000000000" pitchFamily="50" charset="-128"/>
-              <a:ea typeface="BIZ UDPゴシック" panose="020B0400000000000000" pitchFamily="50" charset="-128"/>
-            </a:endParaRPr>
-          </a:p>
-        </p:txBody>
-      </p:sp>
+        </p:grpSpPr>
+        <p:pic>
+          <p:nvPicPr>
+            <p:cNvPr id="11" name="グラフィックス 10">
+              <a:extLst>
+                <a:ext uri="{FF2B5EF4-FFF2-40B4-BE49-F238E27FC236}">
+                  <a16:creationId xmlns:a16="http://schemas.microsoft.com/office/drawing/2014/main" id="{B892C53E-FA52-88E8-8A47-8C3904CCA9FF}"/>
+                </a:ext>
+              </a:extLst>
+            </p:cNvPr>
+            <p:cNvPicPr>
+              <a:picLocks noChangeAspect="1"/>
+            </p:cNvPicPr>
+            <p:nvPr/>
+          </p:nvPicPr>
+          <p:blipFill>
+            <a:blip r:embed="rId5">
+              <a:extLst>
+                <a:ext uri="{28A0092B-C50C-407E-A947-70E740481C1C}">
+                  <a14:useLocalDpi xmlns:a14="http://schemas.microsoft.com/office/drawing/2010/main" val="0"/>
+                </a:ext>
+                <a:ext uri="{96DAC541-7B7A-43D3-8B79-37D633B846F1}">
+                  <asvg:svgBlip xmlns:asvg="http://schemas.microsoft.com/office/drawing/2016/SVG/main" r:embed="rId6"/>
+                </a:ext>
+              </a:extLst>
+            </a:blip>
+            <a:srcRect/>
+            <a:stretch/>
+          </p:blipFill>
+          <p:spPr>
+            <a:xfrm>
+              <a:off x="1193469" y="1583598"/>
+              <a:ext cx="4076699" cy="4989394"/>
+            </a:xfrm>
+            <a:prstGeom prst="rect">
+              <a:avLst/>
+            </a:prstGeom>
+          </p:spPr>
+        </p:pic>
+        <p:sp>
+          <p:nvSpPr>
+            <p:cNvPr id="12" name="テキスト ボックス 11">
+              <a:extLst>
+                <a:ext uri="{FF2B5EF4-FFF2-40B4-BE49-F238E27FC236}">
+                  <a16:creationId xmlns:a16="http://schemas.microsoft.com/office/drawing/2014/main" id="{A3D6AF1F-6FA8-02EC-60DE-45F6FCF5973B}"/>
+                </a:ext>
+              </a:extLst>
+            </p:cNvPr>
+            <p:cNvSpPr txBox="1"/>
+            <p:nvPr/>
+          </p:nvSpPr>
+          <p:spPr>
+            <a:xfrm>
+              <a:off x="625546" y="1502041"/>
+              <a:ext cx="663192" cy="369332"/>
+            </a:xfrm>
+            <a:prstGeom prst="rect">
+              <a:avLst/>
+            </a:prstGeom>
+            <a:noFill/>
+          </p:spPr>
+          <p:txBody>
+            <a:bodyPr wrap="square" rtlCol="0">
+              <a:spAutoFit/>
+            </a:bodyPr>
+            <a:lstStyle/>
+            <a:p>
+              <a:r>
+                <a:rPr kumimoji="1" lang="ja-JP" altLang="en-US" dirty="0">
+                  <a:latin typeface="BIZ UDPゴシック" panose="020B0400000000000000" pitchFamily="50" charset="-128"/>
+                  <a:ea typeface="BIZ UDPゴシック" panose="020B0400000000000000" pitchFamily="50" charset="-128"/>
+                </a:rPr>
+                <a:t>空間</a:t>
+              </a:r>
+            </a:p>
+          </p:txBody>
+        </p:sp>
+        <p:sp>
+          <p:nvSpPr>
+            <p:cNvPr id="13" name="テキスト ボックス 12">
+              <a:extLst>
+                <a:ext uri="{FF2B5EF4-FFF2-40B4-BE49-F238E27FC236}">
+                  <a16:creationId xmlns:a16="http://schemas.microsoft.com/office/drawing/2014/main" id="{D6A7FC3F-1870-DD04-B10D-03BF9AC511BB}"/>
+                </a:ext>
+              </a:extLst>
+            </p:cNvPr>
+            <p:cNvSpPr txBox="1"/>
+            <p:nvPr/>
+          </p:nvSpPr>
+          <p:spPr>
+            <a:xfrm>
+              <a:off x="1167201" y="2310127"/>
+              <a:ext cx="689630" cy="276999"/>
+            </a:xfrm>
+            <a:prstGeom prst="rect">
+              <a:avLst/>
+            </a:prstGeom>
+            <a:noFill/>
+          </p:spPr>
+          <p:txBody>
+            <a:bodyPr wrap="square" rtlCol="0">
+              <a:spAutoFit/>
+            </a:bodyPr>
+            <a:lstStyle/>
+            <a:p>
+              <a:r>
+                <a:rPr kumimoji="1" lang="ja-JP" altLang="en-US" sz="1200" dirty="0">
+                  <a:latin typeface="BIZ UDPゴシック" panose="020B0400000000000000" pitchFamily="50" charset="-128"/>
+                  <a:ea typeface="BIZ UDPゴシック" panose="020B0400000000000000" pitchFamily="50" charset="-128"/>
+                </a:rPr>
+                <a:t>時間</a:t>
+              </a:r>
+            </a:p>
+          </p:txBody>
+        </p:sp>
+        <p:sp>
+          <p:nvSpPr>
+            <p:cNvPr id="14" name="テキスト ボックス 13">
+              <a:extLst>
+                <a:ext uri="{FF2B5EF4-FFF2-40B4-BE49-F238E27FC236}">
+                  <a16:creationId xmlns:a16="http://schemas.microsoft.com/office/drawing/2014/main" id="{9D1A7E9A-95AB-046B-BD2B-1E750D505A5E}"/>
+                </a:ext>
+              </a:extLst>
+            </p:cNvPr>
+            <p:cNvSpPr txBox="1"/>
+            <p:nvPr/>
+          </p:nvSpPr>
+          <p:spPr>
+            <a:xfrm>
+              <a:off x="5178337" y="6294891"/>
+              <a:ext cx="888407" cy="369332"/>
+            </a:xfrm>
+            <a:prstGeom prst="rect">
+              <a:avLst/>
+            </a:prstGeom>
+            <a:noFill/>
+          </p:spPr>
+          <p:txBody>
+            <a:bodyPr wrap="square" rtlCol="0">
+              <a:spAutoFit/>
+            </a:bodyPr>
+            <a:lstStyle/>
+            <a:p>
+              <a:r>
+                <a:rPr lang="ja-JP" altLang="en-US" dirty="0">
+                  <a:latin typeface="BIZ UDPゴシック" panose="020B0400000000000000" pitchFamily="50" charset="-128"/>
+                  <a:ea typeface="BIZ UDPゴシック" panose="020B0400000000000000" pitchFamily="50" charset="-128"/>
+                </a:rPr>
+                <a:t>周波数</a:t>
+              </a:r>
+              <a:endParaRPr kumimoji="1" lang="ja-JP" altLang="en-US" dirty="0">
+                <a:latin typeface="BIZ UDPゴシック" panose="020B0400000000000000" pitchFamily="50" charset="-128"/>
+                <a:ea typeface="BIZ UDPゴシック" panose="020B0400000000000000" pitchFamily="50" charset="-128"/>
+              </a:endParaRPr>
+            </a:p>
+          </p:txBody>
+        </p:sp>
+        <p:sp>
+          <p:nvSpPr>
+            <p:cNvPr id="15" name="テキスト ボックス 14">
+              <a:extLst>
+                <a:ext uri="{FF2B5EF4-FFF2-40B4-BE49-F238E27FC236}">
+                  <a16:creationId xmlns:a16="http://schemas.microsoft.com/office/drawing/2014/main" id="{7D5BF695-07B4-64D9-8F06-3C651A1D9A6A}"/>
+                </a:ext>
+              </a:extLst>
+            </p:cNvPr>
+            <p:cNvSpPr txBox="1"/>
+            <p:nvPr/>
+          </p:nvSpPr>
+          <p:spPr>
+            <a:xfrm>
+              <a:off x="957142" y="2658242"/>
+              <a:ext cx="689630" cy="307777"/>
+            </a:xfrm>
+            <a:prstGeom prst="rect">
+              <a:avLst/>
+            </a:prstGeom>
+            <a:noFill/>
+          </p:spPr>
+          <p:txBody>
+            <a:bodyPr wrap="square" rtlCol="0">
+              <a:spAutoFit/>
+            </a:bodyPr>
+            <a:lstStyle/>
+            <a:p>
+              <a:r>
+                <a:rPr lang="en-US" altLang="ja-JP" sz="1400" dirty="0">
+                  <a:latin typeface="BIZ UDPゴシック" panose="020B0400000000000000" pitchFamily="50" charset="-128"/>
+                  <a:ea typeface="BIZ UDPゴシック" panose="020B0400000000000000" pitchFamily="50" charset="-128"/>
+                </a:rPr>
+                <a:t>4</a:t>
+              </a:r>
+              <a:endParaRPr kumimoji="1" lang="ja-JP" altLang="en-US" sz="1400" dirty="0">
+                <a:latin typeface="BIZ UDPゴシック" panose="020B0400000000000000" pitchFamily="50" charset="-128"/>
+                <a:ea typeface="BIZ UDPゴシック" panose="020B0400000000000000" pitchFamily="50" charset="-128"/>
+              </a:endParaRPr>
+            </a:p>
+          </p:txBody>
+        </p:sp>
+        <p:sp>
+          <p:nvSpPr>
+            <p:cNvPr id="16" name="テキスト ボックス 15">
+              <a:extLst>
+                <a:ext uri="{FF2B5EF4-FFF2-40B4-BE49-F238E27FC236}">
+                  <a16:creationId xmlns:a16="http://schemas.microsoft.com/office/drawing/2014/main" id="{D4D45F52-1383-E112-EA8F-7F7FDEC619ED}"/>
+                </a:ext>
+              </a:extLst>
+            </p:cNvPr>
+            <p:cNvSpPr txBox="1"/>
+            <p:nvPr/>
+          </p:nvSpPr>
+          <p:spPr>
+            <a:xfrm>
+              <a:off x="957142" y="6281271"/>
+              <a:ext cx="689630" cy="307777"/>
+            </a:xfrm>
+            <a:prstGeom prst="rect">
+              <a:avLst/>
+            </a:prstGeom>
+            <a:noFill/>
+          </p:spPr>
+          <p:txBody>
+            <a:bodyPr wrap="square" rtlCol="0">
+              <a:spAutoFit/>
+            </a:bodyPr>
+            <a:lstStyle/>
+            <a:p>
+              <a:r>
+                <a:rPr lang="en-US" altLang="ja-JP" sz="1400" dirty="0">
+                  <a:latin typeface="BIZ UDPゴシック" panose="020B0400000000000000" pitchFamily="50" charset="-128"/>
+                  <a:ea typeface="BIZ UDPゴシック" panose="020B0400000000000000" pitchFamily="50" charset="-128"/>
+                </a:rPr>
+                <a:t>1</a:t>
+              </a:r>
+              <a:endParaRPr kumimoji="1" lang="ja-JP" altLang="en-US" sz="1400" dirty="0">
+                <a:latin typeface="BIZ UDPゴシック" panose="020B0400000000000000" pitchFamily="50" charset="-128"/>
+                <a:ea typeface="BIZ UDPゴシック" panose="020B0400000000000000" pitchFamily="50" charset="-128"/>
+              </a:endParaRPr>
+            </a:p>
+          </p:txBody>
+        </p:sp>
+        <p:sp>
+          <p:nvSpPr>
+            <p:cNvPr id="17" name="テキスト ボックス 16">
+              <a:extLst>
+                <a:ext uri="{FF2B5EF4-FFF2-40B4-BE49-F238E27FC236}">
+                  <a16:creationId xmlns:a16="http://schemas.microsoft.com/office/drawing/2014/main" id="{2E2D1396-AB25-7B3C-D362-80F32C02F8D1}"/>
+                </a:ext>
+              </a:extLst>
+            </p:cNvPr>
+            <p:cNvSpPr txBox="1"/>
+            <p:nvPr/>
+          </p:nvSpPr>
+          <p:spPr>
+            <a:xfrm>
+              <a:off x="957142" y="3815940"/>
+              <a:ext cx="689630" cy="307777"/>
+            </a:xfrm>
+            <a:prstGeom prst="rect">
+              <a:avLst/>
+            </a:prstGeom>
+            <a:noFill/>
+          </p:spPr>
+          <p:txBody>
+            <a:bodyPr wrap="square" rtlCol="0">
+              <a:spAutoFit/>
+            </a:bodyPr>
+            <a:lstStyle/>
+            <a:p>
+              <a:r>
+                <a:rPr kumimoji="1" lang="en-US" altLang="ja-JP" sz="1400" dirty="0">
+                  <a:latin typeface="BIZ UDPゴシック" panose="020B0400000000000000" pitchFamily="50" charset="-128"/>
+                  <a:ea typeface="BIZ UDPゴシック" panose="020B0400000000000000" pitchFamily="50" charset="-128"/>
+                </a:rPr>
+                <a:t>3</a:t>
+              </a:r>
+              <a:endParaRPr kumimoji="1" lang="ja-JP" altLang="en-US" sz="1400" dirty="0">
+                <a:latin typeface="BIZ UDPゴシック" panose="020B0400000000000000" pitchFamily="50" charset="-128"/>
+                <a:ea typeface="BIZ UDPゴシック" panose="020B0400000000000000" pitchFamily="50" charset="-128"/>
+              </a:endParaRPr>
+            </a:p>
+          </p:txBody>
+        </p:sp>
+        <p:sp>
+          <p:nvSpPr>
+            <p:cNvPr id="18" name="テキスト ボックス 17">
+              <a:extLst>
+                <a:ext uri="{FF2B5EF4-FFF2-40B4-BE49-F238E27FC236}">
+                  <a16:creationId xmlns:a16="http://schemas.microsoft.com/office/drawing/2014/main" id="{9890189A-79D0-C7CB-DB22-586CF4F991EC}"/>
+                </a:ext>
+              </a:extLst>
+            </p:cNvPr>
+            <p:cNvSpPr txBox="1"/>
+            <p:nvPr/>
+          </p:nvSpPr>
+          <p:spPr>
+            <a:xfrm>
+              <a:off x="943923" y="5048605"/>
+              <a:ext cx="689630" cy="307777"/>
+            </a:xfrm>
+            <a:prstGeom prst="rect">
+              <a:avLst/>
+            </a:prstGeom>
+            <a:noFill/>
+          </p:spPr>
+          <p:txBody>
+            <a:bodyPr wrap="square" rtlCol="0">
+              <a:spAutoFit/>
+            </a:bodyPr>
+            <a:lstStyle/>
+            <a:p>
+              <a:r>
+                <a:rPr kumimoji="1" lang="en-US" altLang="ja-JP" sz="1400" dirty="0">
+                  <a:latin typeface="BIZ UDPゴシック" panose="020B0400000000000000" pitchFamily="50" charset="-128"/>
+                  <a:ea typeface="BIZ UDPゴシック" panose="020B0400000000000000" pitchFamily="50" charset="-128"/>
+                </a:rPr>
+                <a:t>2</a:t>
+              </a:r>
+              <a:endParaRPr kumimoji="1" lang="ja-JP" altLang="en-US" sz="1400" dirty="0">
+                <a:latin typeface="BIZ UDPゴシック" panose="020B0400000000000000" pitchFamily="50" charset="-128"/>
+                <a:ea typeface="BIZ UDPゴシック" panose="020B0400000000000000" pitchFamily="50" charset="-128"/>
+              </a:endParaRPr>
+            </a:p>
+          </p:txBody>
+        </p:sp>
+        <p:sp>
+          <p:nvSpPr>
+            <p:cNvPr id="19" name="吹き出し: 角を丸めた四角形 18">
+              <a:extLst>
+                <a:ext uri="{FF2B5EF4-FFF2-40B4-BE49-F238E27FC236}">
+                  <a16:creationId xmlns:a16="http://schemas.microsoft.com/office/drawing/2014/main" id="{3F9CF789-FF98-FFBB-53FB-898223617874}"/>
+                </a:ext>
+              </a:extLst>
+            </p:cNvPr>
+            <p:cNvSpPr/>
+            <p:nvPr/>
+          </p:nvSpPr>
+          <p:spPr>
+            <a:xfrm>
+              <a:off x="4800502" y="1502041"/>
+              <a:ext cx="1669921" cy="425606"/>
+            </a:xfrm>
+            <a:prstGeom prst="wedgeRoundRectCallout">
+              <a:avLst>
+                <a:gd name="adj1" fmla="val -33289"/>
+                <a:gd name="adj2" fmla="val 85719"/>
+                <a:gd name="adj3" fmla="val 16667"/>
+              </a:avLst>
+            </a:prstGeom>
+            <a:solidFill>
+              <a:schemeClr val="bg2"/>
+            </a:solidFill>
+          </p:spPr>
+          <p:style>
+            <a:lnRef idx="2">
+              <a:schemeClr val="accent3">
+                <a:shade val="15000"/>
+              </a:schemeClr>
+            </a:lnRef>
+            <a:fillRef idx="1">
+              <a:schemeClr val="accent3"/>
+            </a:fillRef>
+            <a:effectRef idx="0">
+              <a:schemeClr val="accent3"/>
+            </a:effectRef>
+            <a:fontRef idx="minor">
+              <a:schemeClr val="lt1"/>
+            </a:fontRef>
+          </p:style>
+          <p:txBody>
+            <a:bodyPr rtlCol="0" anchor="ctr"/>
+            <a:lstStyle/>
+            <a:p>
+              <a:pPr algn="ctr"/>
+              <a:r>
+                <a:rPr kumimoji="1" lang="ja-JP" altLang="en-US" sz="1200" dirty="0">
+                  <a:solidFill>
+                    <a:schemeClr val="tx1"/>
+                  </a:solidFill>
+                  <a:latin typeface="BIZ UDPゴシック" panose="020B0400000000000000" pitchFamily="50" charset="-128"/>
+                  <a:ea typeface="BIZ UDPゴシック" panose="020B0400000000000000" pitchFamily="50" charset="-128"/>
+                </a:rPr>
+                <a:t>シンボル長の短縮</a:t>
+              </a:r>
+              <a:endParaRPr kumimoji="1" lang="en-US" altLang="ja-JP" sz="1200" dirty="0">
+                <a:solidFill>
+                  <a:schemeClr val="tx1"/>
+                </a:solidFill>
+                <a:latin typeface="BIZ UDPゴシック" panose="020B0400000000000000" pitchFamily="50" charset="-128"/>
+                <a:ea typeface="BIZ UDPゴシック" panose="020B0400000000000000" pitchFamily="50" charset="-128"/>
+              </a:endParaRPr>
+            </a:p>
+            <a:p>
+              <a:pPr algn="ctr"/>
+              <a:r>
+                <a:rPr lang="en-US" altLang="ja-JP" sz="1200" dirty="0">
+                  <a:solidFill>
+                    <a:schemeClr val="tx1"/>
+                  </a:solidFill>
+                  <a:latin typeface="BIZ UDPゴシック" panose="020B0400000000000000" pitchFamily="50" charset="-128"/>
+                  <a:ea typeface="BIZ UDPゴシック" panose="020B0400000000000000" pitchFamily="50" charset="-128"/>
+                </a:rPr>
+                <a:t>4.0</a:t>
+              </a:r>
+              <a:r>
+                <a:rPr lang="ja-JP" altLang="en-US" sz="1200" dirty="0">
+                  <a:solidFill>
+                    <a:schemeClr val="tx1"/>
+                  </a:solidFill>
+                  <a:latin typeface="BIZ UDPゴシック" panose="020B0400000000000000" pitchFamily="50" charset="-128"/>
+                  <a:ea typeface="BIZ UDPゴシック" panose="020B0400000000000000" pitchFamily="50" charset="-128"/>
+                </a:rPr>
+                <a:t>→</a:t>
+              </a:r>
+              <a:r>
+                <a:rPr lang="en-US" altLang="ja-JP" sz="1200" dirty="0">
+                  <a:solidFill>
+                    <a:schemeClr val="tx1"/>
+                  </a:solidFill>
+                  <a:latin typeface="BIZ UDPゴシック" panose="020B0400000000000000" pitchFamily="50" charset="-128"/>
+                  <a:ea typeface="BIZ UDPゴシック" panose="020B0400000000000000" pitchFamily="50" charset="-128"/>
+                </a:rPr>
+                <a:t>3.6[</a:t>
+              </a:r>
+              <a:r>
+                <a:rPr lang="en-US" altLang="ja-JP" sz="1200" dirty="0" err="1">
+                  <a:solidFill>
+                    <a:schemeClr val="tx1"/>
+                  </a:solidFill>
+                  <a:latin typeface="BIZ UDPゴシック" panose="020B0400000000000000" pitchFamily="50" charset="-128"/>
+                  <a:ea typeface="BIZ UDPゴシック" panose="020B0400000000000000" pitchFamily="50" charset="-128"/>
+                </a:rPr>
+                <a:t>μsec</a:t>
+              </a:r>
+              <a:r>
+                <a:rPr lang="en-US" altLang="ja-JP" sz="1200" dirty="0">
+                  <a:solidFill>
+                    <a:schemeClr val="tx1"/>
+                  </a:solidFill>
+                  <a:latin typeface="BIZ UDPゴシック" panose="020B0400000000000000" pitchFamily="50" charset="-128"/>
+                  <a:ea typeface="BIZ UDPゴシック" panose="020B0400000000000000" pitchFamily="50" charset="-128"/>
+                </a:rPr>
+                <a:t>]</a:t>
+              </a:r>
+              <a:endParaRPr kumimoji="1" lang="ja-JP" altLang="en-US" sz="1200" dirty="0">
+                <a:solidFill>
+                  <a:schemeClr val="tx1"/>
+                </a:solidFill>
+                <a:latin typeface="BIZ UDPゴシック" panose="020B0400000000000000" pitchFamily="50" charset="-128"/>
+                <a:ea typeface="BIZ UDPゴシック" panose="020B0400000000000000" pitchFamily="50" charset="-128"/>
+              </a:endParaRPr>
+            </a:p>
+          </p:txBody>
+        </p:sp>
+        <p:sp>
+          <p:nvSpPr>
+            <p:cNvPr id="20" name="吹き出し: 角を丸めた四角形 19">
+              <a:extLst>
+                <a:ext uri="{FF2B5EF4-FFF2-40B4-BE49-F238E27FC236}">
+                  <a16:creationId xmlns:a16="http://schemas.microsoft.com/office/drawing/2014/main" id="{6CECF38D-7B96-2A1A-7DBD-3410C0F661FB}"/>
+                </a:ext>
+              </a:extLst>
+            </p:cNvPr>
+            <p:cNvSpPr/>
+            <p:nvPr/>
+          </p:nvSpPr>
+          <p:spPr>
+            <a:xfrm>
+              <a:off x="5112349" y="3015661"/>
+              <a:ext cx="1812489" cy="425606"/>
+            </a:xfrm>
+            <a:prstGeom prst="wedgeRoundRectCallout">
+              <a:avLst>
+                <a:gd name="adj1" fmla="val -36215"/>
+                <a:gd name="adj2" fmla="val 92170"/>
+                <a:gd name="adj3" fmla="val 16667"/>
+              </a:avLst>
+            </a:prstGeom>
+            <a:solidFill>
+              <a:schemeClr val="bg2"/>
+            </a:solidFill>
+          </p:spPr>
+          <p:style>
+            <a:lnRef idx="2">
+              <a:schemeClr val="accent3">
+                <a:shade val="15000"/>
+              </a:schemeClr>
+            </a:lnRef>
+            <a:fillRef idx="1">
+              <a:schemeClr val="accent3"/>
+            </a:fillRef>
+            <a:effectRef idx="0">
+              <a:schemeClr val="accent3"/>
+            </a:effectRef>
+            <a:fontRef idx="minor">
+              <a:schemeClr val="lt1"/>
+            </a:fontRef>
+          </p:style>
+          <p:txBody>
+            <a:bodyPr rtlCol="0" anchor="ctr"/>
+            <a:lstStyle/>
+            <a:p>
+              <a:pPr algn="ctr"/>
+              <a:r>
+                <a:rPr lang="ja-JP" altLang="en-US" sz="1200" dirty="0">
+                  <a:solidFill>
+                    <a:schemeClr val="tx1"/>
+                  </a:solidFill>
+                  <a:latin typeface="BIZ UDPゴシック" panose="020B0400000000000000" pitchFamily="50" charset="-128"/>
+                  <a:ea typeface="BIZ UDPゴシック" panose="020B0400000000000000" pitchFamily="50" charset="-128"/>
+                </a:rPr>
+                <a:t>各サブキャリアの変調方式に</a:t>
+              </a:r>
+              <a:r>
+                <a:rPr lang="en-US" altLang="ja-JP" sz="1200" dirty="0">
+                  <a:solidFill>
+                    <a:schemeClr val="tx1"/>
+                  </a:solidFill>
+                  <a:latin typeface="BIZ UDPゴシック" panose="020B0400000000000000" pitchFamily="50" charset="-128"/>
+                  <a:ea typeface="BIZ UDPゴシック" panose="020B0400000000000000" pitchFamily="50" charset="-128"/>
+                </a:rPr>
+                <a:t>64QAM</a:t>
+              </a:r>
+              <a:r>
+                <a:rPr lang="ja-JP" altLang="en-US" sz="1200" dirty="0">
+                  <a:solidFill>
+                    <a:schemeClr val="tx1"/>
+                  </a:solidFill>
+                  <a:latin typeface="BIZ UDPゴシック" panose="020B0400000000000000" pitchFamily="50" charset="-128"/>
+                  <a:ea typeface="BIZ UDPゴシック" panose="020B0400000000000000" pitchFamily="50" charset="-128"/>
+                </a:rPr>
+                <a:t>を追加</a:t>
+              </a:r>
+              <a:endParaRPr kumimoji="1" lang="ja-JP" altLang="en-US" sz="1200" dirty="0">
+                <a:solidFill>
+                  <a:schemeClr val="tx1"/>
+                </a:solidFill>
+                <a:latin typeface="BIZ UDPゴシック" panose="020B0400000000000000" pitchFamily="50" charset="-128"/>
+                <a:ea typeface="BIZ UDPゴシック" panose="020B0400000000000000" pitchFamily="50" charset="-128"/>
+              </a:endParaRPr>
+            </a:p>
+          </p:txBody>
+        </p:sp>
+        <p:sp>
+          <p:nvSpPr>
+            <p:cNvPr id="21" name="四角形: 角を丸くする 20">
+              <a:extLst>
+                <a:ext uri="{FF2B5EF4-FFF2-40B4-BE49-F238E27FC236}">
+                  <a16:creationId xmlns:a16="http://schemas.microsoft.com/office/drawing/2014/main" id="{BDAFF5C6-0448-BD81-6FCD-CC836EDD937C}"/>
+                </a:ext>
+              </a:extLst>
+            </p:cNvPr>
+            <p:cNvSpPr/>
+            <p:nvPr/>
+          </p:nvSpPr>
+          <p:spPr>
+            <a:xfrm>
+              <a:off x="1301957" y="5457217"/>
+              <a:ext cx="2121536" cy="1115775"/>
+            </a:xfrm>
+            <a:prstGeom prst="roundRect">
+              <a:avLst/>
+            </a:prstGeom>
+            <a:noFill/>
+            <a:ln w="38100" cap="flat" cmpd="sng" algn="ctr">
+              <a:solidFill>
+                <a:schemeClr val="accent1"/>
+              </a:solidFill>
+              <a:prstDash val="solid"/>
+              <a:round/>
+              <a:headEnd type="none" w="med" len="med"/>
+              <a:tailEnd type="none" w="med" len="med"/>
+            </a:ln>
+          </p:spPr>
+          <p:style>
+            <a:lnRef idx="0">
+              <a:scrgbClr r="0" g="0" b="0"/>
+            </a:lnRef>
+            <a:fillRef idx="0">
+              <a:scrgbClr r="0" g="0" b="0"/>
+            </a:fillRef>
+            <a:effectRef idx="0">
+              <a:scrgbClr r="0" g="0" b="0"/>
+            </a:effectRef>
+            <a:fontRef idx="minor">
+              <a:schemeClr val="accent1"/>
+            </a:fontRef>
+          </p:style>
+          <p:txBody>
+            <a:bodyPr rtlCol="0" anchor="ctr"/>
+            <a:lstStyle/>
+            <a:p>
+              <a:pPr algn="ctr"/>
+              <a:endParaRPr kumimoji="1" lang="ja-JP" altLang="en-US"/>
+            </a:p>
+          </p:txBody>
+        </p:sp>
+        <p:sp>
+          <p:nvSpPr>
+            <p:cNvPr id="22" name="矢印: 右 21">
+              <a:extLst>
+                <a:ext uri="{FF2B5EF4-FFF2-40B4-BE49-F238E27FC236}">
+                  <a16:creationId xmlns:a16="http://schemas.microsoft.com/office/drawing/2014/main" id="{62A9F6D0-E009-9ACE-A8F2-509F1ECBF2D5}"/>
+                </a:ext>
+              </a:extLst>
+            </p:cNvPr>
+            <p:cNvSpPr/>
+            <p:nvPr/>
+          </p:nvSpPr>
+          <p:spPr>
+            <a:xfrm>
+              <a:off x="3423494" y="5964027"/>
+              <a:ext cx="1758298" cy="96306"/>
+            </a:xfrm>
+            <a:prstGeom prst="rightArrow">
+              <a:avLst/>
+            </a:prstGeom>
+            <a:ln>
+              <a:noFill/>
+            </a:ln>
+          </p:spPr>
+          <p:style>
+            <a:lnRef idx="2">
+              <a:schemeClr val="accent1">
+                <a:shade val="15000"/>
+              </a:schemeClr>
+            </a:lnRef>
+            <a:fillRef idx="1">
+              <a:schemeClr val="accent1"/>
+            </a:fillRef>
+            <a:effectRef idx="0">
+              <a:schemeClr val="accent1"/>
+            </a:effectRef>
+            <a:fontRef idx="minor">
+              <a:schemeClr val="lt1"/>
+            </a:fontRef>
+          </p:style>
+          <p:txBody>
+            <a:bodyPr rtlCol="0" anchor="ctr"/>
+            <a:lstStyle/>
+            <a:p>
+              <a:pPr algn="ctr"/>
+              <a:endParaRPr kumimoji="1" lang="ja-JP" altLang="en-US"/>
+            </a:p>
+          </p:txBody>
+        </p:sp>
+        <p:sp>
+          <p:nvSpPr>
+            <p:cNvPr id="23" name="吹き出し: 角を丸めた四角形 22">
+              <a:extLst>
+                <a:ext uri="{FF2B5EF4-FFF2-40B4-BE49-F238E27FC236}">
+                  <a16:creationId xmlns:a16="http://schemas.microsoft.com/office/drawing/2014/main" id="{B52BD94B-3EFF-6E72-6397-3A999E723B21}"/>
+                </a:ext>
+              </a:extLst>
+            </p:cNvPr>
+            <p:cNvSpPr/>
+            <p:nvPr/>
+          </p:nvSpPr>
+          <p:spPr>
+            <a:xfrm>
+              <a:off x="4964051" y="5135234"/>
+              <a:ext cx="1868167" cy="646331"/>
+            </a:xfrm>
+            <a:prstGeom prst="wedgeRoundRectCallout">
+              <a:avLst>
+                <a:gd name="adj1" fmla="val -36215"/>
+                <a:gd name="adj2" fmla="val 92170"/>
+                <a:gd name="adj3" fmla="val 16667"/>
+              </a:avLst>
+            </a:prstGeom>
+            <a:solidFill>
+              <a:schemeClr val="bg2"/>
+            </a:solidFill>
+          </p:spPr>
+          <p:style>
+            <a:lnRef idx="2">
+              <a:schemeClr val="accent3">
+                <a:shade val="15000"/>
+              </a:schemeClr>
+            </a:lnRef>
+            <a:fillRef idx="1">
+              <a:schemeClr val="accent3"/>
+            </a:fillRef>
+            <a:effectRef idx="0">
+              <a:schemeClr val="accent3"/>
+            </a:effectRef>
+            <a:fontRef idx="minor">
+              <a:schemeClr val="lt1"/>
+            </a:fontRef>
+          </p:style>
+          <p:txBody>
+            <a:bodyPr rtlCol="0" anchor="ctr"/>
+            <a:lstStyle/>
+            <a:p>
+              <a:pPr algn="ctr"/>
+              <a:r>
+                <a:rPr kumimoji="1" lang="en-US" altLang="ja-JP" sz="1200" dirty="0">
+                  <a:solidFill>
+                    <a:schemeClr val="tx1"/>
+                  </a:solidFill>
+                  <a:latin typeface="BIZ UDPゴシック" panose="020B0400000000000000" pitchFamily="50" charset="-128"/>
+                  <a:ea typeface="BIZ UDPゴシック" panose="020B0400000000000000" pitchFamily="50" charset="-128"/>
+                </a:rPr>
+                <a:t>20MHz</a:t>
+              </a:r>
+              <a:r>
+                <a:rPr kumimoji="1" lang="ja-JP" altLang="en-US" sz="1200" dirty="0">
+                  <a:solidFill>
+                    <a:schemeClr val="tx1"/>
+                  </a:solidFill>
+                  <a:latin typeface="BIZ UDPゴシック" panose="020B0400000000000000" pitchFamily="50" charset="-128"/>
+                  <a:ea typeface="BIZ UDPゴシック" panose="020B0400000000000000" pitchFamily="50" charset="-128"/>
+                </a:rPr>
+                <a:t>帯域を</a:t>
+              </a:r>
+              <a:r>
+                <a:rPr kumimoji="1" lang="en-US" altLang="ja-JP" sz="1200" dirty="0">
+                  <a:solidFill>
+                    <a:schemeClr val="tx1"/>
+                  </a:solidFill>
+                  <a:latin typeface="BIZ UDPゴシック" panose="020B0400000000000000" pitchFamily="50" charset="-128"/>
+                  <a:ea typeface="BIZ UDPゴシック" panose="020B0400000000000000" pitchFamily="50" charset="-128"/>
+                </a:rPr>
+                <a:t>40MHz</a:t>
+              </a:r>
+              <a:r>
+                <a:rPr kumimoji="1" lang="ja-JP" altLang="en-US" sz="1200" dirty="0" err="1">
+                  <a:solidFill>
+                    <a:schemeClr val="tx1"/>
+                  </a:solidFill>
+                  <a:latin typeface="BIZ UDPゴシック" panose="020B0400000000000000" pitchFamily="50" charset="-128"/>
+                  <a:ea typeface="BIZ UDPゴシック" panose="020B0400000000000000" pitchFamily="50" charset="-128"/>
+                </a:rPr>
+                <a:t>に拡</a:t>
+              </a:r>
+              <a:r>
+                <a:rPr kumimoji="1" lang="ja-JP" altLang="en-US" sz="1200" dirty="0">
+                  <a:solidFill>
+                    <a:schemeClr val="tx1"/>
+                  </a:solidFill>
+                  <a:latin typeface="BIZ UDPゴシック" panose="020B0400000000000000" pitchFamily="50" charset="-128"/>
+                  <a:ea typeface="BIZ UDPゴシック" panose="020B0400000000000000" pitchFamily="50" charset="-128"/>
+                </a:rPr>
+                <a:t>大</a:t>
+              </a:r>
+              <a:endParaRPr kumimoji="1" lang="en-US" altLang="ja-JP" sz="1200" dirty="0">
+                <a:solidFill>
+                  <a:schemeClr val="tx1"/>
+                </a:solidFill>
+                <a:latin typeface="BIZ UDPゴシック" panose="020B0400000000000000" pitchFamily="50" charset="-128"/>
+                <a:ea typeface="BIZ UDPゴシック" panose="020B0400000000000000" pitchFamily="50" charset="-128"/>
+              </a:endParaRPr>
+            </a:p>
+            <a:p>
+              <a:pPr algn="ctr"/>
+              <a:r>
+                <a:rPr lang="en-US" altLang="ja-JP" sz="1200" dirty="0">
+                  <a:solidFill>
+                    <a:schemeClr val="tx1"/>
+                  </a:solidFill>
+                  <a:latin typeface="BIZ UDPゴシック" panose="020B0400000000000000" pitchFamily="50" charset="-128"/>
+                  <a:ea typeface="BIZ UDPゴシック" panose="020B0400000000000000" pitchFamily="50" charset="-128"/>
+                </a:rPr>
+                <a:t>(</a:t>
+              </a:r>
+              <a:r>
+                <a:rPr lang="ja-JP" altLang="en-US" sz="1200" dirty="0">
+                  <a:solidFill>
+                    <a:schemeClr val="tx1"/>
+                  </a:solidFill>
+                  <a:latin typeface="BIZ UDPゴシック" panose="020B0400000000000000" pitchFamily="50" charset="-128"/>
+                  <a:ea typeface="BIZ UDPゴシック" panose="020B0400000000000000" pitchFamily="50" charset="-128"/>
+                </a:rPr>
+                <a:t>サブキャリア数の増大</a:t>
+              </a:r>
+              <a:r>
+                <a:rPr lang="en-US" altLang="ja-JP" sz="1200" dirty="0">
+                  <a:solidFill>
+                    <a:schemeClr val="tx1"/>
+                  </a:solidFill>
+                  <a:latin typeface="BIZ UDPゴシック" panose="020B0400000000000000" pitchFamily="50" charset="-128"/>
+                  <a:ea typeface="BIZ UDPゴシック" panose="020B0400000000000000" pitchFamily="50" charset="-128"/>
+                </a:rPr>
+                <a:t>)</a:t>
+              </a:r>
+              <a:endParaRPr kumimoji="1" lang="ja-JP" altLang="en-US" sz="1200" dirty="0">
+                <a:solidFill>
+                  <a:schemeClr val="tx1"/>
+                </a:solidFill>
+                <a:latin typeface="BIZ UDPゴシック" panose="020B0400000000000000" pitchFamily="50" charset="-128"/>
+                <a:ea typeface="BIZ UDPゴシック" panose="020B0400000000000000" pitchFamily="50" charset="-128"/>
+              </a:endParaRPr>
+            </a:p>
+          </p:txBody>
+        </p:sp>
+        <p:sp>
+          <p:nvSpPr>
+            <p:cNvPr id="24" name="左中かっこ 23">
+              <a:extLst>
+                <a:ext uri="{FF2B5EF4-FFF2-40B4-BE49-F238E27FC236}">
+                  <a16:creationId xmlns:a16="http://schemas.microsoft.com/office/drawing/2014/main" id="{79AEEABD-105C-491A-EC4C-5835E77DA80B}"/>
+                </a:ext>
+              </a:extLst>
+            </p:cNvPr>
+            <p:cNvSpPr/>
+            <p:nvPr/>
+          </p:nvSpPr>
+          <p:spPr>
+            <a:xfrm>
+              <a:off x="625546" y="1927647"/>
+              <a:ext cx="478099" cy="4661401"/>
+            </a:xfrm>
+            <a:prstGeom prst="leftBrace">
+              <a:avLst/>
+            </a:prstGeom>
+            <a:ln>
+              <a:solidFill>
+                <a:schemeClr val="accent1">
+                  <a:lumMod val="50000"/>
+                </a:schemeClr>
+              </a:solidFill>
+            </a:ln>
+          </p:spPr>
+          <p:style>
+            <a:lnRef idx="1">
+              <a:schemeClr val="dk1"/>
+            </a:lnRef>
+            <a:fillRef idx="0">
+              <a:schemeClr val="dk1"/>
+            </a:fillRef>
+            <a:effectRef idx="0">
+              <a:schemeClr val="dk1"/>
+            </a:effectRef>
+            <a:fontRef idx="minor">
+              <a:schemeClr val="tx1"/>
+            </a:fontRef>
+          </p:style>
+          <p:txBody>
+            <a:bodyPr rtlCol="0" anchor="ctr"/>
+            <a:lstStyle/>
+            <a:p>
+              <a:pPr algn="ctr"/>
+              <a:endParaRPr kumimoji="1" lang="ja-JP" altLang="en-US"/>
+            </a:p>
+          </p:txBody>
+        </p:sp>
+        <p:sp>
+          <p:nvSpPr>
+            <p:cNvPr id="25" name="テキスト ボックス 24">
+              <a:extLst>
+                <a:ext uri="{FF2B5EF4-FFF2-40B4-BE49-F238E27FC236}">
+                  <a16:creationId xmlns:a16="http://schemas.microsoft.com/office/drawing/2014/main" id="{939F3DFE-5E99-D795-F85F-A85345420838}"/>
+                </a:ext>
+              </a:extLst>
+            </p:cNvPr>
+            <p:cNvSpPr txBox="1"/>
+            <p:nvPr/>
+          </p:nvSpPr>
+          <p:spPr>
+            <a:xfrm rot="16200000">
+              <a:off x="-1147851" y="3943856"/>
+              <a:ext cx="2963484" cy="369332"/>
+            </a:xfrm>
+            <a:prstGeom prst="rect">
+              <a:avLst/>
+            </a:prstGeom>
+            <a:noFill/>
+          </p:spPr>
+          <p:txBody>
+            <a:bodyPr wrap="square" rtlCol="0">
+              <a:spAutoFit/>
+            </a:bodyPr>
+            <a:lstStyle/>
+            <a:p>
+              <a:r>
+                <a:rPr kumimoji="1" lang="en-US" altLang="ja-JP" dirty="0">
+                  <a:latin typeface="BIZ UDPゴシック" panose="020B0400000000000000" pitchFamily="50" charset="-128"/>
+                  <a:ea typeface="BIZ UDPゴシック" panose="020B0400000000000000" pitchFamily="50" charset="-128"/>
+                </a:rPr>
+                <a:t>MIMO</a:t>
+              </a:r>
+              <a:r>
+                <a:rPr kumimoji="1" lang="ja-JP" altLang="en-US" dirty="0">
+                  <a:latin typeface="BIZ UDPゴシック" panose="020B0400000000000000" pitchFamily="50" charset="-128"/>
+                  <a:ea typeface="BIZ UDPゴシック" panose="020B0400000000000000" pitchFamily="50" charset="-128"/>
+                </a:rPr>
+                <a:t>による空間分割多重</a:t>
+              </a:r>
+            </a:p>
+          </p:txBody>
+        </p:sp>
+        <p:sp>
+          <p:nvSpPr>
+            <p:cNvPr id="30" name="吹き出し: 角を丸めた四角形 29">
+              <a:extLst>
+                <a:ext uri="{FF2B5EF4-FFF2-40B4-BE49-F238E27FC236}">
+                  <a16:creationId xmlns:a16="http://schemas.microsoft.com/office/drawing/2014/main" id="{82CD0F08-5868-0ECD-10F9-D8066DE33D69}"/>
+                </a:ext>
+              </a:extLst>
+            </p:cNvPr>
+            <p:cNvSpPr/>
+            <p:nvPr/>
+          </p:nvSpPr>
+          <p:spPr>
+            <a:xfrm>
+              <a:off x="929983" y="3022293"/>
+              <a:ext cx="1812489" cy="425606"/>
+            </a:xfrm>
+            <a:prstGeom prst="wedgeRoundRectCallout">
+              <a:avLst>
+                <a:gd name="adj1" fmla="val -53279"/>
+                <a:gd name="adj2" fmla="val 109547"/>
+                <a:gd name="adj3" fmla="val 16667"/>
+              </a:avLst>
+            </a:prstGeom>
+            <a:solidFill>
+              <a:schemeClr val="bg2"/>
+            </a:solidFill>
+          </p:spPr>
+          <p:style>
+            <a:lnRef idx="2">
+              <a:schemeClr val="accent3">
+                <a:shade val="15000"/>
+              </a:schemeClr>
+            </a:lnRef>
+            <a:fillRef idx="1">
+              <a:schemeClr val="accent3"/>
+            </a:fillRef>
+            <a:effectRef idx="0">
+              <a:schemeClr val="accent3"/>
+            </a:effectRef>
+            <a:fontRef idx="minor">
+              <a:schemeClr val="lt1"/>
+            </a:fontRef>
+          </p:style>
+          <p:txBody>
+            <a:bodyPr rtlCol="0" anchor="ctr"/>
+            <a:lstStyle/>
+            <a:p>
+              <a:pPr algn="ctr"/>
+              <a:r>
+                <a:rPr lang="en-US" altLang="ja-JP" sz="1200" dirty="0">
+                  <a:solidFill>
+                    <a:schemeClr val="tx1"/>
+                  </a:solidFill>
+                  <a:latin typeface="BIZ UDPゴシック" panose="020B0400000000000000" pitchFamily="50" charset="-128"/>
+                  <a:ea typeface="BIZ UDPゴシック" panose="020B0400000000000000" pitchFamily="50" charset="-128"/>
+                </a:rPr>
+                <a:t>MIMO</a:t>
+              </a:r>
+              <a:r>
+                <a:rPr lang="ja-JP" altLang="en-US" sz="1200" dirty="0">
+                  <a:solidFill>
+                    <a:schemeClr val="tx1"/>
+                  </a:solidFill>
+                  <a:latin typeface="BIZ UDPゴシック" panose="020B0400000000000000" pitchFamily="50" charset="-128"/>
+                  <a:ea typeface="BIZ UDPゴシック" panose="020B0400000000000000" pitchFamily="50" charset="-128"/>
+                </a:rPr>
+                <a:t>技術の採用</a:t>
+              </a:r>
+              <a:endParaRPr lang="en-US" altLang="ja-JP" sz="1200" dirty="0">
+                <a:solidFill>
+                  <a:schemeClr val="tx1"/>
+                </a:solidFill>
+                <a:latin typeface="BIZ UDPゴシック" panose="020B0400000000000000" pitchFamily="50" charset="-128"/>
+                <a:ea typeface="BIZ UDPゴシック" panose="020B0400000000000000" pitchFamily="50" charset="-128"/>
+              </a:endParaRPr>
+            </a:p>
+            <a:p>
+              <a:pPr algn="ctr"/>
+              <a:r>
+                <a:rPr kumimoji="1" lang="en-US" altLang="ja-JP" sz="1200" dirty="0">
+                  <a:solidFill>
+                    <a:schemeClr val="tx1"/>
+                  </a:solidFill>
+                  <a:latin typeface="BIZ UDPゴシック" panose="020B0400000000000000" pitchFamily="50" charset="-128"/>
+                  <a:ea typeface="BIZ UDPゴシック" panose="020B0400000000000000" pitchFamily="50" charset="-128"/>
+                </a:rPr>
+                <a:t>(</a:t>
+              </a:r>
+              <a:r>
+                <a:rPr kumimoji="1" lang="ja-JP" altLang="en-US" sz="1200" dirty="0">
+                  <a:solidFill>
+                    <a:schemeClr val="tx1"/>
+                  </a:solidFill>
+                  <a:latin typeface="BIZ UDPゴシック" panose="020B0400000000000000" pitchFamily="50" charset="-128"/>
+                  <a:ea typeface="BIZ UDPゴシック" panose="020B0400000000000000" pitchFamily="50" charset="-128"/>
+                </a:rPr>
+                <a:t>最大</a:t>
+              </a:r>
+              <a:r>
+                <a:rPr kumimoji="1" lang="en-US" altLang="ja-JP" sz="1200" dirty="0">
+                  <a:solidFill>
+                    <a:schemeClr val="tx1"/>
+                  </a:solidFill>
+                  <a:latin typeface="BIZ UDPゴシック" panose="020B0400000000000000" pitchFamily="50" charset="-128"/>
+                  <a:ea typeface="BIZ UDPゴシック" panose="020B0400000000000000" pitchFamily="50" charset="-128"/>
+                </a:rPr>
+                <a:t>4</a:t>
+              </a:r>
+              <a:r>
+                <a:rPr kumimoji="1" lang="ja-JP" altLang="en-US" sz="1200" dirty="0">
+                  <a:solidFill>
+                    <a:schemeClr val="tx1"/>
+                  </a:solidFill>
+                  <a:latin typeface="BIZ UDPゴシック" panose="020B0400000000000000" pitchFamily="50" charset="-128"/>
+                  <a:ea typeface="BIZ UDPゴシック" panose="020B0400000000000000" pitchFamily="50" charset="-128"/>
+                </a:rPr>
+                <a:t>多重</a:t>
+              </a:r>
+              <a:r>
+                <a:rPr kumimoji="1" lang="en-US" altLang="ja-JP" sz="1200" dirty="0">
+                  <a:solidFill>
+                    <a:schemeClr val="tx1"/>
+                  </a:solidFill>
+                  <a:latin typeface="BIZ UDPゴシック" panose="020B0400000000000000" pitchFamily="50" charset="-128"/>
+                  <a:ea typeface="BIZ UDPゴシック" panose="020B0400000000000000" pitchFamily="50" charset="-128"/>
+                </a:rPr>
+                <a:t>)</a:t>
+              </a:r>
+              <a:endParaRPr kumimoji="1" lang="ja-JP" altLang="en-US" sz="1200" dirty="0">
+                <a:solidFill>
+                  <a:schemeClr val="tx1"/>
+                </a:solidFill>
+                <a:latin typeface="BIZ UDPゴシック" panose="020B0400000000000000" pitchFamily="50" charset="-128"/>
+                <a:ea typeface="BIZ UDPゴシック" panose="020B0400000000000000" pitchFamily="50" charset="-128"/>
+              </a:endParaRPr>
+            </a:p>
+          </p:txBody>
+        </p:sp>
+        <p:cxnSp>
+          <p:nvCxnSpPr>
+            <p:cNvPr id="3" name="直線矢印コネクタ 2">
+              <a:extLst>
+                <a:ext uri="{FF2B5EF4-FFF2-40B4-BE49-F238E27FC236}">
+                  <a16:creationId xmlns:a16="http://schemas.microsoft.com/office/drawing/2014/main" id="{D4135866-3B05-444E-F9EA-CA5EFB1B0EAD}"/>
+                </a:ext>
+              </a:extLst>
+            </p:cNvPr>
+            <p:cNvCxnSpPr>
+              <a:cxnSpLocks/>
+            </p:cNvCxnSpPr>
+            <p:nvPr/>
+          </p:nvCxnSpPr>
+          <p:spPr>
+            <a:xfrm>
+              <a:off x="1263849" y="6698674"/>
+              <a:ext cx="1967969" cy="0"/>
+            </a:xfrm>
+            <a:prstGeom prst="straightConnector1">
+              <a:avLst/>
+            </a:prstGeom>
+            <a:ln w="19050">
+              <a:tailEnd type="triangle"/>
+            </a:ln>
+          </p:spPr>
+          <p:style>
+            <a:lnRef idx="1">
+              <a:schemeClr val="accent1"/>
+            </a:lnRef>
+            <a:fillRef idx="0">
+              <a:schemeClr val="accent1"/>
+            </a:fillRef>
+            <a:effectRef idx="0">
+              <a:schemeClr val="accent1"/>
+            </a:effectRef>
+            <a:fontRef idx="minor">
+              <a:schemeClr val="tx1"/>
+            </a:fontRef>
+          </p:style>
+        </p:cxnSp>
+        <p:sp>
+          <p:nvSpPr>
+            <p:cNvPr id="10" name="テキスト ボックス 9">
+              <a:extLst>
+                <a:ext uri="{FF2B5EF4-FFF2-40B4-BE49-F238E27FC236}">
+                  <a16:creationId xmlns:a16="http://schemas.microsoft.com/office/drawing/2014/main" id="{585714BA-67F8-2D6F-D63C-9A696BC8ED73}"/>
+                </a:ext>
+              </a:extLst>
+            </p:cNvPr>
+            <p:cNvSpPr txBox="1"/>
+            <p:nvPr/>
+          </p:nvSpPr>
+          <p:spPr>
+            <a:xfrm>
+              <a:off x="3172481" y="6552322"/>
+              <a:ext cx="1988725" cy="276999"/>
+            </a:xfrm>
+            <a:prstGeom prst="rect">
+              <a:avLst/>
+            </a:prstGeom>
+            <a:noFill/>
+          </p:spPr>
+          <p:txBody>
+            <a:bodyPr wrap="square" rtlCol="0">
+              <a:spAutoFit/>
+            </a:bodyPr>
+            <a:lstStyle/>
+            <a:p>
+              <a:r>
+                <a:rPr kumimoji="1" lang="ja-JP" altLang="en-US" sz="1200" dirty="0">
+                  <a:latin typeface="BIZ UDPゴシック" panose="020B0400000000000000" pitchFamily="50" charset="-128"/>
+                  <a:ea typeface="BIZ UDPゴシック" panose="020B0400000000000000" pitchFamily="50" charset="-128"/>
+                </a:rPr>
+                <a:t>従来の帯域幅</a:t>
+              </a:r>
+              <a:r>
+                <a:rPr kumimoji="1" lang="en-US" altLang="ja-JP" sz="1200" dirty="0">
+                  <a:latin typeface="BIZ UDPゴシック" panose="020B0400000000000000" pitchFamily="50" charset="-128"/>
+                  <a:ea typeface="BIZ UDPゴシック" panose="020B0400000000000000" pitchFamily="50" charset="-128"/>
+                </a:rPr>
+                <a:t>(20MHz)</a:t>
+              </a:r>
+              <a:endParaRPr kumimoji="1" lang="ja-JP" altLang="en-US" sz="1200" dirty="0">
+                <a:latin typeface="BIZ UDPゴシック" panose="020B0400000000000000" pitchFamily="50" charset="-128"/>
+                <a:ea typeface="BIZ UDPゴシック" panose="020B0400000000000000" pitchFamily="50" charset="-128"/>
+              </a:endParaRPr>
+            </a:p>
+          </p:txBody>
+        </p:sp>
+      </p:grpSp>
     </p:spTree>
     <p:extLst>
       <p:ext uri="{BB962C8B-B14F-4D97-AF65-F5344CB8AC3E}">
@@ -11435,21 +11456,6 @@
 </file>
 
 <file path=customXml/item1.xml><?xml version="1.0" encoding="utf-8"?>
-<p:properties xmlns:p="http://schemas.microsoft.com/office/2006/metadata/properties" xmlns:xsi="http://www.w3.org/2001/XMLSchema-instance" xmlns:pc="http://schemas.microsoft.com/office/infopath/2007/PartnerControls">
-  <documentManagement/>
-</p:properties>
-</file>
-
-<file path=customXml/item2.xml><?xml version="1.0" encoding="utf-8"?>
-<?mso-contentType ?>
-<FormTemplates xmlns="http://schemas.microsoft.com/sharepoint/v3/contenttype/forms">
-  <Display>DocumentLibraryForm</Display>
-  <Edit>DocumentLibraryForm</Edit>
-  <New>DocumentLibraryForm</New>
-</FormTemplates>
-</file>
-
-<file path=customXml/item3.xml><?xml version="1.0" encoding="utf-8"?>
 <ct:contentTypeSchema xmlns:ct="http://schemas.microsoft.com/office/2006/metadata/contentType" xmlns:ma="http://schemas.microsoft.com/office/2006/metadata/properties/metaAttributes" ct:_="" ma:_="" ma:contentTypeName="ドキュメント" ma:contentTypeID="0x0101003E09FD1B8D620F4DB701D846A58777FF" ma:contentTypeVersion="9" ma:contentTypeDescription="新しいドキュメントを作成します。" ma:contentTypeScope="" ma:versionID="60e7aa87c0704c541e6c160bd3c5db05">
   <xsd:schema xmlns:xsd="http://www.w3.org/2001/XMLSchema" xmlns:xs="http://www.w3.org/2001/XMLSchema" xmlns:p="http://schemas.microsoft.com/office/2006/metadata/properties" xmlns:ns3="f87cc323-2a07-4ed0-aeeb-f3753cc5f677" targetNamespace="http://schemas.microsoft.com/office/2006/metadata/properties" ma:root="true" ma:fieldsID="da0458dd451b34878066f88f08e4832d" ns3:_="">
     <xsd:import namespace="f87cc323-2a07-4ed0-aeeb-f3753cc5f677"/>
@@ -11627,31 +11633,22 @@
 </ct:contentTypeSchema>
 </file>
 
-<file path=customXml/itemProps1.xml><?xml version="1.0" encoding="utf-8"?>
-<ds:datastoreItem xmlns:ds="http://schemas.openxmlformats.org/officeDocument/2006/customXml" ds:itemID="{17B66297-64A9-434F-A9C4-AC880F8D2C36}">
-  <ds:schemaRefs>
-    <ds:schemaRef ds:uri="http://schemas.microsoft.com/office/infopath/2007/PartnerControls"/>
-    <ds:schemaRef ds:uri="http://purl.org/dc/dcmitype/"/>
-    <ds:schemaRef ds:uri="f87cc323-2a07-4ed0-aeeb-f3753cc5f677"/>
-    <ds:schemaRef ds:uri="http://schemas.microsoft.com/office/2006/metadata/properties"/>
-    <ds:schemaRef ds:uri="http://purl.org/dc/elements/1.1/"/>
-    <ds:schemaRef ds:uri="http://schemas.microsoft.com/office/2006/documentManagement/types"/>
-    <ds:schemaRef ds:uri="http://schemas.openxmlformats.org/package/2006/metadata/core-properties"/>
-    <ds:schemaRef ds:uri="http://www.w3.org/XML/1998/namespace"/>
-    <ds:schemaRef ds:uri="http://purl.org/dc/terms/"/>
-  </ds:schemaRefs>
-</ds:datastoreItem>
+<file path=customXml/item2.xml><?xml version="1.0" encoding="utf-8"?>
+<?mso-contentType ?>
+<FormTemplates xmlns="http://schemas.microsoft.com/sharepoint/v3/contenttype/forms">
+  <Display>DocumentLibraryForm</Display>
+  <Edit>DocumentLibraryForm</Edit>
+  <New>DocumentLibraryForm</New>
+</FormTemplates>
 </file>
 
-<file path=customXml/itemProps2.xml><?xml version="1.0" encoding="utf-8"?>
-<ds:datastoreItem xmlns:ds="http://schemas.openxmlformats.org/officeDocument/2006/customXml" ds:itemID="{4E94CB43-C64E-4EAA-BC17-53A937DD860B}">
-  <ds:schemaRefs>
-    <ds:schemaRef ds:uri="http://schemas.microsoft.com/sharepoint/v3/contenttype/forms"/>
-  </ds:schemaRefs>
-</ds:datastoreItem>
+<file path=customXml/item3.xml><?xml version="1.0" encoding="utf-8"?>
+<p:properties xmlns:p="http://schemas.microsoft.com/office/2006/metadata/properties" xmlns:xsi="http://www.w3.org/2001/XMLSchema-instance" xmlns:pc="http://schemas.microsoft.com/office/infopath/2007/PartnerControls">
+  <documentManagement/>
+</p:properties>
 </file>
 
-<file path=customXml/itemProps3.xml><?xml version="1.0" encoding="utf-8"?>
+<file path=customXml/itemProps1.xml><?xml version="1.0" encoding="utf-8"?>
 <ds:datastoreItem xmlns:ds="http://schemas.openxmlformats.org/officeDocument/2006/customXml" ds:itemID="{0C4384B0-02B3-4987-B987-A6A37AAF03FA}">
   <ds:schemaRefs>
     <ds:schemaRef ds:uri="http://schemas.microsoft.com/office/2006/metadata/contentType"/>
@@ -11667,4 +11664,28 @@
     <ds:schemaRef ds:uri="http://schemas.microsoft.com/internal/obd"/>
   </ds:schemaRefs>
 </ds:datastoreItem>
+</file>
+
+<file path=customXml/itemProps2.xml><?xml version="1.0" encoding="utf-8"?>
+<ds:datastoreItem xmlns:ds="http://schemas.openxmlformats.org/officeDocument/2006/customXml" ds:itemID="{4E94CB43-C64E-4EAA-BC17-53A937DD860B}">
+  <ds:schemaRefs>
+    <ds:schemaRef ds:uri="http://schemas.microsoft.com/sharepoint/v3/contenttype/forms"/>
+  </ds:schemaRefs>
+</ds:datastoreItem>
+</file>
+
+<file path=customXml/itemProps3.xml><?xml version="1.0" encoding="utf-8"?>
+<ds:datastoreItem xmlns:ds="http://schemas.openxmlformats.org/officeDocument/2006/customXml" ds:itemID="{17B66297-64A9-434F-A9C4-AC880F8D2C36}">
+  <ds:schemaRefs>
+    <ds:schemaRef ds:uri="http://schemas.microsoft.com/office/infopath/2007/PartnerControls"/>
+    <ds:schemaRef ds:uri="http://purl.org/dc/dcmitype/"/>
+    <ds:schemaRef ds:uri="f87cc323-2a07-4ed0-aeeb-f3753cc5f677"/>
+    <ds:schemaRef ds:uri="http://schemas.microsoft.com/office/2006/metadata/properties"/>
+    <ds:schemaRef ds:uri="http://purl.org/dc/elements/1.1/"/>
+    <ds:schemaRef ds:uri="http://schemas.microsoft.com/office/2006/documentManagement/types"/>
+    <ds:schemaRef ds:uri="http://schemas.openxmlformats.org/package/2006/metadata/core-properties"/>
+    <ds:schemaRef ds:uri="http://www.w3.org/XML/1998/namespace"/>
+    <ds:schemaRef ds:uri="http://purl.org/dc/terms/"/>
+  </ds:schemaRefs>
+</ds:datastoreItem>
 </file>